--- a/Parrot-Wireframe/Students flow.pptx
+++ b/Parrot-Wireframe/Students flow.pptx
@@ -263,7 +263,7 @@
           <a:p>
             <a:fld id="{244407FF-88D8-4799-B8FC-E0203F3B8DD7}" type="datetimeFigureOut">
               <a:rPr lang="fr-FR" smtClean="0"/>
-              <a:t>05/10/2014</a:t>
+              <a:t>05/06/2015</a:t>
             </a:fld>
             <a:endParaRPr lang="fr-FR"/>
           </a:p>
@@ -433,7 +433,7 @@
           <a:p>
             <a:fld id="{244407FF-88D8-4799-B8FC-E0203F3B8DD7}" type="datetimeFigureOut">
               <a:rPr lang="fr-FR" smtClean="0"/>
-              <a:t>05/10/2014</a:t>
+              <a:t>05/06/2015</a:t>
             </a:fld>
             <a:endParaRPr lang="fr-FR"/>
           </a:p>
@@ -613,7 +613,7 @@
           <a:p>
             <a:fld id="{244407FF-88D8-4799-B8FC-E0203F3B8DD7}" type="datetimeFigureOut">
               <a:rPr lang="fr-FR" smtClean="0"/>
-              <a:t>05/10/2014</a:t>
+              <a:t>05/06/2015</a:t>
             </a:fld>
             <a:endParaRPr lang="fr-FR"/>
           </a:p>
@@ -783,7 +783,7 @@
           <a:p>
             <a:fld id="{244407FF-88D8-4799-B8FC-E0203F3B8DD7}" type="datetimeFigureOut">
               <a:rPr lang="fr-FR" smtClean="0"/>
-              <a:t>05/10/2014</a:t>
+              <a:t>05/06/2015</a:t>
             </a:fld>
             <a:endParaRPr lang="fr-FR"/>
           </a:p>
@@ -1029,7 +1029,7 @@
           <a:p>
             <a:fld id="{244407FF-88D8-4799-B8FC-E0203F3B8DD7}" type="datetimeFigureOut">
               <a:rPr lang="fr-FR" smtClean="0"/>
-              <a:t>05/10/2014</a:t>
+              <a:t>05/06/2015</a:t>
             </a:fld>
             <a:endParaRPr lang="fr-FR"/>
           </a:p>
@@ -1261,7 +1261,7 @@
           <a:p>
             <a:fld id="{244407FF-88D8-4799-B8FC-E0203F3B8DD7}" type="datetimeFigureOut">
               <a:rPr lang="fr-FR" smtClean="0"/>
-              <a:t>05/10/2014</a:t>
+              <a:t>05/06/2015</a:t>
             </a:fld>
             <a:endParaRPr lang="fr-FR"/>
           </a:p>
@@ -1628,7 +1628,7 @@
           <a:p>
             <a:fld id="{244407FF-88D8-4799-B8FC-E0203F3B8DD7}" type="datetimeFigureOut">
               <a:rPr lang="fr-FR" smtClean="0"/>
-              <a:t>05/10/2014</a:t>
+              <a:t>05/06/2015</a:t>
             </a:fld>
             <a:endParaRPr lang="fr-FR"/>
           </a:p>
@@ -1746,7 +1746,7 @@
           <a:p>
             <a:fld id="{244407FF-88D8-4799-B8FC-E0203F3B8DD7}" type="datetimeFigureOut">
               <a:rPr lang="fr-FR" smtClean="0"/>
-              <a:t>05/10/2014</a:t>
+              <a:t>05/06/2015</a:t>
             </a:fld>
             <a:endParaRPr lang="fr-FR"/>
           </a:p>
@@ -1841,7 +1841,7 @@
           <a:p>
             <a:fld id="{244407FF-88D8-4799-B8FC-E0203F3B8DD7}" type="datetimeFigureOut">
               <a:rPr lang="fr-FR" smtClean="0"/>
-              <a:t>05/10/2014</a:t>
+              <a:t>05/06/2015</a:t>
             </a:fld>
             <a:endParaRPr lang="fr-FR"/>
           </a:p>
@@ -2118,7 +2118,7 @@
           <a:p>
             <a:fld id="{244407FF-88D8-4799-B8FC-E0203F3B8DD7}" type="datetimeFigureOut">
               <a:rPr lang="fr-FR" smtClean="0"/>
-              <a:t>05/10/2014</a:t>
+              <a:t>05/06/2015</a:t>
             </a:fld>
             <a:endParaRPr lang="fr-FR"/>
           </a:p>
@@ -2371,7 +2371,7 @@
           <a:p>
             <a:fld id="{244407FF-88D8-4799-B8FC-E0203F3B8DD7}" type="datetimeFigureOut">
               <a:rPr lang="fr-FR" smtClean="0"/>
-              <a:t>05/10/2014</a:t>
+              <a:t>05/06/2015</a:t>
             </a:fld>
             <a:endParaRPr lang="fr-FR"/>
           </a:p>
@@ -2584,7 +2584,7 @@
           <a:p>
             <a:fld id="{244407FF-88D8-4799-B8FC-E0203F3B8DD7}" type="datetimeFigureOut">
               <a:rPr lang="fr-FR" smtClean="0"/>
-              <a:t>05/10/2014</a:t>
+              <a:t>05/06/2015</a:t>
             </a:fld>
             <a:endParaRPr lang="fr-FR"/>
           </a:p>
@@ -3239,21 +3239,17 @@
             </a:r>
             <a:r>
               <a:rPr lang="fr-FR" dirty="0" smtClean="0"/>
+              <a:t> QR code to </a:t>
+            </a:r>
+            <a:r>
+              <a:rPr lang="fr-FR" dirty="0" err="1" smtClean="0"/>
+              <a:t>students</a:t>
+            </a:r>
+            <a:r>
+              <a:rPr lang="fr-FR" dirty="0" smtClean="0"/>
               <a:t> </a:t>
             </a:r>
             <a:r>
-              <a:rPr lang="fr-FR" dirty="0" smtClean="0"/>
-              <a:t>QR code to </a:t>
-            </a:r>
-            <a:r>
-              <a:rPr lang="fr-FR" dirty="0" err="1" smtClean="0"/>
-              <a:t>students</a:t>
-            </a:r>
-            <a:r>
-              <a:rPr lang="fr-FR" dirty="0" smtClean="0"/>
-              <a:t> </a:t>
-            </a:r>
-            <a:r>
               <a:rPr lang="fr-FR" dirty="0" err="1" smtClean="0"/>
               <a:t>during</a:t>
             </a:r>
@@ -3261,7 +3257,6 @@
               <a:rPr lang="fr-FR" dirty="0" smtClean="0"/>
               <a:t> class</a:t>
             </a:r>
-            <a:endParaRPr lang="fr-FR" dirty="0" smtClean="0"/>
           </a:p>
         </p:txBody>
       </p:sp>
@@ -3649,7 +3644,7 @@
             </a:r>
             <a:r>
               <a:rPr lang="fr-FR" altLang="zh-CN" dirty="0" smtClean="0"/>
-              <a:t>–</a:t>
+              <a:t>– </a:t>
             </a:r>
             <a:r>
               <a:rPr lang="fr-FR" altLang="zh-CN" dirty="0" err="1" smtClean="0"/>
@@ -4149,22 +4144,10 @@
           <a:p>
             <a:pPr algn="ctr"/>
             <a:r>
-              <a:rPr lang="fr-FR" dirty="0" smtClean="0"/>
-              <a:t>Scan QR code to Install/</a:t>
-            </a:r>
-            <a:r>
-              <a:rPr lang="fr-FR" dirty="0" err="1" smtClean="0"/>
-              <a:t>launch</a:t>
-            </a:r>
-            <a:r>
-              <a:rPr lang="fr-FR" dirty="0" smtClean="0"/>
-              <a:t> </a:t>
-            </a:r>
-            <a:r>
-              <a:rPr lang="fr-FR" dirty="0" err="1" smtClean="0"/>
-              <a:t>app</a:t>
-            </a:r>
-            <a:endParaRPr lang="fr-FR" dirty="0"/>
+              <a:rPr lang="en-US" dirty="0" smtClean="0"/>
+              <a:t>Scan QR code to Install/launch app</a:t>
+            </a:r>
+            <a:endParaRPr lang="en-US" dirty="0"/>
           </a:p>
         </p:txBody>
       </p:sp>
@@ -4205,18 +4188,18 @@
           <a:p>
             <a:pPr algn="ctr"/>
             <a:r>
-              <a:rPr lang="fr-FR" dirty="0" smtClean="0"/>
+              <a:rPr lang="en-US" dirty="0" smtClean="0"/>
               <a:t>Input </a:t>
             </a:r>
             <a:r>
-              <a:rPr lang="fr-FR" dirty="0" err="1" smtClean="0"/>
+              <a:rPr lang="en-US" dirty="0" err="1" smtClean="0"/>
               <a:t>wechat</a:t>
             </a:r>
             <a:r>
-              <a:rPr lang="fr-FR" dirty="0" smtClean="0"/>
+              <a:rPr lang="en-US" dirty="0" smtClean="0"/>
               <a:t> Id or Mobile# and Name</a:t>
             </a:r>
-            <a:endParaRPr lang="fr-FR" dirty="0"/>
+            <a:endParaRPr lang="en-US" dirty="0"/>
           </a:p>
         </p:txBody>
       </p:sp>
@@ -4262,38 +4245,10 @@
           <a:p>
             <a:pPr algn="ctr"/>
             <a:r>
-              <a:rPr lang="fr-FR" dirty="0" smtClean="0"/>
-              <a:t>Teacher </a:t>
-            </a:r>
-            <a:r>
-              <a:rPr lang="fr-FR" dirty="0" err="1" smtClean="0"/>
-              <a:t>distributes</a:t>
-            </a:r>
-            <a:r>
-              <a:rPr lang="fr-FR" dirty="0" smtClean="0"/>
-              <a:t> </a:t>
-            </a:r>
-            <a:r>
-              <a:rPr lang="fr-FR" dirty="0" smtClean="0"/>
-              <a:t>QR code and class code to </a:t>
-            </a:r>
-            <a:r>
-              <a:rPr lang="fr-FR" dirty="0" err="1" smtClean="0"/>
-              <a:t>students</a:t>
-            </a:r>
-            <a:r>
-              <a:rPr lang="fr-FR" dirty="0" smtClean="0"/>
-              <a:t> (</a:t>
-            </a:r>
-            <a:r>
-              <a:rPr lang="fr-FR" dirty="0" err="1" smtClean="0"/>
-              <a:t>during</a:t>
-            </a:r>
-            <a:r>
-              <a:rPr lang="fr-FR" dirty="0" smtClean="0"/>
-              <a:t> class)</a:t>
-            </a:r>
-            <a:endParaRPr lang="fr-FR" dirty="0" smtClean="0"/>
+              <a:rPr lang="en-US" dirty="0" smtClean="0"/>
+              <a:t>Teacher distributes QR code and class code to students (during class)</a:t>
+            </a:r>
+            <a:endParaRPr lang="en-US" dirty="0" smtClean="0"/>
           </a:p>
         </p:txBody>
       </p:sp>
@@ -4390,42 +4345,22 @@
           <a:lstStyle/>
           <a:p>
             <a:r>
-              <a:rPr lang="fr-FR" dirty="0" smtClean="0"/>
-              <a:t>First </a:t>
-            </a:r>
-            <a:r>
-              <a:rPr lang="fr-FR" dirty="0" err="1" smtClean="0"/>
-              <a:t>experience</a:t>
-            </a:r>
-            <a:r>
-              <a:rPr lang="fr-FR" dirty="0" smtClean="0"/>
-              <a:t> flow </a:t>
-            </a:r>
-            <a:r>
-              <a:rPr lang="fr-FR" altLang="zh-CN" dirty="0" smtClean="0"/>
-              <a:t>– </a:t>
-            </a:r>
-            <a:r>
-              <a:rPr lang="fr-FR" altLang="zh-CN" dirty="0" err="1" smtClean="0"/>
-              <a:t>without</a:t>
-            </a:r>
-            <a:r>
-              <a:rPr lang="fr-FR" altLang="zh-CN" dirty="0" smtClean="0"/>
-              <a:t> </a:t>
-            </a:r>
-            <a:r>
-              <a:rPr lang="fr-FR" altLang="zh-CN" dirty="0" err="1" smtClean="0"/>
+              <a:rPr lang="en-US" dirty="0" smtClean="0"/>
+              <a:t>First experience flow </a:t>
+            </a:r>
+            <a:r>
+              <a:rPr lang="en-US" altLang="zh-CN" dirty="0" smtClean="0"/>
+              <a:t>– without </a:t>
+            </a:r>
+            <a:r>
+              <a:rPr lang="en-US" altLang="zh-CN" dirty="0" err="1" smtClean="0"/>
               <a:t>accouts</a:t>
             </a:r>
             <a:r>
-              <a:rPr lang="fr-FR" altLang="zh-CN" dirty="0" smtClean="0"/>
-              <a:t> of class </a:t>
-            </a:r>
-            <a:r>
-              <a:rPr lang="fr-FR" altLang="zh-CN" dirty="0" err="1" smtClean="0"/>
-              <a:t>imported</a:t>
-            </a:r>
-            <a:endParaRPr lang="fr-FR" dirty="0"/>
+              <a:rPr lang="en-US" altLang="zh-CN" dirty="0" smtClean="0"/>
+              <a:t> of class imported</a:t>
+            </a:r>
+            <a:endParaRPr lang="en-US" dirty="0"/>
           </a:p>
         </p:txBody>
       </p:sp>
@@ -4466,18 +4401,10 @@
           <a:p>
             <a:pPr algn="ctr"/>
             <a:r>
-              <a:rPr lang="fr-FR" dirty="0" smtClean="0"/>
-              <a:t>Select </a:t>
-            </a:r>
-            <a:r>
-              <a:rPr lang="fr-FR" dirty="0" err="1" smtClean="0"/>
-              <a:t>Sign</a:t>
-            </a:r>
-            <a:r>
-              <a:rPr lang="fr-FR" dirty="0" smtClean="0"/>
-              <a:t>-up</a:t>
-            </a:r>
-            <a:endParaRPr lang="fr-FR" dirty="0"/>
+              <a:rPr lang="en-US" dirty="0" smtClean="0"/>
+              <a:t>Select Sign-up</a:t>
+            </a:r>
+            <a:endParaRPr lang="en-US" dirty="0"/>
           </a:p>
         </p:txBody>
       </p:sp>
@@ -4554,18 +4481,10 @@
           <a:p>
             <a:pPr algn="ctr"/>
             <a:r>
-              <a:rPr lang="fr-FR" dirty="0" smtClean="0"/>
-              <a:t>Auto-</a:t>
-            </a:r>
-            <a:r>
-              <a:rPr lang="fr-FR" dirty="0" err="1" smtClean="0"/>
-              <a:t>approve</a:t>
-            </a:r>
-            <a:r>
-              <a:rPr lang="fr-FR" dirty="0"/>
-              <a:t>?</a:t>
-            </a:r>
-            <a:endParaRPr lang="fr-FR" dirty="0"/>
+              <a:rPr lang="en-US" dirty="0" smtClean="0"/>
+              <a:t>Auto-approve?</a:t>
+            </a:r>
+            <a:endParaRPr lang="en-US" dirty="0"/>
           </a:p>
         </p:txBody>
       </p:sp>
@@ -4645,7 +4564,7 @@
               <a:rPr lang="en-US" dirty="0" smtClean="0"/>
               <a:t>Download inbox and test </a:t>
             </a:r>
-            <a:endParaRPr lang="fr-FR" dirty="0"/>
+            <a:endParaRPr lang="en-US" dirty="0"/>
           </a:p>
         </p:txBody>
       </p:sp>
@@ -4725,7 +4644,7 @@
               <a:rPr lang="en-US" dirty="0" smtClean="0"/>
               <a:t>Pending status</a:t>
             </a:r>
-            <a:endParaRPr lang="fr-FR" dirty="0"/>
+            <a:endParaRPr lang="en-US" dirty="0"/>
           </a:p>
         </p:txBody>
       </p:sp>
@@ -4788,10 +4707,10 @@
           <a:lstStyle/>
           <a:p>
             <a:r>
-              <a:rPr lang="fr-FR" dirty="0" err="1" smtClean="0"/>
+              <a:rPr lang="en-US" dirty="0" smtClean="0"/>
               <a:t>Yes</a:t>
             </a:r>
-            <a:endParaRPr lang="fr-FR" dirty="0"/>
+            <a:endParaRPr lang="en-US" dirty="0"/>
           </a:p>
         </p:txBody>
       </p:sp>
@@ -4818,10 +4737,10 @@
           <a:lstStyle/>
           <a:p>
             <a:r>
-              <a:rPr lang="fr-FR" dirty="0" smtClean="0"/>
+              <a:rPr lang="en-US" dirty="0" smtClean="0"/>
               <a:t>No</a:t>
             </a:r>
-            <a:endParaRPr lang="fr-FR" dirty="0"/>
+            <a:endParaRPr lang="en-US" dirty="0"/>
           </a:p>
         </p:txBody>
       </p:sp>
@@ -4865,34 +4784,10 @@
           <a:p>
             <a:pPr algn="ctr"/>
             <a:r>
-              <a:rPr lang="fr-FR" dirty="0" err="1" smtClean="0"/>
-              <a:t>Generate</a:t>
-            </a:r>
-            <a:r>
-              <a:rPr lang="fr-FR" dirty="0" smtClean="0"/>
-              <a:t> class code </a:t>
-            </a:r>
-            <a:r>
-              <a:rPr lang="fr-FR" dirty="0" err="1" smtClean="0"/>
-              <a:t>with</a:t>
-            </a:r>
-            <a:r>
-              <a:rPr lang="fr-FR" dirty="0" smtClean="0"/>
-              <a:t> expiration date, </a:t>
-            </a:r>
-            <a:r>
-              <a:rPr lang="fr-FR" dirty="0" err="1" smtClean="0"/>
-              <a:t>member</a:t>
-            </a:r>
-            <a:r>
-              <a:rPr lang="fr-FR" dirty="0" smtClean="0"/>
-              <a:t> </a:t>
-            </a:r>
-            <a:r>
-              <a:rPr lang="fr-FR" dirty="0" err="1" smtClean="0"/>
-              <a:t>limit</a:t>
-            </a:r>
-            <a:endParaRPr lang="fr-FR" dirty="0"/>
+              <a:rPr lang="en-US" dirty="0" smtClean="0"/>
+              <a:t>Generate class code with expiration date, member limit</a:t>
+            </a:r>
+            <a:endParaRPr lang="en-US" dirty="0"/>
           </a:p>
         </p:txBody>
       </p:sp>
@@ -4969,30 +4864,10 @@
           <a:p>
             <a:pPr algn="ctr"/>
             <a:r>
-              <a:rPr lang="fr-FR" dirty="0" err="1" smtClean="0"/>
-              <a:t>Request</a:t>
-            </a:r>
-            <a:r>
-              <a:rPr lang="fr-FR" dirty="0" smtClean="0"/>
-              <a:t> to </a:t>
-            </a:r>
-            <a:r>
-              <a:rPr lang="fr-FR" dirty="0" err="1" smtClean="0"/>
-              <a:t>join</a:t>
-            </a:r>
-            <a:r>
-              <a:rPr lang="fr-FR" dirty="0" smtClean="0"/>
-              <a:t> the class </a:t>
-            </a:r>
-            <a:r>
-              <a:rPr lang="fr-FR" dirty="0" err="1" smtClean="0"/>
-              <a:t>with</a:t>
-            </a:r>
-            <a:r>
-              <a:rPr lang="fr-FR" dirty="0" smtClean="0"/>
-              <a:t> class code</a:t>
-            </a:r>
-            <a:endParaRPr lang="fr-FR" dirty="0"/>
+              <a:rPr lang="en-US" dirty="0" smtClean="0"/>
+              <a:t>Request to join the class with class code</a:t>
+            </a:r>
+            <a:endParaRPr lang="en-US" dirty="0"/>
           </a:p>
         </p:txBody>
       </p:sp>
@@ -5069,18 +4944,10 @@
           <a:p>
             <a:pPr algn="ctr"/>
             <a:r>
-              <a:rPr lang="fr-FR" dirty="0" smtClean="0"/>
-              <a:t>Teacher </a:t>
-            </a:r>
-            <a:r>
-              <a:rPr lang="fr-FR" dirty="0" err="1" smtClean="0"/>
-              <a:t>approve</a:t>
-            </a:r>
-            <a:r>
-              <a:rPr lang="fr-FR" dirty="0" smtClean="0"/>
-              <a:t>?</a:t>
-            </a:r>
-            <a:endParaRPr lang="fr-FR" dirty="0"/>
+              <a:rPr lang="en-US" dirty="0" smtClean="0"/>
+              <a:t>Teacher approve?</a:t>
+            </a:r>
+            <a:endParaRPr lang="en-US" dirty="0"/>
           </a:p>
         </p:txBody>
       </p:sp>
@@ -5179,10 +5046,10 @@
           <a:lstStyle/>
           <a:p>
             <a:r>
-              <a:rPr lang="fr-FR" dirty="0" err="1" smtClean="0"/>
+              <a:rPr lang="en-US" dirty="0" smtClean="0"/>
               <a:t>Yes</a:t>
             </a:r>
-            <a:endParaRPr lang="fr-FR" dirty="0"/>
+            <a:endParaRPr lang="en-US" dirty="0"/>
           </a:p>
         </p:txBody>
       </p:sp>
@@ -5209,10 +5076,10 @@
           <a:lstStyle/>
           <a:p>
             <a:r>
-              <a:rPr lang="fr-FR" dirty="0" smtClean="0"/>
+              <a:rPr lang="en-US" dirty="0" smtClean="0"/>
               <a:t>No</a:t>
             </a:r>
-            <a:endParaRPr lang="fr-FR" dirty="0"/>
+            <a:endParaRPr lang="en-US" dirty="0"/>
           </a:p>
         </p:txBody>
       </p:sp>
@@ -5256,7 +5123,7 @@
               <a:rPr lang="en-US" dirty="0" smtClean="0"/>
               <a:t>Deny status</a:t>
             </a:r>
-            <a:endParaRPr lang="fr-FR" dirty="0"/>
+            <a:endParaRPr lang="en-US" dirty="0"/>
           </a:p>
         </p:txBody>
       </p:sp>
@@ -5778,7 +5645,6 @@
               <a:rPr lang="fr-FR" dirty="0"/>
               <a:t>?</a:t>
             </a:r>
-            <a:endParaRPr lang="fr-FR" dirty="0"/>
           </a:p>
         </p:txBody>
       </p:sp>

--- a/Parrot-Wireframe/Students flow.pptx
+++ b/Parrot-Wireframe/Students flow.pptx
@@ -8,12 +8,11 @@
     <p:sldId id="256" r:id="rId2"/>
     <p:sldId id="257" r:id="rId3"/>
     <p:sldId id="265" r:id="rId4"/>
-    <p:sldId id="264" r:id="rId5"/>
-    <p:sldId id="258" r:id="rId6"/>
-    <p:sldId id="261" r:id="rId7"/>
-    <p:sldId id="259" r:id="rId8"/>
-    <p:sldId id="262" r:id="rId9"/>
-    <p:sldId id="263" r:id="rId10"/>
+    <p:sldId id="258" r:id="rId5"/>
+    <p:sldId id="261" r:id="rId6"/>
+    <p:sldId id="259" r:id="rId7"/>
+    <p:sldId id="262" r:id="rId8"/>
+    <p:sldId id="263" r:id="rId9"/>
   </p:sldIdLst>
   <p:sldSz cx="12192000" cy="6858000"/>
   <p:notesSz cx="6858000" cy="9144000"/>
@@ -122,7 +121,7 @@
 
 <file path=ppt/commentAuthors.xml><?xml version="1.0" encoding="utf-8"?>
 <p:cmAuthorLst xmlns:a="http://schemas.openxmlformats.org/drawingml/2006/main" xmlns:r="http://schemas.openxmlformats.org/officeDocument/2006/relationships" xmlns:p="http://schemas.openxmlformats.org/presentationml/2006/main">
-  <p:cmAuthor id="1" name="吴斐" initials="吴斐" lastIdx="2" clrIdx="0">
+  <p:cmAuthor id="1" name="吴斐" initials="吴斐" lastIdx="5" clrIdx="0">
     <p:extLst>
       <p:ext uri="{19B8F6BF-5375-455C-9EA6-DF929625EA0E}">
         <p15:presenceInfo xmlns:p15="http://schemas.microsoft.com/office/powerpoint/2012/main" userId="1e7981b67800a0b4" providerId="Windows Live"/>
@@ -130,6 +129,38 @@
     </p:extLst>
   </p:cmAuthor>
 </p:cmAuthorLst>
+</file>
+
+<file path=ppt/comments/comment1.xml><?xml version="1.0" encoding="utf-8"?>
+<p:cmLst xmlns:a="http://schemas.openxmlformats.org/drawingml/2006/main" xmlns:r="http://schemas.openxmlformats.org/officeDocument/2006/relationships" xmlns:p="http://schemas.openxmlformats.org/presentationml/2006/main">
+  <p:cm authorId="1" dt="2015-07-28T21:41:47.575" idx="3">
+    <p:pos x="5178" y="3550"/>
+    <p:text>if assigned with several classes, will display exercises with the highest level of classes</p:text>
+    <p:extLst>
+      <p:ext uri="{C676402C-5697-4E1C-873F-D02D1690AC5C}">
+        <p15:threadingInfo xmlns:p15="http://schemas.microsoft.com/office/powerpoint/2012/main" timeZoneBias="-120"/>
+      </p:ext>
+    </p:extLst>
+  </p:cm>
+  <p:cm authorId="1" dt="2015-07-28T21:42:41.746" idx="4">
+    <p:pos x="1615" y="1434"/>
+    <p:text>a student can be assigned to several classes?</p:text>
+    <p:extLst>
+      <p:ext uri="{C676402C-5697-4E1C-873F-D02D1690AC5C}">
+        <p15:threadingInfo xmlns:p15="http://schemas.microsoft.com/office/powerpoint/2012/main" timeZoneBias="-120"/>
+      </p:ext>
+    </p:extLst>
+  </p:cm>
+  <p:cm authorId="1" dt="2015-07-28T21:43:22.834" idx="5">
+    <p:pos x="4771" y="1327"/>
+    <p:text>another option is to use QBR (二维码) to install App</p:text>
+    <p:extLst>
+      <p:ext uri="{C676402C-5697-4E1C-873F-D02D1690AC5C}">
+        <p15:threadingInfo xmlns:p15="http://schemas.microsoft.com/office/powerpoint/2012/main" timeZoneBias="-120"/>
+      </p:ext>
+    </p:extLst>
+  </p:cm>
+</p:cmLst>
 </file>
 
 <file path=ppt/slideLayouts/slideLayout1.xml><?xml version="1.0" encoding="utf-8"?>
@@ -263,9 +294,9 @@
           <a:p>
             <a:fld id="{244407FF-88D8-4799-B8FC-E0203F3B8DD7}" type="datetimeFigureOut">
               <a:rPr lang="fr-FR" smtClean="0"/>
-              <a:t>05/06/2015</a:t>
+              <a:t>28/07/2015</a:t>
             </a:fld>
-            <a:endParaRPr lang="fr-FR"/>
+            <a:endParaRPr lang="fr-FR" dirty="0"/>
           </a:p>
         </p:txBody>
       </p:sp>
@@ -284,7 +315,7 @@
           <a:bodyPr/>
           <a:lstStyle/>
           <a:p>
-            <a:endParaRPr lang="fr-FR"/>
+            <a:endParaRPr lang="fr-FR" dirty="0"/>
           </a:p>
         </p:txBody>
       </p:sp>
@@ -307,7 +338,7 @@
               <a:rPr lang="fr-FR" smtClean="0"/>
               <a:t>‹#›</a:t>
             </a:fld>
-            <a:endParaRPr lang="fr-FR"/>
+            <a:endParaRPr lang="fr-FR" dirty="0"/>
           </a:p>
         </p:txBody>
       </p:sp>
@@ -433,9 +464,9 @@
           <a:p>
             <a:fld id="{244407FF-88D8-4799-B8FC-E0203F3B8DD7}" type="datetimeFigureOut">
               <a:rPr lang="fr-FR" smtClean="0"/>
-              <a:t>05/06/2015</a:t>
+              <a:t>28/07/2015</a:t>
             </a:fld>
-            <a:endParaRPr lang="fr-FR"/>
+            <a:endParaRPr lang="fr-FR" dirty="0"/>
           </a:p>
         </p:txBody>
       </p:sp>
@@ -454,7 +485,7 @@
           <a:bodyPr/>
           <a:lstStyle/>
           <a:p>
-            <a:endParaRPr lang="fr-FR"/>
+            <a:endParaRPr lang="fr-FR" dirty="0"/>
           </a:p>
         </p:txBody>
       </p:sp>
@@ -477,7 +508,7 @@
               <a:rPr lang="fr-FR" smtClean="0"/>
               <a:t>‹#›</a:t>
             </a:fld>
-            <a:endParaRPr lang="fr-FR"/>
+            <a:endParaRPr lang="fr-FR" dirty="0"/>
           </a:p>
         </p:txBody>
       </p:sp>
@@ -613,9 +644,9 @@
           <a:p>
             <a:fld id="{244407FF-88D8-4799-B8FC-E0203F3B8DD7}" type="datetimeFigureOut">
               <a:rPr lang="fr-FR" smtClean="0"/>
-              <a:t>05/06/2015</a:t>
+              <a:t>28/07/2015</a:t>
             </a:fld>
-            <a:endParaRPr lang="fr-FR"/>
+            <a:endParaRPr lang="fr-FR" dirty="0"/>
           </a:p>
         </p:txBody>
       </p:sp>
@@ -634,7 +665,7 @@
           <a:bodyPr/>
           <a:lstStyle/>
           <a:p>
-            <a:endParaRPr lang="fr-FR"/>
+            <a:endParaRPr lang="fr-FR" dirty="0"/>
           </a:p>
         </p:txBody>
       </p:sp>
@@ -657,7 +688,7 @@
               <a:rPr lang="fr-FR" smtClean="0"/>
               <a:t>‹#›</a:t>
             </a:fld>
-            <a:endParaRPr lang="fr-FR"/>
+            <a:endParaRPr lang="fr-FR" dirty="0"/>
           </a:p>
         </p:txBody>
       </p:sp>
@@ -783,9 +814,9 @@
           <a:p>
             <a:fld id="{244407FF-88D8-4799-B8FC-E0203F3B8DD7}" type="datetimeFigureOut">
               <a:rPr lang="fr-FR" smtClean="0"/>
-              <a:t>05/06/2015</a:t>
+              <a:t>28/07/2015</a:t>
             </a:fld>
-            <a:endParaRPr lang="fr-FR"/>
+            <a:endParaRPr lang="fr-FR" dirty="0"/>
           </a:p>
         </p:txBody>
       </p:sp>
@@ -804,7 +835,7 @@
           <a:bodyPr/>
           <a:lstStyle/>
           <a:p>
-            <a:endParaRPr lang="fr-FR"/>
+            <a:endParaRPr lang="fr-FR" dirty="0"/>
           </a:p>
         </p:txBody>
       </p:sp>
@@ -827,7 +858,7 @@
               <a:rPr lang="fr-FR" smtClean="0"/>
               <a:t>‹#›</a:t>
             </a:fld>
-            <a:endParaRPr lang="fr-FR"/>
+            <a:endParaRPr lang="fr-FR" dirty="0"/>
           </a:p>
         </p:txBody>
       </p:sp>
@@ -1029,9 +1060,9 @@
           <a:p>
             <a:fld id="{244407FF-88D8-4799-B8FC-E0203F3B8DD7}" type="datetimeFigureOut">
               <a:rPr lang="fr-FR" smtClean="0"/>
-              <a:t>05/06/2015</a:t>
+              <a:t>28/07/2015</a:t>
             </a:fld>
-            <a:endParaRPr lang="fr-FR"/>
+            <a:endParaRPr lang="fr-FR" dirty="0"/>
           </a:p>
         </p:txBody>
       </p:sp>
@@ -1050,7 +1081,7 @@
           <a:bodyPr/>
           <a:lstStyle/>
           <a:p>
-            <a:endParaRPr lang="fr-FR"/>
+            <a:endParaRPr lang="fr-FR" dirty="0"/>
           </a:p>
         </p:txBody>
       </p:sp>
@@ -1073,7 +1104,7 @@
               <a:rPr lang="fr-FR" smtClean="0"/>
               <a:t>‹#›</a:t>
             </a:fld>
-            <a:endParaRPr lang="fr-FR"/>
+            <a:endParaRPr lang="fr-FR" dirty="0"/>
           </a:p>
         </p:txBody>
       </p:sp>
@@ -1261,9 +1292,9 @@
           <a:p>
             <a:fld id="{244407FF-88D8-4799-B8FC-E0203F3B8DD7}" type="datetimeFigureOut">
               <a:rPr lang="fr-FR" smtClean="0"/>
-              <a:t>05/06/2015</a:t>
+              <a:t>28/07/2015</a:t>
             </a:fld>
-            <a:endParaRPr lang="fr-FR"/>
+            <a:endParaRPr lang="fr-FR" dirty="0"/>
           </a:p>
         </p:txBody>
       </p:sp>
@@ -1282,7 +1313,7 @@
           <a:bodyPr/>
           <a:lstStyle/>
           <a:p>
-            <a:endParaRPr lang="fr-FR"/>
+            <a:endParaRPr lang="fr-FR" dirty="0"/>
           </a:p>
         </p:txBody>
       </p:sp>
@@ -1305,7 +1336,7 @@
               <a:rPr lang="fr-FR" smtClean="0"/>
               <a:t>‹#›</a:t>
             </a:fld>
-            <a:endParaRPr lang="fr-FR"/>
+            <a:endParaRPr lang="fr-FR" dirty="0"/>
           </a:p>
         </p:txBody>
       </p:sp>
@@ -1628,9 +1659,9 @@
           <a:p>
             <a:fld id="{244407FF-88D8-4799-B8FC-E0203F3B8DD7}" type="datetimeFigureOut">
               <a:rPr lang="fr-FR" smtClean="0"/>
-              <a:t>05/06/2015</a:t>
+              <a:t>28/07/2015</a:t>
             </a:fld>
-            <a:endParaRPr lang="fr-FR"/>
+            <a:endParaRPr lang="fr-FR" dirty="0"/>
           </a:p>
         </p:txBody>
       </p:sp>
@@ -1649,7 +1680,7 @@
           <a:bodyPr/>
           <a:lstStyle/>
           <a:p>
-            <a:endParaRPr lang="fr-FR"/>
+            <a:endParaRPr lang="fr-FR" dirty="0"/>
           </a:p>
         </p:txBody>
       </p:sp>
@@ -1672,7 +1703,7 @@
               <a:rPr lang="fr-FR" smtClean="0"/>
               <a:t>‹#›</a:t>
             </a:fld>
-            <a:endParaRPr lang="fr-FR"/>
+            <a:endParaRPr lang="fr-FR" dirty="0"/>
           </a:p>
         </p:txBody>
       </p:sp>
@@ -1746,9 +1777,9 @@
           <a:p>
             <a:fld id="{244407FF-88D8-4799-B8FC-E0203F3B8DD7}" type="datetimeFigureOut">
               <a:rPr lang="fr-FR" smtClean="0"/>
-              <a:t>05/06/2015</a:t>
+              <a:t>28/07/2015</a:t>
             </a:fld>
-            <a:endParaRPr lang="fr-FR"/>
+            <a:endParaRPr lang="fr-FR" dirty="0"/>
           </a:p>
         </p:txBody>
       </p:sp>
@@ -1767,7 +1798,7 @@
           <a:bodyPr/>
           <a:lstStyle/>
           <a:p>
-            <a:endParaRPr lang="fr-FR"/>
+            <a:endParaRPr lang="fr-FR" dirty="0"/>
           </a:p>
         </p:txBody>
       </p:sp>
@@ -1790,7 +1821,7 @@
               <a:rPr lang="fr-FR" smtClean="0"/>
               <a:t>‹#›</a:t>
             </a:fld>
-            <a:endParaRPr lang="fr-FR"/>
+            <a:endParaRPr lang="fr-FR" dirty="0"/>
           </a:p>
         </p:txBody>
       </p:sp>
@@ -1841,9 +1872,9 @@
           <a:p>
             <a:fld id="{244407FF-88D8-4799-B8FC-E0203F3B8DD7}" type="datetimeFigureOut">
               <a:rPr lang="fr-FR" smtClean="0"/>
-              <a:t>05/06/2015</a:t>
+              <a:t>28/07/2015</a:t>
             </a:fld>
-            <a:endParaRPr lang="fr-FR"/>
+            <a:endParaRPr lang="fr-FR" dirty="0"/>
           </a:p>
         </p:txBody>
       </p:sp>
@@ -1862,7 +1893,7 @@
           <a:bodyPr/>
           <a:lstStyle/>
           <a:p>
-            <a:endParaRPr lang="fr-FR"/>
+            <a:endParaRPr lang="fr-FR" dirty="0"/>
           </a:p>
         </p:txBody>
       </p:sp>
@@ -1885,7 +1916,7 @@
               <a:rPr lang="fr-FR" smtClean="0"/>
               <a:t>‹#›</a:t>
             </a:fld>
-            <a:endParaRPr lang="fr-FR"/>
+            <a:endParaRPr lang="fr-FR" dirty="0"/>
           </a:p>
         </p:txBody>
       </p:sp>
@@ -2118,9 +2149,9 @@
           <a:p>
             <a:fld id="{244407FF-88D8-4799-B8FC-E0203F3B8DD7}" type="datetimeFigureOut">
               <a:rPr lang="fr-FR" smtClean="0"/>
-              <a:t>05/06/2015</a:t>
+              <a:t>28/07/2015</a:t>
             </a:fld>
-            <a:endParaRPr lang="fr-FR"/>
+            <a:endParaRPr lang="fr-FR" dirty="0"/>
           </a:p>
         </p:txBody>
       </p:sp>
@@ -2139,7 +2170,7 @@
           <a:bodyPr/>
           <a:lstStyle/>
           <a:p>
-            <a:endParaRPr lang="fr-FR"/>
+            <a:endParaRPr lang="fr-FR" dirty="0"/>
           </a:p>
         </p:txBody>
       </p:sp>
@@ -2162,7 +2193,7 @@
               <a:rPr lang="fr-FR" smtClean="0"/>
               <a:t>‹#›</a:t>
             </a:fld>
-            <a:endParaRPr lang="fr-FR"/>
+            <a:endParaRPr lang="fr-FR" dirty="0"/>
           </a:p>
         </p:txBody>
       </p:sp>
@@ -2285,7 +2316,7 @@
             </a:lvl9pPr>
           </a:lstStyle>
           <a:p>
-            <a:endParaRPr lang="fr-FR"/>
+            <a:endParaRPr lang="fr-FR" dirty="0"/>
           </a:p>
         </p:txBody>
       </p:sp>
@@ -2371,9 +2402,9 @@
           <a:p>
             <a:fld id="{244407FF-88D8-4799-B8FC-E0203F3B8DD7}" type="datetimeFigureOut">
               <a:rPr lang="fr-FR" smtClean="0"/>
-              <a:t>05/06/2015</a:t>
+              <a:t>28/07/2015</a:t>
             </a:fld>
-            <a:endParaRPr lang="fr-FR"/>
+            <a:endParaRPr lang="fr-FR" dirty="0"/>
           </a:p>
         </p:txBody>
       </p:sp>
@@ -2392,7 +2423,7 @@
           <a:bodyPr/>
           <a:lstStyle/>
           <a:p>
-            <a:endParaRPr lang="fr-FR"/>
+            <a:endParaRPr lang="fr-FR" dirty="0"/>
           </a:p>
         </p:txBody>
       </p:sp>
@@ -2415,7 +2446,7 @@
               <a:rPr lang="fr-FR" smtClean="0"/>
               <a:t>‹#›</a:t>
             </a:fld>
-            <a:endParaRPr lang="fr-FR"/>
+            <a:endParaRPr lang="fr-FR" dirty="0"/>
           </a:p>
         </p:txBody>
       </p:sp>
@@ -2584,9 +2615,9 @@
           <a:p>
             <a:fld id="{244407FF-88D8-4799-B8FC-E0203F3B8DD7}" type="datetimeFigureOut">
               <a:rPr lang="fr-FR" smtClean="0"/>
-              <a:t>05/06/2015</a:t>
+              <a:t>28/07/2015</a:t>
             </a:fld>
-            <a:endParaRPr lang="fr-FR"/>
+            <a:endParaRPr lang="fr-FR" dirty="0"/>
           </a:p>
         </p:txBody>
       </p:sp>
@@ -2623,7 +2654,7 @@
             </a:lvl1pPr>
           </a:lstStyle>
           <a:p>
-            <a:endParaRPr lang="fr-FR"/>
+            <a:endParaRPr lang="fr-FR" dirty="0"/>
           </a:p>
         </p:txBody>
       </p:sp>
@@ -2664,7 +2695,7 @@
               <a:rPr lang="fr-FR" smtClean="0"/>
               <a:t>‹#›</a:t>
             </a:fld>
-            <a:endParaRPr lang="fr-FR"/>
+            <a:endParaRPr lang="fr-FR" dirty="0"/>
           </a:p>
         </p:txBody>
       </p:sp>
@@ -3005,7 +3036,7 @@
           <a:lstStyle/>
           <a:p>
             <a:r>
-              <a:rPr lang="fr-FR" altLang="zh-CN" dirty="0" err="1" smtClean="0"/>
+              <a:rPr lang="en-US" altLang="zh-CN" dirty="0" smtClean="0"/>
               <a:t>Students</a:t>
             </a:r>
             <a:r>
@@ -3013,12 +3044,12 @@
               <a:t> </a:t>
             </a:r>
             <a:r>
-              <a:rPr lang="fr-FR" altLang="zh-CN" dirty="0" err="1" smtClean="0"/>
-              <a:t>app</a:t>
-            </a:r>
-            <a:r>
               <a:rPr lang="fr-FR" altLang="zh-CN" dirty="0" smtClean="0"/>
-              <a:t> flow</a:t>
+              <a:t>App </a:t>
+            </a:r>
+            <a:r>
+              <a:rPr lang="fr-FR" altLang="zh-CN" dirty="0" smtClean="0"/>
+              <a:t>flow</a:t>
             </a:r>
             <a:endParaRPr lang="fr-FR" dirty="0"/>
           </a:p>
@@ -3039,7 +3070,7 @@
           <a:bodyPr/>
           <a:lstStyle/>
           <a:p>
-            <a:endParaRPr lang="fr-FR"/>
+            <a:endParaRPr lang="fr-FR" dirty="0"/>
           </a:p>
         </p:txBody>
       </p:sp>
@@ -3088,8 +3119,8 @@
         </p:nvSpPr>
         <p:spPr>
           <a:xfrm>
-            <a:off x="7523345" y="1581834"/>
-            <a:ext cx="1722189" cy="924913"/>
+            <a:off x="9975831" y="1715807"/>
+            <a:ext cx="1666962" cy="839647"/>
           </a:xfrm>
           <a:prstGeom prst="rect">
             <a:avLst/>
@@ -3117,74 +3148,18 @@
           <a:p>
             <a:pPr algn="ctr"/>
             <a:r>
-              <a:rPr lang="fr-FR" dirty="0" smtClean="0"/>
-              <a:t>Scan QR code to Install/</a:t>
-            </a:r>
-            <a:r>
-              <a:rPr lang="fr-FR" dirty="0" err="1" smtClean="0"/>
-              <a:t>launch</a:t>
-            </a:r>
-            <a:r>
-              <a:rPr lang="fr-FR" dirty="0" smtClean="0"/>
-              <a:t> </a:t>
-            </a:r>
-            <a:r>
-              <a:rPr lang="fr-FR" dirty="0" err="1" smtClean="0"/>
-              <a:t>app</a:t>
-            </a:r>
-            <a:endParaRPr lang="fr-FR" dirty="0"/>
-          </a:p>
-        </p:txBody>
-      </p:sp>
-      <p:sp>
-        <p:nvSpPr>
-          <p:cNvPr id="6" name="Rectangle 5"/>
-          <p:cNvSpPr/>
-          <p:nvPr/>
-        </p:nvSpPr>
-        <p:spPr>
-          <a:xfrm>
-            <a:off x="9754897" y="3160381"/>
-            <a:ext cx="2175576" cy="1063752"/>
-          </a:xfrm>
-          <a:prstGeom prst="rect">
-            <a:avLst/>
-          </a:prstGeom>
-        </p:spPr>
-        <p:style>
-          <a:lnRef idx="2">
-            <a:schemeClr val="accent1">
-              <a:shade val="50000"/>
-            </a:schemeClr>
-          </a:lnRef>
-          <a:fillRef idx="1">
-            <a:schemeClr val="accent1"/>
-          </a:fillRef>
-          <a:effectRef idx="0">
-            <a:schemeClr val="accent1"/>
-          </a:effectRef>
-          <a:fontRef idx="minor">
-            <a:schemeClr val="lt1"/>
-          </a:fontRef>
-        </p:style>
-        <p:txBody>
-          <a:bodyPr rtlCol="0" anchor="ctr"/>
-          <a:lstStyle/>
-          <a:p>
-            <a:pPr algn="ctr"/>
-            <a:r>
-              <a:rPr lang="fr-FR" dirty="0" smtClean="0"/>
-              <a:t>Input </a:t>
-            </a:r>
-            <a:r>
-              <a:rPr lang="fr-FR" dirty="0" err="1" smtClean="0"/>
-              <a:t>wechat</a:t>
-            </a:r>
-            <a:r>
-              <a:rPr lang="fr-FR" dirty="0" smtClean="0"/>
-              <a:t> Id or Mobile# and Name</a:t>
-            </a:r>
-            <a:endParaRPr lang="fr-FR" dirty="0"/>
+              <a:rPr lang="en-US" dirty="0" smtClean="0"/>
+              <a:t>Go to URL to </a:t>
+            </a:r>
+            <a:r>
+              <a:rPr lang="en-US" dirty="0"/>
+              <a:t>i</a:t>
+            </a:r>
+            <a:r>
+              <a:rPr lang="en-US" dirty="0" smtClean="0"/>
+              <a:t>nstall App</a:t>
+            </a:r>
+            <a:endParaRPr lang="en-US" dirty="0"/>
           </a:p>
         </p:txBody>
       </p:sp>
@@ -3196,8 +3171,8 @@
         </p:nvSpPr>
         <p:spPr>
           <a:xfrm>
-            <a:off x="3791118" y="1438501"/>
-            <a:ext cx="2520764" cy="1213104"/>
+            <a:off x="6883130" y="1600744"/>
+            <a:ext cx="2361625" cy="1069771"/>
           </a:xfrm>
           <a:prstGeom prst="rect">
             <a:avLst/>
@@ -3230,192 +3205,10 @@
           <a:p>
             <a:pPr algn="ctr"/>
             <a:r>
-              <a:rPr lang="fr-FR" dirty="0" smtClean="0"/>
-              <a:t>Teacher </a:t>
-            </a:r>
-            <a:r>
-              <a:rPr lang="fr-FR" dirty="0" err="1" smtClean="0"/>
-              <a:t>distributes</a:t>
-            </a:r>
-            <a:r>
-              <a:rPr lang="fr-FR" dirty="0" smtClean="0"/>
-              <a:t> QR code to </a:t>
-            </a:r>
-            <a:r>
-              <a:rPr lang="fr-FR" dirty="0" err="1" smtClean="0"/>
-              <a:t>students</a:t>
-            </a:r>
-            <a:r>
-              <a:rPr lang="fr-FR" dirty="0" smtClean="0"/>
-              <a:t> </a:t>
-            </a:r>
-            <a:r>
-              <a:rPr lang="fr-FR" dirty="0" err="1" smtClean="0"/>
-              <a:t>during</a:t>
-            </a:r>
-            <a:r>
-              <a:rPr lang="fr-FR" dirty="0" smtClean="0"/>
-              <a:t> class</a:t>
-            </a:r>
-          </a:p>
-        </p:txBody>
-      </p:sp>
-      <p:sp>
-        <p:nvSpPr>
-          <p:cNvPr id="10" name="TextBox 9"/>
-          <p:cNvSpPr txBox="1"/>
-          <p:nvPr/>
-        </p:nvSpPr>
-        <p:spPr>
-          <a:xfrm>
-            <a:off x="350959" y="5784794"/>
-            <a:ext cx="6220998" cy="923330"/>
-          </a:xfrm>
-          <a:prstGeom prst="rect">
-            <a:avLst/>
-          </a:prstGeom>
-          <a:noFill/>
-        </p:spPr>
-        <p:txBody>
-          <a:bodyPr wrap="none" rtlCol="0">
-            <a:spAutoFit/>
-          </a:bodyPr>
-          <a:lstStyle/>
-          <a:p>
-            <a:r>
-              <a:rPr lang="fr-FR" dirty="0" smtClean="0"/>
-              <a:t>*</a:t>
-            </a:r>
-            <a:r>
-              <a:rPr lang="fr-FR" dirty="0" err="1" smtClean="0"/>
-              <a:t>teacher</a:t>
-            </a:r>
-            <a:r>
-              <a:rPr lang="fr-FR" dirty="0" smtClean="0"/>
-              <a:t> </a:t>
-            </a:r>
-            <a:r>
-              <a:rPr lang="fr-FR" dirty="0" err="1" smtClean="0"/>
-              <a:t>can</a:t>
-            </a:r>
-            <a:r>
-              <a:rPr lang="fr-FR" dirty="0" smtClean="0"/>
-              <a:t> </a:t>
-            </a:r>
-            <a:r>
-              <a:rPr lang="fr-FR" dirty="0" err="1" smtClean="0"/>
-              <a:t>share</a:t>
-            </a:r>
-            <a:r>
-              <a:rPr lang="fr-FR" dirty="0" smtClean="0"/>
-              <a:t> code or QBR </a:t>
-            </a:r>
-            <a:r>
-              <a:rPr lang="fr-FR" dirty="0" err="1" smtClean="0"/>
-              <a:t>thru</a:t>
-            </a:r>
-            <a:r>
-              <a:rPr lang="fr-FR" dirty="0" smtClean="0"/>
-              <a:t> email or at class</a:t>
-            </a:r>
-          </a:p>
-          <a:p>
-            <a:r>
-              <a:rPr lang="fr-FR" dirty="0" smtClean="0"/>
-              <a:t>*</a:t>
-            </a:r>
-            <a:r>
-              <a:rPr lang="fr-FR" dirty="0" err="1" smtClean="0"/>
-              <a:t>we</a:t>
-            </a:r>
-            <a:r>
-              <a:rPr lang="fr-FR" dirty="0" smtClean="0"/>
-              <a:t> </a:t>
-            </a:r>
-            <a:r>
-              <a:rPr lang="fr-FR" dirty="0" err="1" smtClean="0"/>
-              <a:t>will</a:t>
-            </a:r>
-            <a:r>
-              <a:rPr lang="fr-FR" dirty="0" smtClean="0"/>
-              <a:t> display </a:t>
-            </a:r>
-            <a:r>
-              <a:rPr lang="fr-FR" dirty="0" err="1" smtClean="0"/>
-              <a:t>student</a:t>
-            </a:r>
-            <a:r>
-              <a:rPr lang="fr-FR" dirty="0" smtClean="0"/>
-              <a:t> </a:t>
-            </a:r>
-            <a:r>
-              <a:rPr lang="fr-FR" dirty="0" err="1" smtClean="0"/>
-              <a:t>name</a:t>
-            </a:r>
-            <a:r>
-              <a:rPr lang="fr-FR" dirty="0" smtClean="0"/>
-              <a:t> at the </a:t>
-            </a:r>
-            <a:r>
-              <a:rPr lang="fr-FR" dirty="0" err="1" smtClean="0"/>
-              <a:t>app</a:t>
-            </a:r>
-            <a:endParaRPr lang="fr-FR" dirty="0" smtClean="0"/>
-          </a:p>
-          <a:p>
-            <a:r>
-              <a:rPr lang="zh-CN" altLang="fr-FR" dirty="0" smtClean="0"/>
-              <a:t>*</a:t>
-            </a:r>
-            <a:r>
-              <a:rPr lang="fr-FR" altLang="zh-CN" dirty="0" err="1" smtClean="0"/>
-              <a:t>username</a:t>
-            </a:r>
-            <a:r>
-              <a:rPr lang="fr-FR" altLang="zh-CN" dirty="0" smtClean="0"/>
-              <a:t> </a:t>
-            </a:r>
-            <a:r>
-              <a:rPr lang="fr-FR" altLang="zh-CN" dirty="0" err="1" smtClean="0"/>
-              <a:t>can</a:t>
-            </a:r>
-            <a:r>
-              <a:rPr lang="fr-FR" altLang="zh-CN" dirty="0" smtClean="0"/>
-              <a:t> </a:t>
-            </a:r>
-            <a:r>
-              <a:rPr lang="fr-FR" altLang="zh-CN" dirty="0" err="1" smtClean="0"/>
-              <a:t>be</a:t>
-            </a:r>
-            <a:r>
-              <a:rPr lang="fr-FR" altLang="zh-CN" dirty="0" smtClean="0"/>
-              <a:t> </a:t>
-            </a:r>
-            <a:r>
-              <a:rPr lang="fr-FR" altLang="zh-CN" dirty="0" err="1" smtClean="0"/>
-              <a:t>either</a:t>
-            </a:r>
-            <a:r>
-              <a:rPr lang="fr-FR" altLang="zh-CN" dirty="0" smtClean="0"/>
-              <a:t> mobile # or email </a:t>
-            </a:r>
-            <a:r>
-              <a:rPr lang="fr-FR" altLang="zh-CN" dirty="0" err="1" smtClean="0"/>
-              <a:t>address</a:t>
-            </a:r>
-            <a:r>
-              <a:rPr lang="fr-FR" altLang="zh-CN" dirty="0" smtClean="0"/>
-              <a:t> or </a:t>
-            </a:r>
-            <a:r>
-              <a:rPr lang="fr-FR" altLang="zh-CN" dirty="0" err="1" smtClean="0"/>
-              <a:t>any</a:t>
-            </a:r>
-            <a:r>
-              <a:rPr lang="fr-FR" altLang="zh-CN" dirty="0" smtClean="0"/>
-              <a:t> string</a:t>
-            </a:r>
-            <a:endParaRPr lang="fr-FR" dirty="0"/>
+              <a:rPr lang="en-US" dirty="0" smtClean="0"/>
+              <a:t>Teacher distributes URL*   to students</a:t>
+            </a:r>
+            <a:endParaRPr lang="en-US" dirty="0" smtClean="0"/>
           </a:p>
         </p:txBody>
       </p:sp>
@@ -3427,8 +3220,8 @@
         </p:nvSpPr>
         <p:spPr>
           <a:xfrm>
-            <a:off x="383454" y="1504420"/>
-            <a:ext cx="2609088" cy="1093922"/>
+            <a:off x="3666139" y="1670008"/>
+            <a:ext cx="2479015" cy="931241"/>
           </a:xfrm>
           <a:prstGeom prst="rect">
             <a:avLst/>
@@ -3459,46 +3252,10 @@
           <a:p>
             <a:pPr algn="ctr"/>
             <a:r>
-              <a:rPr lang="fr-FR" dirty="0" smtClean="0"/>
-              <a:t>Input </a:t>
-            </a:r>
-            <a:r>
-              <a:rPr lang="fr-FR" dirty="0" err="1" smtClean="0"/>
-              <a:t>students</a:t>
-            </a:r>
-            <a:r>
-              <a:rPr lang="fr-FR" dirty="0" smtClean="0"/>
-              <a:t> </a:t>
-            </a:r>
-            <a:r>
-              <a:rPr lang="fr-FR" altLang="zh-CN" dirty="0" err="1" smtClean="0"/>
-              <a:t>account</a:t>
-            </a:r>
-            <a:r>
-              <a:rPr lang="fr-FR" altLang="zh-CN" dirty="0" smtClean="0"/>
-              <a:t> info</a:t>
-            </a:r>
-            <a:r>
-              <a:rPr lang="fr-FR" dirty="0" smtClean="0"/>
-              <a:t> to the DB and </a:t>
-            </a:r>
-            <a:r>
-              <a:rPr lang="fr-FR" dirty="0" err="1" smtClean="0"/>
-              <a:t>assign</a:t>
-            </a:r>
-            <a:r>
-              <a:rPr lang="fr-FR" dirty="0" smtClean="0"/>
-              <a:t> </a:t>
-            </a:r>
-            <a:r>
-              <a:rPr lang="fr-FR" dirty="0" err="1" smtClean="0"/>
-              <a:t>students</a:t>
-            </a:r>
-            <a:r>
-              <a:rPr lang="fr-FR" dirty="0" smtClean="0"/>
-              <a:t> to a class</a:t>
-            </a:r>
-            <a:endParaRPr lang="fr-FR" dirty="0"/>
+              <a:rPr lang="en-US" dirty="0" smtClean="0"/>
+              <a:t>Import students ID with default pwd to the DB</a:t>
+            </a:r>
+            <a:endParaRPr lang="en-US" dirty="0"/>
           </a:p>
         </p:txBody>
       </p:sp>
@@ -3512,9 +3269,9 @@
           <p:nvPr/>
         </p:nvCxnSpPr>
         <p:spPr>
-          <a:xfrm flipV="1">
-            <a:off x="2992542" y="2045053"/>
-            <a:ext cx="798576" cy="6328"/>
+          <a:xfrm>
+            <a:off x="6145154" y="2135629"/>
+            <a:ext cx="737976" cy="1"/>
           </a:xfrm>
           <a:prstGeom prst="straightConnector1">
             <a:avLst/>
@@ -3548,9 +3305,9 @@
           <p:nvPr/>
         </p:nvCxnSpPr>
         <p:spPr>
-          <a:xfrm flipV="1">
-            <a:off x="6311882" y="2044291"/>
-            <a:ext cx="1211463" cy="762"/>
+          <a:xfrm>
+            <a:off x="9244755" y="2135630"/>
+            <a:ext cx="731076" cy="1"/>
           </a:xfrm>
           <a:prstGeom prst="straightConnector1">
             <a:avLst/>
@@ -3578,15 +3335,15 @@
         <p:nvCxnSpPr>
           <p:cNvPr id="18" name="Straight Arrow Connector 17"/>
           <p:cNvCxnSpPr>
-            <a:stCxn id="5" idx="3"/>
-            <a:endCxn id="40" idx="1"/>
+            <a:stCxn id="5" idx="2"/>
+            <a:endCxn id="40" idx="0"/>
           </p:cNvCxnSpPr>
           <p:nvPr/>
         </p:nvCxnSpPr>
         <p:spPr>
           <a:xfrm>
-            <a:off x="9245534" y="2044291"/>
-            <a:ext cx="798575" cy="762"/>
+            <a:off x="10809312" y="2555454"/>
+            <a:ext cx="0" cy="805337"/>
           </a:xfrm>
           <a:prstGeom prst="straightConnector1">
             <a:avLst/>
@@ -3622,51 +3379,25 @@
         </p:nvSpPr>
         <p:spPr>
           <a:xfrm>
-            <a:off x="809210" y="112938"/>
-            <a:ext cx="10515600" cy="1325563"/>
-          </a:xfrm>
-        </p:spPr>
-        <p:txBody>
-          <a:bodyPr/>
-          <a:lstStyle/>
-          <a:p>
-            <a:r>
-              <a:rPr lang="fr-FR" dirty="0" smtClean="0"/>
-              <a:t>First </a:t>
-            </a:r>
-            <a:r>
-              <a:rPr lang="fr-FR" dirty="0" err="1" smtClean="0"/>
-              <a:t>experience</a:t>
-            </a:r>
-            <a:r>
-              <a:rPr lang="fr-FR" dirty="0" smtClean="0"/>
-              <a:t> flow </a:t>
-            </a:r>
-            <a:r>
-              <a:rPr lang="fr-FR" altLang="zh-CN" dirty="0" smtClean="0"/>
-              <a:t>– </a:t>
-            </a:r>
-            <a:r>
-              <a:rPr lang="fr-FR" altLang="zh-CN" dirty="0" err="1" smtClean="0"/>
-              <a:t>with</a:t>
-            </a:r>
-            <a:r>
-              <a:rPr lang="fr-FR" altLang="zh-CN" dirty="0" smtClean="0"/>
-              <a:t> </a:t>
-            </a:r>
-            <a:r>
-              <a:rPr lang="fr-FR" altLang="zh-CN" dirty="0" err="1" smtClean="0"/>
-              <a:t>accouts</a:t>
-            </a:r>
-            <a:r>
-              <a:rPr lang="fr-FR" altLang="zh-CN" dirty="0" smtClean="0"/>
-              <a:t> of class </a:t>
-            </a:r>
-            <a:r>
-              <a:rPr lang="fr-FR" altLang="zh-CN" dirty="0" err="1" smtClean="0"/>
-              <a:t>imported</a:t>
-            </a:r>
-            <a:endParaRPr lang="fr-FR" dirty="0"/>
+            <a:off x="178904" y="112939"/>
+            <a:ext cx="11493461" cy="929788"/>
+          </a:xfrm>
+        </p:spPr>
+        <p:txBody>
+          <a:bodyPr>
+            <a:noAutofit/>
+          </a:bodyPr>
+          <a:lstStyle/>
+          <a:p>
+            <a:r>
+              <a:rPr lang="en-US" sz="4000" dirty="0" smtClean="0"/>
+              <a:t>First experience flow </a:t>
+            </a:r>
+            <a:r>
+              <a:rPr lang="en-US" altLang="zh-CN" sz="4000" dirty="0" smtClean="0"/>
+              <a:t>– with accounts pre-imported</a:t>
+            </a:r>
+            <a:endParaRPr lang="en-US" sz="4000" dirty="0"/>
           </a:p>
         </p:txBody>
       </p:sp>
@@ -3678,8 +3409,8 @@
         </p:nvSpPr>
         <p:spPr>
           <a:xfrm>
-            <a:off x="10044109" y="1667101"/>
-            <a:ext cx="1597152" cy="755904"/>
+            <a:off x="9946258" y="3360791"/>
+            <a:ext cx="1726107" cy="913035"/>
           </a:xfrm>
           <a:prstGeom prst="rect">
             <a:avLst/>
@@ -3707,57 +3438,17 @@
           <a:p>
             <a:pPr algn="ctr"/>
             <a:r>
-              <a:rPr lang="fr-FR" dirty="0" smtClean="0"/>
-              <a:t>Select </a:t>
-            </a:r>
-            <a:r>
-              <a:rPr lang="fr-FR" dirty="0" err="1" smtClean="0"/>
-              <a:t>Sign</a:t>
-            </a:r>
-            <a:r>
-              <a:rPr lang="fr-FR" dirty="0" smtClean="0"/>
-              <a:t>-up</a:t>
-            </a:r>
-            <a:endParaRPr lang="fr-FR" dirty="0"/>
-          </a:p>
-        </p:txBody>
-      </p:sp>
-      <p:cxnSp>
-        <p:nvCxnSpPr>
-          <p:cNvPr id="50" name="Straight Arrow Connector 49"/>
-          <p:cNvCxnSpPr>
-            <a:stCxn id="40" idx="2"/>
-            <a:endCxn id="6" idx="0"/>
-          </p:cNvCxnSpPr>
-          <p:nvPr/>
-        </p:nvCxnSpPr>
-        <p:spPr>
-          <a:xfrm>
-            <a:off x="10842685" y="2423005"/>
-            <a:ext cx="0" cy="737376"/>
-          </a:xfrm>
-          <a:prstGeom prst="straightConnector1">
-            <a:avLst/>
-          </a:prstGeom>
-          <a:ln>
-            <a:tailEnd type="triangle"/>
-          </a:ln>
-        </p:spPr>
-        <p:style>
-          <a:lnRef idx="1">
-            <a:schemeClr val="accent1"/>
-          </a:lnRef>
-          <a:fillRef idx="0">
-            <a:schemeClr val="accent1"/>
-          </a:fillRef>
-          <a:effectRef idx="0">
-            <a:schemeClr val="accent1"/>
-          </a:effectRef>
-          <a:fontRef idx="minor">
-            <a:schemeClr val="tx1"/>
-          </a:fontRef>
-        </p:style>
-      </p:cxnSp>
+              <a:rPr lang="en-US" dirty="0" smtClean="0"/>
+              <a:t>Sign-</a:t>
+            </a:r>
+            <a:r>
+              <a:rPr lang="en-US" altLang="zh-CN" dirty="0" smtClean="0"/>
+              <a:t>in with ID (e.g. email) and default pwd</a:t>
+            </a:r>
+            <a:endParaRPr lang="en-US" dirty="0"/>
+          </a:p>
+        </p:txBody>
+      </p:sp>
       <p:sp>
         <p:nvSpPr>
           <p:cNvPr id="2" name="Diamond 1"/>
@@ -3766,7 +3457,7 @@
         </p:nvSpPr>
         <p:spPr>
           <a:xfrm>
-            <a:off x="6402497" y="2908922"/>
+            <a:off x="6709301" y="2980086"/>
             <a:ext cx="2241696" cy="1566671"/>
           </a:xfrm>
           <a:prstGeom prst="diamond">
@@ -3795,22 +3486,10 @@
           <a:p>
             <a:pPr algn="ctr"/>
             <a:r>
-              <a:rPr lang="fr-FR" dirty="0" err="1" smtClean="0"/>
-              <a:t>Account</a:t>
-            </a:r>
-            <a:r>
-              <a:rPr lang="fr-FR" dirty="0" smtClean="0"/>
-              <a:t> </a:t>
-            </a:r>
-            <a:r>
-              <a:rPr lang="fr-FR" dirty="0" err="1" smtClean="0"/>
-              <a:t>validated</a:t>
-            </a:r>
-            <a:r>
-              <a:rPr lang="fr-FR" dirty="0" smtClean="0"/>
-              <a:t>?</a:t>
-            </a:r>
-            <a:endParaRPr lang="fr-FR" dirty="0"/>
+              <a:rPr lang="en-US" dirty="0" smtClean="0"/>
+              <a:t>First sign-in?</a:t>
+            </a:r>
+            <a:endParaRPr lang="en-US" dirty="0"/>
           </a:p>
         </p:txBody>
       </p:sp>
@@ -3818,15 +3497,14 @@
         <p:nvCxnSpPr>
           <p:cNvPr id="49" name="Straight Arrow Connector 48"/>
           <p:cNvCxnSpPr>
-            <a:stCxn id="6" idx="1"/>
             <a:endCxn id="2" idx="3"/>
           </p:cNvCxnSpPr>
           <p:nvPr/>
         </p:nvCxnSpPr>
         <p:spPr>
           <a:xfrm flipH="1">
-            <a:off x="8644193" y="3692257"/>
-            <a:ext cx="1110704" cy="1"/>
+            <a:off x="8950997" y="3757318"/>
+            <a:ext cx="1090826" cy="6104"/>
           </a:xfrm>
           <a:prstGeom prst="straightConnector1">
             <a:avLst/>
@@ -3858,7 +3536,7 @@
         </p:nvSpPr>
         <p:spPr>
           <a:xfrm>
-            <a:off x="3359335" y="3289627"/>
+            <a:off x="3666139" y="3360791"/>
             <a:ext cx="2220014" cy="805260"/>
           </a:xfrm>
           <a:prstGeom prst="rect">
@@ -3888,9 +3566,9 @@
             <a:pPr algn="ctr"/>
             <a:r>
               <a:rPr lang="en-US" dirty="0" smtClean="0"/>
-              <a:t>Download inbox messages and test</a:t>
-            </a:r>
-            <a:endParaRPr lang="fr-FR" dirty="0"/>
+              <a:t>Change password</a:t>
+            </a:r>
+            <a:endParaRPr lang="en-US" dirty="0"/>
           </a:p>
         </p:txBody>
       </p:sp>
@@ -3905,7 +3583,7 @@
         </p:nvCxnSpPr>
         <p:spPr>
           <a:xfrm flipH="1" flipV="1">
-            <a:off x="5579349" y="3692257"/>
+            <a:off x="5886153" y="3763421"/>
             <a:ext cx="823148" cy="1"/>
           </a:xfrm>
           <a:prstGeom prst="straightConnector1">
@@ -3938,7 +3616,7 @@
         </p:nvSpPr>
         <p:spPr>
           <a:xfrm>
-            <a:off x="6424179" y="4998131"/>
+            <a:off x="6730983" y="5069295"/>
             <a:ext cx="2220014" cy="805260"/>
           </a:xfrm>
           <a:prstGeom prst="rect">
@@ -3968,9 +3646,13 @@
             <a:pPr algn="ctr"/>
             <a:r>
               <a:rPr lang="en-US" dirty="0" smtClean="0"/>
-              <a:t>Contact teacher or Admin</a:t>
-            </a:r>
-            <a:endParaRPr lang="fr-FR" dirty="0"/>
+              <a:t>Display </a:t>
+            </a:r>
+            <a:r>
+              <a:rPr lang="en-US" altLang="zh-CN" dirty="0" smtClean="0"/>
+              <a:t>exercises related to assigned classes</a:t>
+            </a:r>
+            <a:endParaRPr lang="en-US" dirty="0"/>
           </a:p>
         </p:txBody>
       </p:sp>
@@ -3985,7 +3667,7 @@
         </p:nvCxnSpPr>
         <p:spPr>
           <a:xfrm>
-            <a:off x="7523345" y="4475593"/>
+            <a:off x="7830149" y="4546757"/>
             <a:ext cx="10841" cy="522538"/>
           </a:xfrm>
           <a:prstGeom prst="straightConnector1">
@@ -4018,7 +3700,7 @@
         </p:nvSpPr>
         <p:spPr>
           <a:xfrm>
-            <a:off x="5916421" y="3655372"/>
+            <a:off x="6223225" y="3726536"/>
             <a:ext cx="485518" cy="369332"/>
           </a:xfrm>
           <a:prstGeom prst="rect">
@@ -4033,10 +3715,10 @@
           <a:lstStyle/>
           <a:p>
             <a:r>
-              <a:rPr lang="fr-FR" dirty="0" err="1" smtClean="0"/>
+              <a:rPr lang="en-US" dirty="0" smtClean="0"/>
               <a:t>Yes</a:t>
             </a:r>
-            <a:endParaRPr lang="fr-FR" dirty="0"/>
+            <a:endParaRPr lang="en-US" dirty="0"/>
           </a:p>
         </p:txBody>
       </p:sp>
@@ -4048,7 +3730,7 @@
         </p:nvSpPr>
         <p:spPr>
           <a:xfrm>
-            <a:off x="7523345" y="4529374"/>
+            <a:off x="7830149" y="4600538"/>
             <a:ext cx="455574" cy="369332"/>
           </a:xfrm>
           <a:prstGeom prst="rect">
@@ -4063,13 +3745,102 @@
           <a:lstStyle/>
           <a:p>
             <a:r>
-              <a:rPr lang="fr-FR" dirty="0" smtClean="0"/>
+              <a:rPr lang="en-US" dirty="0" smtClean="0"/>
               <a:t>No</a:t>
             </a:r>
-            <a:endParaRPr lang="fr-FR" dirty="0"/>
-          </a:p>
-        </p:txBody>
-      </p:sp>
+            <a:endParaRPr lang="en-US" dirty="0"/>
+          </a:p>
+        </p:txBody>
+      </p:sp>
+      <p:sp>
+        <p:nvSpPr>
+          <p:cNvPr id="21" name="Rectangle 20"/>
+          <p:cNvSpPr/>
+          <p:nvPr/>
+        </p:nvSpPr>
+        <p:spPr>
+          <a:xfrm>
+            <a:off x="509985" y="1600744"/>
+            <a:ext cx="2300111" cy="1081702"/>
+          </a:xfrm>
+          <a:prstGeom prst="rect">
+            <a:avLst/>
+          </a:prstGeom>
+          <a:solidFill>
+            <a:schemeClr val="accent2">
+              <a:lumMod val="75000"/>
+            </a:schemeClr>
+          </a:solidFill>
+        </p:spPr>
+        <p:style>
+          <a:lnRef idx="2">
+            <a:schemeClr val="accent1">
+              <a:shade val="50000"/>
+            </a:schemeClr>
+          </a:lnRef>
+          <a:fillRef idx="1">
+            <a:schemeClr val="accent1"/>
+          </a:fillRef>
+          <a:effectRef idx="0">
+            <a:schemeClr val="accent1"/>
+          </a:effectRef>
+          <a:fontRef idx="minor">
+            <a:schemeClr val="lt1"/>
+          </a:fontRef>
+        </p:style>
+        <p:txBody>
+          <a:bodyPr rtlCol="0" anchor="ctr"/>
+          <a:lstStyle/>
+          <a:p>
+            <a:pPr algn="ctr"/>
+            <a:r>
+              <a:rPr lang="en-US" dirty="0" smtClean="0"/>
+              <a:t>Teacher </a:t>
+            </a:r>
+            <a:r>
+              <a:rPr lang="en-US" altLang="zh-CN" dirty="0" smtClean="0"/>
+              <a:t>provides list of student IDs (e.g. email, name, classes)</a:t>
+            </a:r>
+            <a:endParaRPr lang="en-US" dirty="0" smtClean="0"/>
+          </a:p>
+        </p:txBody>
+      </p:sp>
+      <p:cxnSp>
+        <p:nvCxnSpPr>
+          <p:cNvPr id="26" name="Straight Arrow Connector 25"/>
+          <p:cNvCxnSpPr>
+            <a:stCxn id="21" idx="3"/>
+            <a:endCxn id="12" idx="1"/>
+          </p:cNvCxnSpPr>
+          <p:nvPr/>
+        </p:nvCxnSpPr>
+        <p:spPr>
+          <a:xfrm flipV="1">
+            <a:off x="2810096" y="2135629"/>
+            <a:ext cx="856043" cy="5966"/>
+          </a:xfrm>
+          <a:prstGeom prst="straightConnector1">
+            <a:avLst/>
+          </a:prstGeom>
+          <a:ln>
+            <a:tailEnd type="triangle"/>
+          </a:ln>
+        </p:spPr>
+        <p:style>
+          <a:lnRef idx="1">
+            <a:schemeClr val="accent1"/>
+          </a:lnRef>
+          <a:fillRef idx="0">
+            <a:schemeClr val="accent1"/>
+          </a:fillRef>
+          <a:effectRef idx="0">
+            <a:schemeClr val="accent1"/>
+          </a:effectRef>
+          <a:fontRef idx="minor">
+            <a:schemeClr val="tx1"/>
+          </a:fontRef>
+        </p:style>
+      </p:cxnSp>
     </p:spTree>
     <p:extLst>
       <p:ext uri="{BB962C8B-B14F-4D97-AF65-F5344CB8AC3E}">
@@ -4115,7 +3886,7 @@
         </p:nvSpPr>
         <p:spPr>
           <a:xfrm>
-            <a:off x="7553368" y="1784294"/>
+            <a:off x="3942631" y="1762077"/>
             <a:ext cx="1722189" cy="924913"/>
           </a:xfrm>
           <a:prstGeom prst="rect">
@@ -4144,8 +3915,8 @@
           <a:p>
             <a:pPr algn="ctr"/>
             <a:r>
-              <a:rPr lang="en-US" dirty="0" smtClean="0"/>
-              <a:t>Scan QR code to Install/launch app</a:t>
+              <a:rPr lang="en-US" dirty="0"/>
+              <a:t>Go to URL to install App</a:t>
             </a:r>
             <a:endParaRPr lang="en-US" dirty="0"/>
           </a:p>
@@ -4159,7 +3930,7 @@
         </p:nvSpPr>
         <p:spPr>
           <a:xfrm>
-            <a:off x="9784920" y="3362841"/>
+            <a:off x="9784920" y="1692657"/>
             <a:ext cx="2175576" cy="1063752"/>
           </a:xfrm>
           <a:prstGeom prst="rect">
@@ -4192,12 +3963,8 @@
               <a:t>Input </a:t>
             </a:r>
             <a:r>
-              <a:rPr lang="en-US" dirty="0" err="1" smtClean="0"/>
-              <a:t>wechat</a:t>
-            </a:r>
-            <a:r>
               <a:rPr lang="en-US" dirty="0" smtClean="0"/>
-              <a:t> Id or Mobile# and Name</a:t>
+              <a:t>user data to sign-up</a:t>
             </a:r>
             <a:endParaRPr lang="en-US" dirty="0"/>
           </a:p>
@@ -4211,7 +3978,7 @@
         </p:nvSpPr>
         <p:spPr>
           <a:xfrm>
-            <a:off x="3821141" y="1640961"/>
+            <a:off x="543346" y="1617982"/>
             <a:ext cx="2520764" cy="1213104"/>
           </a:xfrm>
           <a:prstGeom prst="rect">
@@ -4245,10 +4012,9 @@
           <a:p>
             <a:pPr algn="ctr"/>
             <a:r>
-              <a:rPr lang="en-US" dirty="0" smtClean="0"/>
-              <a:t>Teacher distributes QR code and class code to students (during class)</a:t>
-            </a:r>
-            <a:endParaRPr lang="en-US" dirty="0" smtClean="0"/>
+              <a:rPr lang="en-US" dirty="0"/>
+              <a:t>Teacher distributes URL* to students</a:t>
+            </a:r>
           </a:p>
         </p:txBody>
       </p:sp>
@@ -4262,9 +4028,9 @@
           <p:nvPr/>
         </p:nvCxnSpPr>
         <p:spPr>
-          <a:xfrm flipV="1">
-            <a:off x="6341905" y="2246751"/>
-            <a:ext cx="1211463" cy="762"/>
+          <a:xfrm>
+            <a:off x="3064110" y="2224534"/>
+            <a:ext cx="878521" cy="0"/>
           </a:xfrm>
           <a:prstGeom prst="straightConnector1">
             <a:avLst/>
@@ -4298,9 +4064,9 @@
           <p:nvPr/>
         </p:nvCxnSpPr>
         <p:spPr>
-          <a:xfrm>
-            <a:off x="9275557" y="2246751"/>
-            <a:ext cx="798575" cy="762"/>
+          <a:xfrm flipV="1">
+            <a:off x="5664820" y="2224533"/>
+            <a:ext cx="869113" cy="1"/>
           </a:xfrm>
           <a:prstGeom prst="straightConnector1">
             <a:avLst/>
@@ -4336,31 +4102,29 @@
         </p:nvSpPr>
         <p:spPr>
           <a:xfrm>
-            <a:off x="809210" y="112938"/>
-            <a:ext cx="10515600" cy="1325563"/>
-          </a:xfrm>
-        </p:spPr>
-        <p:txBody>
-          <a:bodyPr/>
-          <a:lstStyle/>
-          <a:p>
-            <a:r>
-              <a:rPr lang="en-US" dirty="0" smtClean="0"/>
+            <a:off x="437322" y="112938"/>
+            <a:ext cx="10887488" cy="1325563"/>
+          </a:xfrm>
+        </p:spPr>
+        <p:txBody>
+          <a:bodyPr>
+            <a:normAutofit/>
+          </a:bodyPr>
+          <a:lstStyle/>
+          <a:p>
+            <a:r>
+              <a:rPr lang="en-US" sz="3600" dirty="0" smtClean="0"/>
               <a:t>First experience flow </a:t>
             </a:r>
             <a:r>
-              <a:rPr lang="en-US" altLang="zh-CN" dirty="0" smtClean="0"/>
+              <a:rPr lang="en-US" altLang="zh-CN" sz="3600" dirty="0" smtClean="0"/>
               <a:t>– without </a:t>
             </a:r>
             <a:r>
-              <a:rPr lang="en-US" altLang="zh-CN" dirty="0" err="1" smtClean="0"/>
-              <a:t>accouts</a:t>
-            </a:r>
-            <a:r>
-              <a:rPr lang="en-US" altLang="zh-CN" dirty="0" smtClean="0"/>
-              <a:t> of class imported</a:t>
-            </a:r>
-            <a:endParaRPr lang="en-US" dirty="0"/>
+              <a:rPr lang="en-US" altLang="zh-CN" sz="3600" dirty="0" smtClean="0"/>
+              <a:t>accounts pre-imported</a:t>
+            </a:r>
+            <a:endParaRPr lang="en-US" sz="3600" dirty="0"/>
           </a:p>
         </p:txBody>
       </p:sp>
@@ -4372,7 +4136,7 @@
         </p:nvSpPr>
         <p:spPr>
           <a:xfrm>
-            <a:off x="10074132" y="1869561"/>
+            <a:off x="6533933" y="1846581"/>
             <a:ext cx="1597152" cy="755904"/>
           </a:xfrm>
           <a:prstGeom prst="rect">
@@ -4412,15 +4176,15 @@
         <p:nvCxnSpPr>
           <p:cNvPr id="50" name="Straight Arrow Connector 49"/>
           <p:cNvCxnSpPr>
-            <a:stCxn id="40" idx="2"/>
-            <a:endCxn id="6" idx="0"/>
+            <a:stCxn id="40" idx="3"/>
+            <a:endCxn id="6" idx="1"/>
           </p:cNvCxnSpPr>
           <p:nvPr/>
         </p:nvCxnSpPr>
         <p:spPr>
           <a:xfrm>
-            <a:off x="10872708" y="2625465"/>
-            <a:ext cx="0" cy="737376"/>
+            <a:off x="8131085" y="2224533"/>
+            <a:ext cx="1653835" cy="0"/>
           </a:xfrm>
           <a:prstGeom prst="straightConnector1">
             <a:avLst/>
@@ -4452,7 +4216,7 @@
         </p:nvSpPr>
         <p:spPr>
           <a:xfrm>
-            <a:off x="3187711" y="3111381"/>
+            <a:off x="6099375" y="3110201"/>
             <a:ext cx="2241696" cy="1566671"/>
           </a:xfrm>
           <a:prstGeom prst="diamond">
@@ -4482,7 +4246,7 @@
             <a:pPr algn="ctr"/>
             <a:r>
               <a:rPr lang="en-US" dirty="0" smtClean="0"/>
-              <a:t>Auto-approve?</a:t>
+              <a:t>Auto-approved class ?</a:t>
             </a:r>
             <a:endParaRPr lang="en-US" dirty="0"/>
           </a:p>
@@ -4492,15 +4256,15 @@
         <p:nvCxnSpPr>
           <p:cNvPr id="49" name="Straight Arrow Connector 48"/>
           <p:cNvCxnSpPr>
-            <a:stCxn id="6" idx="1"/>
-            <a:endCxn id="25" idx="3"/>
+            <a:stCxn id="6" idx="2"/>
+            <a:endCxn id="25" idx="0"/>
           </p:cNvCxnSpPr>
           <p:nvPr/>
         </p:nvCxnSpPr>
         <p:spPr>
-          <a:xfrm flipH="1" flipV="1">
-            <a:off x="8651997" y="3886131"/>
-            <a:ext cx="1132923" cy="8586"/>
+          <a:xfrm>
+            <a:off x="10872708" y="2756409"/>
+            <a:ext cx="0" cy="633080"/>
           </a:xfrm>
           <a:prstGeom prst="straightConnector1">
             <a:avLst/>
@@ -4532,7 +4296,7 @@
         </p:nvSpPr>
         <p:spPr>
           <a:xfrm>
-            <a:off x="350959" y="3514170"/>
+            <a:off x="543346" y="3449791"/>
             <a:ext cx="2220014" cy="805260"/>
           </a:xfrm>
           <a:prstGeom prst="rect">
@@ -4562,7 +4326,7 @@
             <a:pPr algn="ctr"/>
             <a:r>
               <a:rPr lang="en-US" dirty="0" smtClean="0"/>
-              <a:t>Download inbox and test </a:t>
+              <a:t>Display messages and related exercises </a:t>
             </a:r>
             <a:endParaRPr lang="en-US" dirty="0"/>
           </a:p>
@@ -4578,9 +4342,9 @@
           <p:nvPr/>
         </p:nvCxnSpPr>
         <p:spPr>
-          <a:xfrm flipH="1">
-            <a:off x="2570973" y="3894717"/>
-            <a:ext cx="616738" cy="22083"/>
+          <a:xfrm flipH="1" flipV="1">
+            <a:off x="2763360" y="3852421"/>
+            <a:ext cx="3336015" cy="41116"/>
           </a:xfrm>
           <a:prstGeom prst="straightConnector1">
             <a:avLst/>
@@ -4612,7 +4376,7 @@
         </p:nvSpPr>
         <p:spPr>
           <a:xfrm>
-            <a:off x="3459231" y="5318888"/>
+            <a:off x="6370894" y="5347580"/>
             <a:ext cx="1698655" cy="546646"/>
           </a:xfrm>
           <a:prstGeom prst="rect">
@@ -4658,9 +4422,9 @@
           <p:nvPr/>
         </p:nvCxnSpPr>
         <p:spPr>
-          <a:xfrm>
-            <a:off x="4308559" y="4678052"/>
-            <a:ext cx="0" cy="640836"/>
+          <a:xfrm flipH="1">
+            <a:off x="7220222" y="4676872"/>
+            <a:ext cx="1" cy="670708"/>
           </a:xfrm>
           <a:prstGeom prst="straightConnector1">
             <a:avLst/>
@@ -4692,7 +4456,7 @@
         </p:nvSpPr>
         <p:spPr>
           <a:xfrm>
-            <a:off x="2636583" y="3886131"/>
+            <a:off x="4331004" y="3893536"/>
             <a:ext cx="485518" cy="369332"/>
           </a:xfrm>
           <a:prstGeom prst="rect">
@@ -4722,7 +4486,7 @@
         </p:nvSpPr>
         <p:spPr>
           <a:xfrm>
-            <a:off x="4308559" y="4743468"/>
+            <a:off x="7220222" y="4822573"/>
             <a:ext cx="455574" cy="369332"/>
           </a:xfrm>
           <a:prstGeom prst="rect">
@@ -4746,21 +4510,18 @@
       </p:sp>
       <p:sp>
         <p:nvSpPr>
-          <p:cNvPr id="29" name="Rectangle 28"/>
+          <p:cNvPr id="25" name="Rectangle 24"/>
           <p:cNvSpPr/>
           <p:nvPr/>
         </p:nvSpPr>
         <p:spPr>
           <a:xfrm>
-            <a:off x="350959" y="1718995"/>
-            <a:ext cx="2609088" cy="1093922"/>
+            <a:off x="9784920" y="3389489"/>
+            <a:ext cx="2175576" cy="1063752"/>
           </a:xfrm>
           <a:prstGeom prst="rect">
             <a:avLst/>
           </a:prstGeom>
-          <a:solidFill>
-            <a:schemeClr val="accent6"/>
-          </a:solidFill>
         </p:spPr>
         <p:style>
           <a:lnRef idx="2">
@@ -4785,87 +4546,15 @@
             <a:pPr algn="ctr"/>
             <a:r>
               <a:rPr lang="en-US" dirty="0" smtClean="0"/>
-              <a:t>Generate class code with expiration date, member limit</a:t>
-            </a:r>
-            <a:endParaRPr lang="en-US" dirty="0"/>
-          </a:p>
-        </p:txBody>
-      </p:sp>
-      <p:cxnSp>
-        <p:nvCxnSpPr>
-          <p:cNvPr id="21" name="Straight Arrow Connector 20"/>
-          <p:cNvCxnSpPr>
-            <a:stCxn id="29" idx="3"/>
-            <a:endCxn id="9" idx="1"/>
-          </p:cNvCxnSpPr>
-          <p:nvPr/>
-        </p:nvCxnSpPr>
-        <p:spPr>
-          <a:xfrm flipV="1">
-            <a:off x="2960047" y="2247513"/>
-            <a:ext cx="861094" cy="18443"/>
-          </a:xfrm>
-          <a:prstGeom prst="straightConnector1">
-            <a:avLst/>
-          </a:prstGeom>
-          <a:ln>
-            <a:tailEnd type="triangle"/>
-          </a:ln>
-        </p:spPr>
-        <p:style>
-          <a:lnRef idx="1">
-            <a:schemeClr val="accent1"/>
-          </a:lnRef>
-          <a:fillRef idx="0">
-            <a:schemeClr val="accent1"/>
-          </a:fillRef>
-          <a:effectRef idx="0">
-            <a:schemeClr val="accent1"/>
-          </a:effectRef>
-          <a:fontRef idx="minor">
-            <a:schemeClr val="tx1"/>
-          </a:fontRef>
-        </p:style>
-      </p:cxnSp>
-      <p:sp>
-        <p:nvSpPr>
-          <p:cNvPr id="25" name="Rectangle 24"/>
-          <p:cNvSpPr/>
-          <p:nvPr/>
-        </p:nvSpPr>
-        <p:spPr>
-          <a:xfrm>
-            <a:off x="6476421" y="3354255"/>
-            <a:ext cx="2175576" cy="1063752"/>
-          </a:xfrm>
-          <a:prstGeom prst="rect">
-            <a:avLst/>
-          </a:prstGeom>
-        </p:spPr>
-        <p:style>
-          <a:lnRef idx="2">
-            <a:schemeClr val="accent1">
-              <a:shade val="50000"/>
-            </a:schemeClr>
-          </a:lnRef>
-          <a:fillRef idx="1">
-            <a:schemeClr val="accent1"/>
-          </a:fillRef>
-          <a:effectRef idx="0">
-            <a:schemeClr val="accent1"/>
-          </a:effectRef>
-          <a:fontRef idx="minor">
-            <a:schemeClr val="lt1"/>
-          </a:fontRef>
-        </p:style>
-        <p:txBody>
-          <a:bodyPr rtlCol="0" anchor="ctr"/>
-          <a:lstStyle/>
-          <a:p>
-            <a:pPr algn="ctr"/>
+              <a:t>S</a:t>
+            </a:r>
+            <a:r>
+              <a:rPr lang="en-US" altLang="zh-CN" dirty="0" smtClean="0"/>
+              <a:t>elect classes </a:t>
+            </a:r>
             <a:r>
               <a:rPr lang="en-US" dirty="0" smtClean="0"/>
-              <a:t>Request to join the class with class code</a:t>
+              <a:t>to join</a:t>
             </a:r>
             <a:endParaRPr lang="en-US" dirty="0"/>
           </a:p>
@@ -4881,9 +4570,9 @@
           <p:nvPr/>
         </p:nvCxnSpPr>
         <p:spPr>
-          <a:xfrm flipH="1">
-            <a:off x="5429407" y="3886131"/>
-            <a:ext cx="1047014" cy="8586"/>
+          <a:xfrm flipH="1" flipV="1">
+            <a:off x="8341071" y="3893537"/>
+            <a:ext cx="1443849" cy="27828"/>
           </a:xfrm>
           <a:prstGeom prst="straightConnector1">
             <a:avLst/>
@@ -4915,7 +4604,7 @@
         </p:nvSpPr>
         <p:spPr>
           <a:xfrm>
-            <a:off x="252943" y="4928134"/>
+            <a:off x="445330" y="4956826"/>
             <a:ext cx="2416046" cy="1328155"/>
           </a:xfrm>
           <a:prstGeom prst="diamond">
@@ -4962,8 +4651,8 @@
         </p:nvCxnSpPr>
         <p:spPr>
           <a:xfrm flipH="1">
-            <a:off x="2668989" y="5592211"/>
-            <a:ext cx="790242" cy="1"/>
+            <a:off x="2861376" y="5620903"/>
+            <a:ext cx="3509518" cy="1"/>
           </a:xfrm>
           <a:prstGeom prst="straightConnector1">
             <a:avLst/>
@@ -4998,8 +4687,8 @@
         </p:nvCxnSpPr>
         <p:spPr>
           <a:xfrm flipV="1">
-            <a:off x="1460966" y="4319430"/>
-            <a:ext cx="0" cy="608704"/>
+            <a:off x="1653353" y="4255051"/>
+            <a:ext cx="0" cy="701775"/>
           </a:xfrm>
           <a:prstGeom prst="straightConnector1">
             <a:avLst/>
@@ -5091,7 +4780,7 @@
         </p:nvSpPr>
         <p:spPr>
           <a:xfrm>
-            <a:off x="3459230" y="6127166"/>
+            <a:off x="3481676" y="6171558"/>
             <a:ext cx="1698655" cy="546646"/>
           </a:xfrm>
           <a:prstGeom prst="rect">
@@ -5138,8 +4827,8 @@
         </p:nvCxnSpPr>
         <p:spPr>
           <a:xfrm rot="16200000" flipH="1">
-            <a:off x="2387998" y="5329257"/>
-            <a:ext cx="144200" cy="1998264"/>
+            <a:off x="2487564" y="5450769"/>
+            <a:ext cx="159900" cy="1828323"/>
           </a:xfrm>
           <a:prstGeom prst="bentConnector2">
             <a:avLst/>
@@ -5202,6 +4891,210 @@
       </p:grpSpPr>
       <p:sp>
         <p:nvSpPr>
+          <p:cNvPr id="5" name="Rectangle 4"/>
+          <p:cNvSpPr/>
+          <p:nvPr/>
+        </p:nvSpPr>
+        <p:spPr>
+          <a:xfrm>
+            <a:off x="211802" y="3392159"/>
+            <a:ext cx="1597152" cy="755904"/>
+          </a:xfrm>
+          <a:prstGeom prst="rect">
+            <a:avLst/>
+          </a:prstGeom>
+        </p:spPr>
+        <p:style>
+          <a:lnRef idx="2">
+            <a:schemeClr val="accent1">
+              <a:shade val="50000"/>
+            </a:schemeClr>
+          </a:lnRef>
+          <a:fillRef idx="1">
+            <a:schemeClr val="accent1"/>
+          </a:fillRef>
+          <a:effectRef idx="0">
+            <a:schemeClr val="accent1"/>
+          </a:effectRef>
+          <a:fontRef idx="minor">
+            <a:schemeClr val="lt1"/>
+          </a:fontRef>
+        </p:style>
+        <p:txBody>
+          <a:bodyPr rtlCol="0" anchor="ctr"/>
+          <a:lstStyle/>
+          <a:p>
+            <a:pPr algn="ctr"/>
+            <a:r>
+              <a:rPr lang="en-US" dirty="0" smtClean="0"/>
+              <a:t>Launch App</a:t>
+            </a:r>
+            <a:endParaRPr lang="en-US" dirty="0"/>
+          </a:p>
+        </p:txBody>
+      </p:sp>
+      <p:sp>
+        <p:nvSpPr>
+          <p:cNvPr id="6" name="Rectangle 5"/>
+          <p:cNvSpPr/>
+          <p:nvPr/>
+        </p:nvSpPr>
+        <p:spPr>
+          <a:xfrm>
+            <a:off x="4743433" y="3192575"/>
+            <a:ext cx="2064986" cy="1183993"/>
+          </a:xfrm>
+          <a:prstGeom prst="rect">
+            <a:avLst/>
+          </a:prstGeom>
+        </p:spPr>
+        <p:style>
+          <a:lnRef idx="2">
+            <a:schemeClr val="accent1">
+              <a:shade val="50000"/>
+            </a:schemeClr>
+          </a:lnRef>
+          <a:fillRef idx="1">
+            <a:schemeClr val="accent1"/>
+          </a:fillRef>
+          <a:effectRef idx="0">
+            <a:schemeClr val="accent1"/>
+          </a:effectRef>
+          <a:fontRef idx="minor">
+            <a:schemeClr val="lt1"/>
+          </a:fontRef>
+        </p:style>
+        <p:txBody>
+          <a:bodyPr rtlCol="0" anchor="ctr"/>
+          <a:lstStyle/>
+          <a:p>
+            <a:pPr algn="ctr"/>
+            <a:r>
+              <a:rPr lang="en-US" dirty="0" smtClean="0"/>
+              <a:t>Sign in with email and password.</a:t>
+            </a:r>
+            <a:endParaRPr lang="en-US" dirty="0"/>
+          </a:p>
+        </p:txBody>
+      </p:sp>
+      <p:sp>
+        <p:nvSpPr>
+          <p:cNvPr id="8" name="Rectangle 7"/>
+          <p:cNvSpPr/>
+          <p:nvPr/>
+        </p:nvSpPr>
+        <p:spPr>
+          <a:xfrm>
+            <a:off x="7677912" y="3312911"/>
+            <a:ext cx="1560576" cy="914400"/>
+          </a:xfrm>
+          <a:prstGeom prst="rect">
+            <a:avLst/>
+          </a:prstGeom>
+        </p:spPr>
+        <p:style>
+          <a:lnRef idx="2">
+            <a:schemeClr val="accent1">
+              <a:shade val="50000"/>
+            </a:schemeClr>
+          </a:lnRef>
+          <a:fillRef idx="1">
+            <a:schemeClr val="accent1"/>
+          </a:fillRef>
+          <a:effectRef idx="0">
+            <a:schemeClr val="accent1"/>
+          </a:effectRef>
+          <a:fontRef idx="minor">
+            <a:schemeClr val="lt1"/>
+          </a:fontRef>
+        </p:style>
+        <p:txBody>
+          <a:bodyPr rtlCol="0" anchor="ctr"/>
+          <a:lstStyle/>
+          <a:p>
+            <a:pPr algn="ctr"/>
+            <a:r>
+              <a:rPr lang="en-US" dirty="0" smtClean="0"/>
+              <a:t>Get into main UI</a:t>
+            </a:r>
+            <a:endParaRPr lang="en-US" dirty="0"/>
+          </a:p>
+        </p:txBody>
+      </p:sp>
+      <p:cxnSp>
+        <p:nvCxnSpPr>
+          <p:cNvPr id="18" name="Straight Arrow Connector 17"/>
+          <p:cNvCxnSpPr>
+            <a:stCxn id="5" idx="3"/>
+            <a:endCxn id="43" idx="1"/>
+          </p:cNvCxnSpPr>
+          <p:nvPr/>
+        </p:nvCxnSpPr>
+        <p:spPr>
+          <a:xfrm>
+            <a:off x="1808954" y="3770111"/>
+            <a:ext cx="639335" cy="0"/>
+          </a:xfrm>
+          <a:prstGeom prst="straightConnector1">
+            <a:avLst/>
+          </a:prstGeom>
+          <a:ln>
+            <a:tailEnd type="triangle"/>
+          </a:ln>
+        </p:spPr>
+        <p:style>
+          <a:lnRef idx="1">
+            <a:schemeClr val="accent1"/>
+          </a:lnRef>
+          <a:fillRef idx="0">
+            <a:schemeClr val="accent1"/>
+          </a:fillRef>
+          <a:effectRef idx="0">
+            <a:schemeClr val="accent1"/>
+          </a:effectRef>
+          <a:fontRef idx="minor">
+            <a:schemeClr val="tx1"/>
+          </a:fontRef>
+        </p:style>
+      </p:cxnSp>
+      <p:cxnSp>
+        <p:nvCxnSpPr>
+          <p:cNvPr id="20" name="Straight Arrow Connector 19"/>
+          <p:cNvCxnSpPr>
+            <a:stCxn id="6" idx="3"/>
+            <a:endCxn id="8" idx="1"/>
+          </p:cNvCxnSpPr>
+          <p:nvPr/>
+        </p:nvCxnSpPr>
+        <p:spPr>
+          <a:xfrm flipV="1">
+            <a:off x="6808419" y="3770111"/>
+            <a:ext cx="869493" cy="14461"/>
+          </a:xfrm>
+          <a:prstGeom prst="straightConnector1">
+            <a:avLst/>
+          </a:prstGeom>
+          <a:ln>
+            <a:tailEnd type="triangle"/>
+          </a:ln>
+        </p:spPr>
+        <p:style>
+          <a:lnRef idx="1">
+            <a:schemeClr val="accent1"/>
+          </a:lnRef>
+          <a:fillRef idx="0">
+            <a:schemeClr val="accent1"/>
+          </a:fillRef>
+          <a:effectRef idx="0">
+            <a:schemeClr val="accent1"/>
+          </a:effectRef>
+          <a:fontRef idx="minor">
+            <a:schemeClr val="tx1"/>
+          </a:fontRef>
+        </p:style>
+      </p:cxnSp>
+      <p:sp>
+        <p:nvSpPr>
           <p:cNvPr id="28" name="Title 27"/>
           <p:cNvSpPr>
             <a:spLocks noGrp="1"/>
@@ -5221,39 +5114,23 @@
           <a:lstStyle/>
           <a:p>
             <a:r>
-              <a:rPr lang="fr-FR" dirty="0" smtClean="0"/>
-              <a:t>First </a:t>
-            </a:r>
-            <a:r>
-              <a:rPr lang="fr-FR" dirty="0" err="1" smtClean="0"/>
-              <a:t>experience</a:t>
-            </a:r>
-            <a:r>
-              <a:rPr lang="fr-FR" dirty="0" smtClean="0"/>
-              <a:t> flow </a:t>
-            </a:r>
-            <a:r>
-              <a:rPr lang="fr-FR" altLang="zh-CN" dirty="0" smtClean="0"/>
-              <a:t>– </a:t>
-            </a:r>
-            <a:r>
-              <a:rPr lang="zh-CN" altLang="fr-FR" dirty="0" smtClean="0"/>
-              <a:t>非本班级请求</a:t>
-            </a:r>
-            <a:endParaRPr lang="fr-FR" dirty="0"/>
-          </a:p>
-        </p:txBody>
-      </p:sp>
-      <p:sp>
-        <p:nvSpPr>
-          <p:cNvPr id="71" name="Rectangle 70"/>
+              <a:rPr lang="en-US" dirty="0" smtClean="0"/>
+              <a:t>Second experience flow</a:t>
+            </a:r>
+            <a:endParaRPr lang="en-US" dirty="0"/>
+          </a:p>
+        </p:txBody>
+      </p:sp>
+      <p:sp>
+        <p:nvSpPr>
+          <p:cNvPr id="2" name="Rectangle 1"/>
           <p:cNvSpPr/>
           <p:nvPr/>
         </p:nvSpPr>
         <p:spPr>
           <a:xfrm>
-            <a:off x="7553368" y="1784294"/>
-            <a:ext cx="1722189" cy="924913"/>
+            <a:off x="10148282" y="3534666"/>
+            <a:ext cx="1853184" cy="780443"/>
           </a:xfrm>
           <a:prstGeom prst="rect">
             <a:avLst/>
@@ -5281,35 +5158,23 @@
           <a:p>
             <a:pPr algn="ctr"/>
             <a:r>
-              <a:rPr lang="fr-FR" dirty="0" smtClean="0"/>
-              <a:t>Install/</a:t>
-            </a:r>
-            <a:r>
-              <a:rPr lang="fr-FR" dirty="0" err="1" smtClean="0"/>
-              <a:t>launch</a:t>
-            </a:r>
-            <a:r>
-              <a:rPr lang="fr-FR" dirty="0" smtClean="0"/>
-              <a:t> </a:t>
-            </a:r>
-            <a:r>
-              <a:rPr lang="fr-FR" dirty="0" err="1" smtClean="0"/>
-              <a:t>app</a:t>
-            </a:r>
-            <a:endParaRPr lang="fr-FR" dirty="0"/>
-          </a:p>
-        </p:txBody>
-      </p:sp>
-      <p:sp>
-        <p:nvSpPr>
-          <p:cNvPr id="72" name="Rectangle 71"/>
+              <a:rPr lang="en-US" dirty="0" smtClean="0"/>
+              <a:t>Q &amp; A</a:t>
+            </a:r>
+            <a:endParaRPr lang="en-US" dirty="0"/>
+          </a:p>
+        </p:txBody>
+      </p:sp>
+      <p:sp>
+        <p:nvSpPr>
+          <p:cNvPr id="15" name="Rectangle 14"/>
           <p:cNvSpPr/>
           <p:nvPr/>
         </p:nvSpPr>
         <p:spPr>
           <a:xfrm>
-            <a:off x="9784920" y="3362841"/>
-            <a:ext cx="2175576" cy="1063752"/>
+            <a:off x="10082784" y="1438501"/>
+            <a:ext cx="1853184" cy="780443"/>
           </a:xfrm>
           <a:prstGeom prst="rect">
             <a:avLst/>
@@ -5337,40 +5202,27 @@
           <a:p>
             <a:pPr algn="ctr"/>
             <a:r>
-              <a:rPr lang="fr-FR" dirty="0" smtClean="0"/>
-              <a:t>Input </a:t>
-            </a:r>
-            <a:r>
-              <a:rPr lang="fr-FR" dirty="0" err="1" smtClean="0"/>
-              <a:t>wechat</a:t>
-            </a:r>
-            <a:r>
-              <a:rPr lang="fr-FR" dirty="0" smtClean="0"/>
-              <a:t> Id or Mobile# and Name</a:t>
-            </a:r>
-            <a:endParaRPr lang="fr-FR" dirty="0"/>
-          </a:p>
-        </p:txBody>
-      </p:sp>
-      <p:sp>
-        <p:nvSpPr>
-          <p:cNvPr id="73" name="Rectangle 72"/>
+              <a:rPr lang="en-US" dirty="0" smtClean="0"/>
+              <a:t>Message</a:t>
+            </a:r>
+            <a:endParaRPr lang="en-US" dirty="0"/>
+          </a:p>
+        </p:txBody>
+      </p:sp>
+      <p:sp>
+        <p:nvSpPr>
+          <p:cNvPr id="17" name="Rectangle 16"/>
           <p:cNvSpPr/>
           <p:nvPr/>
         </p:nvSpPr>
         <p:spPr>
           <a:xfrm>
-            <a:off x="3821141" y="1640961"/>
-            <a:ext cx="2520764" cy="1213104"/>
+            <a:off x="10254285" y="2385695"/>
+            <a:ext cx="1714534" cy="780443"/>
           </a:xfrm>
           <a:prstGeom prst="rect">
             <a:avLst/>
           </a:prstGeom>
-          <a:solidFill>
-            <a:schemeClr val="accent2">
-              <a:lumMod val="75000"/>
-            </a:schemeClr>
-          </a:solidFill>
         </p:spPr>
         <p:style>
           <a:lnRef idx="2">
@@ -5394,62 +5246,26 @@
           <a:p>
             <a:pPr algn="ctr"/>
             <a:r>
-              <a:rPr lang="fr-FR" altLang="zh-CN" dirty="0" err="1" smtClean="0"/>
-              <a:t>Student</a:t>
-            </a:r>
-            <a:r>
-              <a:rPr lang="fr-FR" altLang="zh-CN" dirty="0" smtClean="0"/>
-              <a:t> B </a:t>
-            </a:r>
-            <a:r>
-              <a:rPr lang="fr-FR" altLang="zh-CN" dirty="0" err="1" smtClean="0"/>
-              <a:t>goes</a:t>
-            </a:r>
-            <a:r>
-              <a:rPr lang="fr-FR" altLang="zh-CN" dirty="0" smtClean="0"/>
-              <a:t> to web site to </a:t>
-            </a:r>
-            <a:r>
-              <a:rPr lang="fr-FR" altLang="zh-CN" dirty="0" err="1" smtClean="0"/>
-              <a:t>download</a:t>
-            </a:r>
-            <a:r>
-              <a:rPr lang="fr-FR" altLang="zh-CN" dirty="0" smtClean="0"/>
-              <a:t>/</a:t>
-            </a:r>
-            <a:r>
-              <a:rPr lang="fr-FR" altLang="zh-CN" dirty="0" err="1" smtClean="0"/>
-              <a:t>install</a:t>
-            </a:r>
-            <a:r>
-              <a:rPr lang="fr-FR" altLang="zh-CN" dirty="0" smtClean="0"/>
-              <a:t> </a:t>
-            </a:r>
-            <a:r>
-              <a:rPr lang="fr-FR" altLang="zh-CN" dirty="0" err="1" smtClean="0"/>
-              <a:t>apk</a:t>
-            </a:r>
-            <a:r>
-              <a:rPr lang="fr-FR" altLang="zh-CN" dirty="0" smtClean="0"/>
-              <a:t> or scan QR code</a:t>
-            </a:r>
-            <a:endParaRPr lang="fr-FR" dirty="0" smtClean="0"/>
+              <a:rPr lang="en-US" dirty="0" smtClean="0"/>
+              <a:t>Exercises</a:t>
+            </a:r>
+            <a:endParaRPr lang="en-US" dirty="0"/>
           </a:p>
         </p:txBody>
       </p:sp>
       <p:cxnSp>
         <p:nvCxnSpPr>
-          <p:cNvPr id="74" name="Straight Arrow Connector 73"/>
+          <p:cNvPr id="4" name="Straight Arrow Connector 3"/>
           <p:cNvCxnSpPr>
-            <a:stCxn id="73" idx="3"/>
-            <a:endCxn id="71" idx="1"/>
+            <a:stCxn id="8" idx="3"/>
+            <a:endCxn id="15" idx="1"/>
           </p:cNvCxnSpPr>
           <p:nvPr/>
         </p:nvCxnSpPr>
         <p:spPr>
           <a:xfrm flipV="1">
-            <a:off x="6341905" y="2246751"/>
-            <a:ext cx="1211463" cy="762"/>
+            <a:off x="9238488" y="1828723"/>
+            <a:ext cx="844296" cy="1941388"/>
           </a:xfrm>
           <a:prstGeom prst="straightConnector1">
             <a:avLst/>
@@ -5475,17 +5291,17 @@
       </p:cxnSp>
       <p:cxnSp>
         <p:nvCxnSpPr>
-          <p:cNvPr id="75" name="Straight Arrow Connector 74"/>
+          <p:cNvPr id="13" name="Straight Arrow Connector 12"/>
           <p:cNvCxnSpPr>
-            <a:stCxn id="71" idx="3"/>
-            <a:endCxn id="76" idx="1"/>
+            <a:stCxn id="8" idx="3"/>
+            <a:endCxn id="17" idx="1"/>
           </p:cNvCxnSpPr>
           <p:nvPr/>
         </p:nvCxnSpPr>
         <p:spPr>
-          <a:xfrm>
-            <a:off x="9275557" y="2246751"/>
-            <a:ext cx="798575" cy="762"/>
+          <a:xfrm flipV="1">
+            <a:off x="9238488" y="2775917"/>
+            <a:ext cx="1015797" cy="994194"/>
           </a:xfrm>
           <a:prstGeom prst="straightConnector1">
             <a:avLst/>
@@ -5509,15 +5325,51 @@
           </a:fontRef>
         </p:style>
       </p:cxnSp>
-      <p:sp>
-        <p:nvSpPr>
-          <p:cNvPr id="76" name="Rectangle 75"/>
+      <p:cxnSp>
+        <p:nvCxnSpPr>
+          <p:cNvPr id="21" name="Straight Arrow Connector 20"/>
+          <p:cNvCxnSpPr>
+            <a:stCxn id="8" idx="3"/>
+            <a:endCxn id="2" idx="1"/>
+          </p:cNvCxnSpPr>
+          <p:nvPr/>
+        </p:nvCxnSpPr>
+        <p:spPr>
+          <a:xfrm>
+            <a:off x="9238488" y="3770111"/>
+            <a:ext cx="909794" cy="154777"/>
+          </a:xfrm>
+          <a:prstGeom prst="straightConnector1">
+            <a:avLst/>
+          </a:prstGeom>
+          <a:ln>
+            <a:tailEnd type="triangle"/>
+          </a:ln>
+        </p:spPr>
+        <p:style>
+          <a:lnRef idx="1">
+            <a:schemeClr val="accent1"/>
+          </a:lnRef>
+          <a:fillRef idx="0">
+            <a:schemeClr val="accent1"/>
+          </a:fillRef>
+          <a:effectRef idx="0">
+            <a:schemeClr val="accent1"/>
+          </a:effectRef>
+          <a:fontRef idx="minor">
+            <a:schemeClr val="tx1"/>
+          </a:fontRef>
+        </p:style>
+      </p:cxnSp>
+      <p:sp>
+        <p:nvSpPr>
+          <p:cNvPr id="43" name="Rectangle 42"/>
           <p:cNvSpPr/>
           <p:nvPr/>
         </p:nvSpPr>
         <p:spPr>
           <a:xfrm>
-            <a:off x="10074132" y="1869561"/>
+            <a:off x="2448289" y="3392159"/>
             <a:ext cx="1597152" cy="755904"/>
           </a:xfrm>
           <a:prstGeom prst="rect">
@@ -5546,34 +5398,26 @@
           <a:p>
             <a:pPr algn="ctr"/>
             <a:r>
-              <a:rPr lang="fr-FR" dirty="0" smtClean="0"/>
-              <a:t>Select </a:t>
-            </a:r>
-            <a:r>
-              <a:rPr lang="fr-FR" dirty="0" err="1" smtClean="0"/>
-              <a:t>Sign</a:t>
-            </a:r>
-            <a:r>
-              <a:rPr lang="fr-FR" dirty="0" smtClean="0"/>
-              <a:t>-up</a:t>
-            </a:r>
-            <a:endParaRPr lang="fr-FR" dirty="0"/>
+              <a:rPr lang="en-US" dirty="0" smtClean="0"/>
+              <a:t>Select sign-in</a:t>
+            </a:r>
+            <a:endParaRPr lang="en-US" dirty="0"/>
           </a:p>
         </p:txBody>
       </p:sp>
       <p:cxnSp>
         <p:nvCxnSpPr>
-          <p:cNvPr id="77" name="Straight Arrow Connector 76"/>
+          <p:cNvPr id="49" name="Straight Arrow Connector 48"/>
           <p:cNvCxnSpPr>
-            <a:stCxn id="76" idx="2"/>
-            <a:endCxn id="72" idx="0"/>
+            <a:stCxn id="43" idx="3"/>
+            <a:endCxn id="6" idx="1"/>
           </p:cNvCxnSpPr>
           <p:nvPr/>
         </p:nvCxnSpPr>
         <p:spPr>
           <a:xfrm>
-            <a:off x="10872708" y="2625465"/>
-            <a:ext cx="0" cy="737376"/>
+            <a:off x="4045441" y="3770111"/>
+            <a:ext cx="697992" cy="14461"/>
           </a:xfrm>
           <a:prstGeom prst="straightConnector1">
             <a:avLst/>
@@ -5599,16 +5443,16 @@
       </p:cxnSp>
       <p:sp>
         <p:nvSpPr>
-          <p:cNvPr id="78" name="Diamond 77"/>
+          <p:cNvPr id="19" name="Rectangle 18"/>
           <p:cNvSpPr/>
           <p:nvPr/>
         </p:nvSpPr>
         <p:spPr>
           <a:xfrm>
-            <a:off x="3187711" y="3111381"/>
-            <a:ext cx="2241696" cy="1566671"/>
-          </a:xfrm>
-          <a:prstGeom prst="diamond">
+            <a:off x="10082784" y="4857622"/>
+            <a:ext cx="1853184" cy="780443"/>
+          </a:xfrm>
+          <a:prstGeom prst="rect">
             <a:avLst/>
           </a:prstGeom>
         </p:spPr>
@@ -5634,756 +5478,28 @@
           <a:p>
             <a:pPr algn="ctr"/>
             <a:r>
-              <a:rPr lang="fr-FR" dirty="0" smtClean="0"/>
-              <a:t>Auto-</a:t>
-            </a:r>
-            <a:r>
-              <a:rPr lang="fr-FR" dirty="0" err="1" smtClean="0"/>
-              <a:t>approve</a:t>
-            </a:r>
-            <a:r>
-              <a:rPr lang="fr-FR" dirty="0"/>
-              <a:t>?</a:t>
-            </a:r>
+              <a:rPr lang="en-US" altLang="zh-CN" dirty="0" smtClean="0"/>
+              <a:t>Me</a:t>
+            </a:r>
+            <a:endParaRPr lang="en-US" dirty="0"/>
           </a:p>
         </p:txBody>
       </p:sp>
       <p:cxnSp>
         <p:nvCxnSpPr>
-          <p:cNvPr id="79" name="Straight Arrow Connector 78"/>
+          <p:cNvPr id="7" name="Straight Arrow Connector 6"/>
           <p:cNvCxnSpPr>
-            <a:stCxn id="72" idx="1"/>
-            <a:endCxn id="88" idx="3"/>
+            <a:stCxn id="8" idx="3"/>
+            <a:endCxn id="19" idx="1"/>
           </p:cNvCxnSpPr>
           <p:nvPr/>
         </p:nvCxnSpPr>
         <p:spPr>
-          <a:xfrm flipH="1" flipV="1">
-            <a:off x="8651997" y="3886131"/>
-            <a:ext cx="1132923" cy="8586"/>
+          <a:xfrm>
+            <a:off x="9238488" y="3770111"/>
+            <a:ext cx="844296" cy="1477733"/>
           </a:xfrm>
           <a:prstGeom prst="straightConnector1">
-            <a:avLst/>
-          </a:prstGeom>
-          <a:ln>
-            <a:tailEnd type="triangle"/>
-          </a:ln>
-        </p:spPr>
-        <p:style>
-          <a:lnRef idx="1">
-            <a:schemeClr val="accent1"/>
-          </a:lnRef>
-          <a:fillRef idx="0">
-            <a:schemeClr val="accent1"/>
-          </a:fillRef>
-          <a:effectRef idx="0">
-            <a:schemeClr val="accent1"/>
-          </a:effectRef>
-          <a:fontRef idx="minor">
-            <a:schemeClr val="tx1"/>
-          </a:fontRef>
-        </p:style>
-      </p:cxnSp>
-      <p:sp>
-        <p:nvSpPr>
-          <p:cNvPr id="80" name="Rectangle 79"/>
-          <p:cNvSpPr/>
-          <p:nvPr/>
-        </p:nvSpPr>
-        <p:spPr>
-          <a:xfrm>
-            <a:off x="350959" y="3514170"/>
-            <a:ext cx="2220014" cy="805260"/>
-          </a:xfrm>
-          <a:prstGeom prst="rect">
-            <a:avLst/>
-          </a:prstGeom>
-        </p:spPr>
-        <p:style>
-          <a:lnRef idx="2">
-            <a:schemeClr val="accent1">
-              <a:shade val="50000"/>
-            </a:schemeClr>
-          </a:lnRef>
-          <a:fillRef idx="1">
-            <a:schemeClr val="accent1"/>
-          </a:fillRef>
-          <a:effectRef idx="0">
-            <a:schemeClr val="accent1"/>
-          </a:effectRef>
-          <a:fontRef idx="minor">
-            <a:schemeClr val="lt1"/>
-          </a:fontRef>
-        </p:style>
-        <p:txBody>
-          <a:bodyPr rtlCol="0" anchor="ctr"/>
-          <a:lstStyle/>
-          <a:p>
-            <a:pPr algn="ctr"/>
-            <a:r>
-              <a:rPr lang="en-US" dirty="0" smtClean="0"/>
-              <a:t>Download inbox and test </a:t>
-            </a:r>
-            <a:endParaRPr lang="fr-FR" dirty="0"/>
-          </a:p>
-        </p:txBody>
-      </p:sp>
-      <p:cxnSp>
-        <p:nvCxnSpPr>
-          <p:cNvPr id="81" name="Straight Arrow Connector 80"/>
-          <p:cNvCxnSpPr>
-            <a:stCxn id="78" idx="1"/>
-            <a:endCxn id="80" idx="3"/>
-          </p:cNvCxnSpPr>
-          <p:nvPr/>
-        </p:nvCxnSpPr>
-        <p:spPr>
-          <a:xfrm flipH="1">
-            <a:off x="2570973" y="3894717"/>
-            <a:ext cx="616738" cy="22083"/>
-          </a:xfrm>
-          <a:prstGeom prst="straightConnector1">
-            <a:avLst/>
-          </a:prstGeom>
-          <a:ln>
-            <a:tailEnd type="triangle"/>
-          </a:ln>
-        </p:spPr>
-        <p:style>
-          <a:lnRef idx="1">
-            <a:schemeClr val="accent1"/>
-          </a:lnRef>
-          <a:fillRef idx="0">
-            <a:schemeClr val="accent1"/>
-          </a:fillRef>
-          <a:effectRef idx="0">
-            <a:schemeClr val="accent1"/>
-          </a:effectRef>
-          <a:fontRef idx="minor">
-            <a:schemeClr val="tx1"/>
-          </a:fontRef>
-        </p:style>
-      </p:cxnSp>
-      <p:sp>
-        <p:nvSpPr>
-          <p:cNvPr id="82" name="Rectangle 81"/>
-          <p:cNvSpPr/>
-          <p:nvPr/>
-        </p:nvSpPr>
-        <p:spPr>
-          <a:xfrm>
-            <a:off x="3459231" y="5318888"/>
-            <a:ext cx="1698655" cy="546646"/>
-          </a:xfrm>
-          <a:prstGeom prst="rect">
-            <a:avLst/>
-          </a:prstGeom>
-        </p:spPr>
-        <p:style>
-          <a:lnRef idx="2">
-            <a:schemeClr val="accent1">
-              <a:shade val="50000"/>
-            </a:schemeClr>
-          </a:lnRef>
-          <a:fillRef idx="1">
-            <a:schemeClr val="accent1"/>
-          </a:fillRef>
-          <a:effectRef idx="0">
-            <a:schemeClr val="accent1"/>
-          </a:effectRef>
-          <a:fontRef idx="minor">
-            <a:schemeClr val="lt1"/>
-          </a:fontRef>
-        </p:style>
-        <p:txBody>
-          <a:bodyPr rtlCol="0" anchor="ctr"/>
-          <a:lstStyle/>
-          <a:p>
-            <a:pPr algn="ctr"/>
-            <a:r>
-              <a:rPr lang="en-US" dirty="0" smtClean="0"/>
-              <a:t>Pending status</a:t>
-            </a:r>
-            <a:endParaRPr lang="fr-FR" dirty="0"/>
-          </a:p>
-        </p:txBody>
-      </p:sp>
-      <p:cxnSp>
-        <p:nvCxnSpPr>
-          <p:cNvPr id="83" name="Straight Arrow Connector 82"/>
-          <p:cNvCxnSpPr>
-            <a:stCxn id="78" idx="2"/>
-            <a:endCxn id="82" idx="0"/>
-          </p:cNvCxnSpPr>
-          <p:nvPr/>
-        </p:nvCxnSpPr>
-        <p:spPr>
-          <a:xfrm>
-            <a:off x="4308559" y="4678052"/>
-            <a:ext cx="0" cy="640836"/>
-          </a:xfrm>
-          <a:prstGeom prst="straightConnector1">
-            <a:avLst/>
-          </a:prstGeom>
-          <a:ln>
-            <a:tailEnd type="triangle"/>
-          </a:ln>
-        </p:spPr>
-        <p:style>
-          <a:lnRef idx="1">
-            <a:schemeClr val="accent1"/>
-          </a:lnRef>
-          <a:fillRef idx="0">
-            <a:schemeClr val="accent1"/>
-          </a:fillRef>
-          <a:effectRef idx="0">
-            <a:schemeClr val="accent1"/>
-          </a:effectRef>
-          <a:fontRef idx="minor">
-            <a:schemeClr val="tx1"/>
-          </a:fontRef>
-        </p:style>
-      </p:cxnSp>
-      <p:sp>
-        <p:nvSpPr>
-          <p:cNvPr id="84" name="TextBox 83"/>
-          <p:cNvSpPr txBox="1"/>
-          <p:nvPr/>
-        </p:nvSpPr>
-        <p:spPr>
-          <a:xfrm>
-            <a:off x="2636583" y="3886131"/>
-            <a:ext cx="485518" cy="369332"/>
-          </a:xfrm>
-          <a:prstGeom prst="rect">
-            <a:avLst/>
-          </a:prstGeom>
-          <a:noFill/>
-        </p:spPr>
-        <p:txBody>
-          <a:bodyPr wrap="none" rtlCol="0">
-            <a:spAutoFit/>
-          </a:bodyPr>
-          <a:lstStyle/>
-          <a:p>
-            <a:r>
-              <a:rPr lang="fr-FR" dirty="0" err="1" smtClean="0"/>
-              <a:t>Yes</a:t>
-            </a:r>
-            <a:endParaRPr lang="fr-FR" dirty="0"/>
-          </a:p>
-        </p:txBody>
-      </p:sp>
-      <p:sp>
-        <p:nvSpPr>
-          <p:cNvPr id="85" name="TextBox 84"/>
-          <p:cNvSpPr txBox="1"/>
-          <p:nvPr/>
-        </p:nvSpPr>
-        <p:spPr>
-          <a:xfrm>
-            <a:off x="4308559" y="4743468"/>
-            <a:ext cx="455574" cy="369332"/>
-          </a:xfrm>
-          <a:prstGeom prst="rect">
-            <a:avLst/>
-          </a:prstGeom>
-          <a:noFill/>
-        </p:spPr>
-        <p:txBody>
-          <a:bodyPr wrap="none" rtlCol="0">
-            <a:spAutoFit/>
-          </a:bodyPr>
-          <a:lstStyle/>
-          <a:p>
-            <a:r>
-              <a:rPr lang="fr-FR" dirty="0" smtClean="0"/>
-              <a:t>No</a:t>
-            </a:r>
-            <a:endParaRPr lang="fr-FR" dirty="0"/>
-          </a:p>
-        </p:txBody>
-      </p:sp>
-      <p:sp>
-        <p:nvSpPr>
-          <p:cNvPr id="86" name="Rectangle 85"/>
-          <p:cNvSpPr/>
-          <p:nvPr/>
-        </p:nvSpPr>
-        <p:spPr>
-          <a:xfrm>
-            <a:off x="350959" y="1718995"/>
-            <a:ext cx="2609088" cy="1093922"/>
-          </a:xfrm>
-          <a:prstGeom prst="rect">
-            <a:avLst/>
-          </a:prstGeom>
-          <a:solidFill>
-            <a:schemeClr val="accent2">
-              <a:lumMod val="75000"/>
-            </a:schemeClr>
-          </a:solidFill>
-        </p:spPr>
-        <p:style>
-          <a:lnRef idx="2">
-            <a:schemeClr val="accent1">
-              <a:shade val="50000"/>
-            </a:schemeClr>
-          </a:lnRef>
-          <a:fillRef idx="1">
-            <a:schemeClr val="accent1"/>
-          </a:fillRef>
-          <a:effectRef idx="0">
-            <a:schemeClr val="accent1"/>
-          </a:effectRef>
-          <a:fontRef idx="minor">
-            <a:schemeClr val="lt1"/>
-          </a:fontRef>
-        </p:style>
-        <p:txBody>
-          <a:bodyPr rtlCol="0" anchor="ctr"/>
-          <a:lstStyle/>
-          <a:p>
-            <a:pPr algn="ctr"/>
-            <a:r>
-              <a:rPr lang="fr-FR" dirty="0" err="1" smtClean="0"/>
-              <a:t>Student</a:t>
-            </a:r>
-            <a:r>
-              <a:rPr lang="fr-FR" dirty="0" smtClean="0"/>
-              <a:t> A </a:t>
-            </a:r>
-            <a:r>
-              <a:rPr lang="fr-FR" dirty="0" err="1" smtClean="0"/>
-              <a:t>recommends</a:t>
-            </a:r>
-            <a:r>
-              <a:rPr lang="fr-FR" dirty="0" smtClean="0"/>
-              <a:t> to </a:t>
-            </a:r>
-            <a:r>
-              <a:rPr lang="fr-FR" dirty="0" err="1" smtClean="0"/>
-              <a:t>student</a:t>
-            </a:r>
-            <a:r>
-              <a:rPr lang="fr-FR" dirty="0" smtClean="0"/>
-              <a:t> B </a:t>
-            </a:r>
-            <a:r>
-              <a:rPr lang="fr-FR" dirty="0" err="1" smtClean="0"/>
-              <a:t>with</a:t>
-            </a:r>
-            <a:r>
-              <a:rPr lang="fr-FR" dirty="0" smtClean="0"/>
-              <a:t> class code</a:t>
-            </a:r>
-            <a:endParaRPr lang="fr-FR" dirty="0"/>
-          </a:p>
-        </p:txBody>
-      </p:sp>
-      <p:cxnSp>
-        <p:nvCxnSpPr>
-          <p:cNvPr id="87" name="Straight Arrow Connector 86"/>
-          <p:cNvCxnSpPr>
-            <a:stCxn id="86" idx="3"/>
-            <a:endCxn id="73" idx="1"/>
-          </p:cNvCxnSpPr>
-          <p:nvPr/>
-        </p:nvCxnSpPr>
-        <p:spPr>
-          <a:xfrm flipV="1">
-            <a:off x="2960047" y="2247513"/>
-            <a:ext cx="861094" cy="18443"/>
-          </a:xfrm>
-          <a:prstGeom prst="straightConnector1">
-            <a:avLst/>
-          </a:prstGeom>
-          <a:ln>
-            <a:tailEnd type="triangle"/>
-          </a:ln>
-        </p:spPr>
-        <p:style>
-          <a:lnRef idx="1">
-            <a:schemeClr val="accent1"/>
-          </a:lnRef>
-          <a:fillRef idx="0">
-            <a:schemeClr val="accent1"/>
-          </a:fillRef>
-          <a:effectRef idx="0">
-            <a:schemeClr val="accent1"/>
-          </a:effectRef>
-          <a:fontRef idx="minor">
-            <a:schemeClr val="tx1"/>
-          </a:fontRef>
-        </p:style>
-      </p:cxnSp>
-      <p:sp>
-        <p:nvSpPr>
-          <p:cNvPr id="88" name="Rectangle 87"/>
-          <p:cNvSpPr/>
-          <p:nvPr/>
-        </p:nvSpPr>
-        <p:spPr>
-          <a:xfrm>
-            <a:off x="6476421" y="3354255"/>
-            <a:ext cx="2175576" cy="1063752"/>
-          </a:xfrm>
-          <a:prstGeom prst="rect">
-            <a:avLst/>
-          </a:prstGeom>
-        </p:spPr>
-        <p:style>
-          <a:lnRef idx="2">
-            <a:schemeClr val="accent1">
-              <a:shade val="50000"/>
-            </a:schemeClr>
-          </a:lnRef>
-          <a:fillRef idx="1">
-            <a:schemeClr val="accent1"/>
-          </a:fillRef>
-          <a:effectRef idx="0">
-            <a:schemeClr val="accent1"/>
-          </a:effectRef>
-          <a:fontRef idx="minor">
-            <a:schemeClr val="lt1"/>
-          </a:fontRef>
-        </p:style>
-        <p:txBody>
-          <a:bodyPr rtlCol="0" anchor="ctr"/>
-          <a:lstStyle/>
-          <a:p>
-            <a:pPr algn="ctr"/>
-            <a:r>
-              <a:rPr lang="fr-FR" dirty="0" err="1" smtClean="0"/>
-              <a:t>Request</a:t>
-            </a:r>
-            <a:r>
-              <a:rPr lang="fr-FR" dirty="0" smtClean="0"/>
-              <a:t> to </a:t>
-            </a:r>
-            <a:r>
-              <a:rPr lang="fr-FR" dirty="0" err="1" smtClean="0"/>
-              <a:t>join</a:t>
-            </a:r>
-            <a:r>
-              <a:rPr lang="fr-FR" dirty="0" smtClean="0"/>
-              <a:t> the class </a:t>
-            </a:r>
-            <a:r>
-              <a:rPr lang="fr-FR" dirty="0" err="1" smtClean="0"/>
-              <a:t>with</a:t>
-            </a:r>
-            <a:r>
-              <a:rPr lang="fr-FR" dirty="0" smtClean="0"/>
-              <a:t> class code </a:t>
-            </a:r>
-            <a:r>
-              <a:rPr lang="fr-FR" dirty="0" err="1" smtClean="0"/>
-              <a:t>shared</a:t>
-            </a:r>
-            <a:r>
-              <a:rPr lang="fr-FR" dirty="0" smtClean="0"/>
-              <a:t> </a:t>
-            </a:r>
-            <a:r>
-              <a:rPr lang="fr-FR" dirty="0" err="1" smtClean="0"/>
-              <a:t>from</a:t>
-            </a:r>
-            <a:r>
-              <a:rPr lang="fr-FR" dirty="0" smtClean="0"/>
-              <a:t> </a:t>
-            </a:r>
-            <a:r>
-              <a:rPr lang="fr-FR" dirty="0" err="1" smtClean="0"/>
-              <a:t>student</a:t>
-            </a:r>
-            <a:r>
-              <a:rPr lang="fr-FR" dirty="0" smtClean="0"/>
-              <a:t> A</a:t>
-            </a:r>
-            <a:endParaRPr lang="fr-FR" dirty="0"/>
-          </a:p>
-        </p:txBody>
-      </p:sp>
-      <p:cxnSp>
-        <p:nvCxnSpPr>
-          <p:cNvPr id="89" name="Straight Arrow Connector 88"/>
-          <p:cNvCxnSpPr>
-            <a:stCxn id="88" idx="1"/>
-            <a:endCxn id="78" idx="3"/>
-          </p:cNvCxnSpPr>
-          <p:nvPr/>
-        </p:nvCxnSpPr>
-        <p:spPr>
-          <a:xfrm flipH="1">
-            <a:off x="5429407" y="3886131"/>
-            <a:ext cx="1047014" cy="8586"/>
-          </a:xfrm>
-          <a:prstGeom prst="straightConnector1">
-            <a:avLst/>
-          </a:prstGeom>
-          <a:ln>
-            <a:tailEnd type="triangle"/>
-          </a:ln>
-        </p:spPr>
-        <p:style>
-          <a:lnRef idx="1">
-            <a:schemeClr val="accent1"/>
-          </a:lnRef>
-          <a:fillRef idx="0">
-            <a:schemeClr val="accent1"/>
-          </a:fillRef>
-          <a:effectRef idx="0">
-            <a:schemeClr val="accent1"/>
-          </a:effectRef>
-          <a:fontRef idx="minor">
-            <a:schemeClr val="tx1"/>
-          </a:fontRef>
-        </p:style>
-      </p:cxnSp>
-      <p:sp>
-        <p:nvSpPr>
-          <p:cNvPr id="90" name="Diamond 89"/>
-          <p:cNvSpPr/>
-          <p:nvPr/>
-        </p:nvSpPr>
-        <p:spPr>
-          <a:xfrm>
-            <a:off x="252943" y="4928134"/>
-            <a:ext cx="2416046" cy="1328155"/>
-          </a:xfrm>
-          <a:prstGeom prst="diamond">
-            <a:avLst/>
-          </a:prstGeom>
-        </p:spPr>
-        <p:style>
-          <a:lnRef idx="2">
-            <a:schemeClr val="accent1">
-              <a:shade val="50000"/>
-            </a:schemeClr>
-          </a:lnRef>
-          <a:fillRef idx="1">
-            <a:schemeClr val="accent1"/>
-          </a:fillRef>
-          <a:effectRef idx="0">
-            <a:schemeClr val="accent1"/>
-          </a:effectRef>
-          <a:fontRef idx="minor">
-            <a:schemeClr val="lt1"/>
-          </a:fontRef>
-        </p:style>
-        <p:txBody>
-          <a:bodyPr rtlCol="0" anchor="ctr"/>
-          <a:lstStyle/>
-          <a:p>
-            <a:pPr algn="ctr"/>
-            <a:r>
-              <a:rPr lang="fr-FR" dirty="0" smtClean="0"/>
-              <a:t>Teacher </a:t>
-            </a:r>
-            <a:r>
-              <a:rPr lang="fr-FR" dirty="0" err="1" smtClean="0"/>
-              <a:t>approve</a:t>
-            </a:r>
-            <a:r>
-              <a:rPr lang="fr-FR" dirty="0" smtClean="0"/>
-              <a:t>?</a:t>
-            </a:r>
-            <a:endParaRPr lang="fr-FR" dirty="0"/>
-          </a:p>
-        </p:txBody>
-      </p:sp>
-      <p:cxnSp>
-        <p:nvCxnSpPr>
-          <p:cNvPr id="91" name="Straight Arrow Connector 90"/>
-          <p:cNvCxnSpPr>
-            <a:stCxn id="82" idx="1"/>
-            <a:endCxn id="90" idx="3"/>
-          </p:cNvCxnSpPr>
-          <p:nvPr/>
-        </p:nvCxnSpPr>
-        <p:spPr>
-          <a:xfrm flipH="1">
-            <a:off x="2668989" y="5592211"/>
-            <a:ext cx="790242" cy="1"/>
-          </a:xfrm>
-          <a:prstGeom prst="straightConnector1">
-            <a:avLst/>
-          </a:prstGeom>
-          <a:ln>
-            <a:tailEnd type="triangle"/>
-          </a:ln>
-        </p:spPr>
-        <p:style>
-          <a:lnRef idx="1">
-            <a:schemeClr val="accent1"/>
-          </a:lnRef>
-          <a:fillRef idx="0">
-            <a:schemeClr val="accent1"/>
-          </a:fillRef>
-          <a:effectRef idx="0">
-            <a:schemeClr val="accent1"/>
-          </a:effectRef>
-          <a:fontRef idx="minor">
-            <a:schemeClr val="tx1"/>
-          </a:fontRef>
-        </p:style>
-      </p:cxnSp>
-      <p:cxnSp>
-        <p:nvCxnSpPr>
-          <p:cNvPr id="92" name="Straight Arrow Connector 91"/>
-          <p:cNvCxnSpPr>
-            <a:stCxn id="90" idx="0"/>
-            <a:endCxn id="80" idx="2"/>
-          </p:cNvCxnSpPr>
-          <p:nvPr/>
-        </p:nvCxnSpPr>
-        <p:spPr>
-          <a:xfrm flipV="1">
-            <a:off x="1460966" y="4319430"/>
-            <a:ext cx="0" cy="608704"/>
-          </a:xfrm>
-          <a:prstGeom prst="straightConnector1">
-            <a:avLst/>
-          </a:prstGeom>
-          <a:ln>
-            <a:tailEnd type="triangle"/>
-          </a:ln>
-        </p:spPr>
-        <p:style>
-          <a:lnRef idx="1">
-            <a:schemeClr val="accent1"/>
-          </a:lnRef>
-          <a:fillRef idx="0">
-            <a:schemeClr val="accent1"/>
-          </a:fillRef>
-          <a:effectRef idx="0">
-            <a:schemeClr val="accent1"/>
-          </a:effectRef>
-          <a:fontRef idx="minor">
-            <a:schemeClr val="tx1"/>
-          </a:fontRef>
-        </p:style>
-      </p:cxnSp>
-      <p:sp>
-        <p:nvSpPr>
-          <p:cNvPr id="93" name="TextBox 92"/>
-          <p:cNvSpPr txBox="1"/>
-          <p:nvPr/>
-        </p:nvSpPr>
-        <p:spPr>
-          <a:xfrm>
-            <a:off x="1446174" y="4453241"/>
-            <a:ext cx="485518" cy="369332"/>
-          </a:xfrm>
-          <a:prstGeom prst="rect">
-            <a:avLst/>
-          </a:prstGeom>
-          <a:noFill/>
-        </p:spPr>
-        <p:txBody>
-          <a:bodyPr wrap="none" rtlCol="0">
-            <a:spAutoFit/>
-          </a:bodyPr>
-          <a:lstStyle/>
-          <a:p>
-            <a:r>
-              <a:rPr lang="fr-FR" dirty="0" err="1" smtClean="0"/>
-              <a:t>Yes</a:t>
-            </a:r>
-            <a:endParaRPr lang="fr-FR" dirty="0"/>
-          </a:p>
-        </p:txBody>
-      </p:sp>
-      <p:sp>
-        <p:nvSpPr>
-          <p:cNvPr id="94" name="TextBox 93"/>
-          <p:cNvSpPr txBox="1"/>
-          <p:nvPr/>
-        </p:nvSpPr>
-        <p:spPr>
-          <a:xfrm>
-            <a:off x="2621782" y="6284981"/>
-            <a:ext cx="455574" cy="369332"/>
-          </a:xfrm>
-          <a:prstGeom prst="rect">
-            <a:avLst/>
-          </a:prstGeom>
-          <a:noFill/>
-        </p:spPr>
-        <p:txBody>
-          <a:bodyPr wrap="none" rtlCol="0">
-            <a:spAutoFit/>
-          </a:bodyPr>
-          <a:lstStyle/>
-          <a:p>
-            <a:r>
-              <a:rPr lang="fr-FR" dirty="0" smtClean="0"/>
-              <a:t>No</a:t>
-            </a:r>
-            <a:endParaRPr lang="fr-FR" dirty="0"/>
-          </a:p>
-        </p:txBody>
-      </p:sp>
-      <p:sp>
-        <p:nvSpPr>
-          <p:cNvPr id="95" name="Rectangle 94"/>
-          <p:cNvSpPr/>
-          <p:nvPr/>
-        </p:nvSpPr>
-        <p:spPr>
-          <a:xfrm>
-            <a:off x="3459230" y="6127166"/>
-            <a:ext cx="1698655" cy="546646"/>
-          </a:xfrm>
-          <a:prstGeom prst="rect">
-            <a:avLst/>
-          </a:prstGeom>
-        </p:spPr>
-        <p:style>
-          <a:lnRef idx="2">
-            <a:schemeClr val="accent1">
-              <a:shade val="50000"/>
-            </a:schemeClr>
-          </a:lnRef>
-          <a:fillRef idx="1">
-            <a:schemeClr val="accent1"/>
-          </a:fillRef>
-          <a:effectRef idx="0">
-            <a:schemeClr val="accent1"/>
-          </a:effectRef>
-          <a:fontRef idx="minor">
-            <a:schemeClr val="lt1"/>
-          </a:fontRef>
-        </p:style>
-        <p:txBody>
-          <a:bodyPr rtlCol="0" anchor="ctr"/>
-          <a:lstStyle/>
-          <a:p>
-            <a:pPr algn="ctr"/>
-            <a:r>
-              <a:rPr lang="en-US" dirty="0" smtClean="0"/>
-              <a:t>Deny status</a:t>
-            </a:r>
-            <a:endParaRPr lang="fr-FR" dirty="0"/>
-          </a:p>
-        </p:txBody>
-      </p:sp>
-      <p:cxnSp>
-        <p:nvCxnSpPr>
-          <p:cNvPr id="96" name="Elbow Connector 95"/>
-          <p:cNvCxnSpPr>
-            <a:stCxn id="90" idx="2"/>
-            <a:endCxn id="95" idx="1"/>
-          </p:cNvCxnSpPr>
-          <p:nvPr/>
-        </p:nvCxnSpPr>
-        <p:spPr>
-          <a:xfrm rot="16200000" flipH="1">
-            <a:off x="2387998" y="5329257"/>
-            <a:ext cx="144200" cy="1998264"/>
-          </a:xfrm>
-          <a:prstGeom prst="bentConnector2">
             <a:avLst/>
           </a:prstGeom>
           <a:ln>
@@ -6408,7 +5524,7 @@
     </p:spTree>
     <p:extLst>
       <p:ext uri="{BB962C8B-B14F-4D97-AF65-F5344CB8AC3E}">
-        <p14:creationId xmlns:p14="http://schemas.microsoft.com/office/powerpoint/2010/main" val="2814366877"/>
+        <p14:creationId xmlns:p14="http://schemas.microsoft.com/office/powerpoint/2010/main" val="2858456203"/>
       </p:ext>
     </p:extLst>
   </p:cSld>
@@ -6444,387 +5560,7 @@
       </p:grpSpPr>
       <p:sp>
         <p:nvSpPr>
-          <p:cNvPr id="5" name="Rectangle 4"/>
-          <p:cNvSpPr/>
-          <p:nvPr/>
-        </p:nvSpPr>
-        <p:spPr>
-          <a:xfrm>
-            <a:off x="211802" y="3392159"/>
-            <a:ext cx="1597152" cy="755904"/>
-          </a:xfrm>
-          <a:prstGeom prst="rect">
-            <a:avLst/>
-          </a:prstGeom>
-        </p:spPr>
-        <p:style>
-          <a:lnRef idx="2">
-            <a:schemeClr val="accent1">
-              <a:shade val="50000"/>
-            </a:schemeClr>
-          </a:lnRef>
-          <a:fillRef idx="1">
-            <a:schemeClr val="accent1"/>
-          </a:fillRef>
-          <a:effectRef idx="0">
-            <a:schemeClr val="accent1"/>
-          </a:effectRef>
-          <a:fontRef idx="minor">
-            <a:schemeClr val="lt1"/>
-          </a:fontRef>
-        </p:style>
-        <p:txBody>
-          <a:bodyPr rtlCol="0" anchor="ctr"/>
-          <a:lstStyle/>
-          <a:p>
-            <a:pPr algn="ctr"/>
-            <a:r>
-              <a:rPr lang="fr-FR" dirty="0" err="1" smtClean="0"/>
-              <a:t>Launch</a:t>
-            </a:r>
-            <a:r>
-              <a:rPr lang="fr-FR" dirty="0" smtClean="0"/>
-              <a:t> </a:t>
-            </a:r>
-            <a:r>
-              <a:rPr lang="fr-FR" dirty="0" err="1" smtClean="0"/>
-              <a:t>app</a:t>
-            </a:r>
-            <a:endParaRPr lang="fr-FR" dirty="0"/>
-          </a:p>
-        </p:txBody>
-      </p:sp>
-      <p:sp>
-        <p:nvSpPr>
-          <p:cNvPr id="6" name="Rectangle 5"/>
-          <p:cNvSpPr/>
-          <p:nvPr/>
-        </p:nvSpPr>
-        <p:spPr>
-          <a:xfrm>
-            <a:off x="4743433" y="3192575"/>
-            <a:ext cx="2064986" cy="1183993"/>
-          </a:xfrm>
-          <a:prstGeom prst="rect">
-            <a:avLst/>
-          </a:prstGeom>
-        </p:spPr>
-        <p:style>
-          <a:lnRef idx="2">
-            <a:schemeClr val="accent1">
-              <a:shade val="50000"/>
-            </a:schemeClr>
-          </a:lnRef>
-          <a:fillRef idx="1">
-            <a:schemeClr val="accent1"/>
-          </a:fillRef>
-          <a:effectRef idx="0">
-            <a:schemeClr val="accent1"/>
-          </a:effectRef>
-          <a:fontRef idx="minor">
-            <a:schemeClr val="lt1"/>
-          </a:fontRef>
-        </p:style>
-        <p:txBody>
-          <a:bodyPr rtlCol="0" anchor="ctr"/>
-          <a:lstStyle/>
-          <a:p>
-            <a:pPr algn="ctr"/>
-            <a:r>
-              <a:rPr lang="fr-FR" dirty="0" err="1" smtClean="0"/>
-              <a:t>Sign</a:t>
-            </a:r>
-            <a:r>
-              <a:rPr lang="fr-FR" dirty="0" smtClean="0"/>
-              <a:t> in </a:t>
-            </a:r>
-            <a:r>
-              <a:rPr lang="fr-FR" dirty="0" err="1" smtClean="0"/>
-              <a:t>with</a:t>
-            </a:r>
-            <a:r>
-              <a:rPr lang="fr-FR" dirty="0" smtClean="0"/>
-              <a:t> email and </a:t>
-            </a:r>
-            <a:r>
-              <a:rPr lang="fr-FR" dirty="0" err="1" smtClean="0"/>
-              <a:t>password</a:t>
-            </a:r>
-            <a:r>
-              <a:rPr lang="fr-FR" dirty="0" smtClean="0"/>
-              <a:t>. </a:t>
-            </a:r>
-            <a:r>
-              <a:rPr lang="fr-FR" dirty="0" err="1" smtClean="0"/>
-              <a:t>Choose</a:t>
-            </a:r>
-            <a:r>
-              <a:rPr lang="fr-FR" dirty="0" smtClean="0"/>
-              <a:t> to </a:t>
-            </a:r>
-            <a:r>
-              <a:rPr lang="fr-FR" dirty="0" err="1" smtClean="0"/>
-              <a:t>keep</a:t>
-            </a:r>
-            <a:r>
-              <a:rPr lang="fr-FR" dirty="0" smtClean="0"/>
-              <a:t> </a:t>
-            </a:r>
-            <a:r>
-              <a:rPr lang="fr-FR" dirty="0" err="1" smtClean="0"/>
-              <a:t>sign</a:t>
-            </a:r>
-            <a:r>
-              <a:rPr lang="fr-FR" dirty="0" smtClean="0"/>
-              <a:t>-in</a:t>
-            </a:r>
-            <a:endParaRPr lang="fr-FR" dirty="0"/>
-          </a:p>
-        </p:txBody>
-      </p:sp>
-      <p:sp>
-        <p:nvSpPr>
-          <p:cNvPr id="8" name="Rectangle 7"/>
-          <p:cNvSpPr/>
-          <p:nvPr/>
-        </p:nvSpPr>
-        <p:spPr>
-          <a:xfrm>
-            <a:off x="7677912" y="3312911"/>
-            <a:ext cx="1560576" cy="914400"/>
-          </a:xfrm>
-          <a:prstGeom prst="rect">
-            <a:avLst/>
-          </a:prstGeom>
-        </p:spPr>
-        <p:style>
-          <a:lnRef idx="2">
-            <a:schemeClr val="accent1">
-              <a:shade val="50000"/>
-            </a:schemeClr>
-          </a:lnRef>
-          <a:fillRef idx="1">
-            <a:schemeClr val="accent1"/>
-          </a:fillRef>
-          <a:effectRef idx="0">
-            <a:schemeClr val="accent1"/>
-          </a:effectRef>
-          <a:fontRef idx="minor">
-            <a:schemeClr val="lt1"/>
-          </a:fontRef>
-        </p:style>
-        <p:txBody>
-          <a:bodyPr rtlCol="0" anchor="ctr"/>
-          <a:lstStyle/>
-          <a:p>
-            <a:pPr algn="ctr"/>
-            <a:r>
-              <a:rPr lang="fr-FR" dirty="0" err="1" smtClean="0"/>
-              <a:t>Get</a:t>
-            </a:r>
-            <a:r>
-              <a:rPr lang="fr-FR" dirty="0" smtClean="0"/>
-              <a:t> </a:t>
-            </a:r>
-            <a:r>
-              <a:rPr lang="fr-FR" dirty="0" err="1" smtClean="0"/>
-              <a:t>into</a:t>
-            </a:r>
-            <a:r>
-              <a:rPr lang="fr-FR" dirty="0" smtClean="0"/>
-              <a:t> main UI</a:t>
-            </a:r>
-            <a:endParaRPr lang="fr-FR" dirty="0"/>
-          </a:p>
-        </p:txBody>
-      </p:sp>
-      <p:sp>
-        <p:nvSpPr>
-          <p:cNvPr id="10" name="TextBox 9"/>
-          <p:cNvSpPr txBox="1"/>
-          <p:nvPr/>
-        </p:nvSpPr>
-        <p:spPr>
-          <a:xfrm>
-            <a:off x="719328" y="6211669"/>
-            <a:ext cx="5347682" cy="646331"/>
-          </a:xfrm>
-          <a:prstGeom prst="rect">
-            <a:avLst/>
-          </a:prstGeom>
-          <a:noFill/>
-        </p:spPr>
-        <p:txBody>
-          <a:bodyPr wrap="none" rtlCol="0">
-            <a:spAutoFit/>
-          </a:bodyPr>
-          <a:lstStyle/>
-          <a:p>
-            <a:r>
-              <a:rPr lang="fr-FR" dirty="0" smtClean="0"/>
-              <a:t>*</a:t>
-            </a:r>
-            <a:r>
-              <a:rPr lang="fr-FR" dirty="0" err="1" smtClean="0"/>
-              <a:t>teacher</a:t>
-            </a:r>
-            <a:r>
-              <a:rPr lang="fr-FR" dirty="0" smtClean="0"/>
-              <a:t> </a:t>
-            </a:r>
-            <a:r>
-              <a:rPr lang="fr-FR" dirty="0" err="1" smtClean="0"/>
-              <a:t>can</a:t>
-            </a:r>
-            <a:r>
-              <a:rPr lang="fr-FR" dirty="0" smtClean="0"/>
-              <a:t> </a:t>
-            </a:r>
-            <a:r>
-              <a:rPr lang="fr-FR" dirty="0" err="1" smtClean="0"/>
-              <a:t>share</a:t>
-            </a:r>
-            <a:r>
-              <a:rPr lang="fr-FR" dirty="0" smtClean="0"/>
-              <a:t> code and </a:t>
-            </a:r>
-            <a:r>
-              <a:rPr lang="fr-FR" dirty="0" err="1" smtClean="0"/>
-              <a:t>pwd</a:t>
-            </a:r>
-            <a:r>
-              <a:rPr lang="fr-FR" dirty="0" smtClean="0"/>
-              <a:t> </a:t>
-            </a:r>
-            <a:r>
-              <a:rPr lang="fr-FR" dirty="0" err="1" smtClean="0"/>
-              <a:t>thru</a:t>
-            </a:r>
-            <a:r>
-              <a:rPr lang="fr-FR" dirty="0" smtClean="0"/>
-              <a:t> email or at class</a:t>
-            </a:r>
-          </a:p>
-          <a:p>
-            <a:r>
-              <a:rPr lang="fr-FR" dirty="0" smtClean="0"/>
-              <a:t>*</a:t>
-            </a:r>
-            <a:r>
-              <a:rPr lang="fr-FR" dirty="0" err="1" smtClean="0"/>
-              <a:t>we</a:t>
-            </a:r>
-            <a:r>
-              <a:rPr lang="fr-FR" dirty="0" smtClean="0"/>
-              <a:t> </a:t>
-            </a:r>
-            <a:r>
-              <a:rPr lang="fr-FR" dirty="0" err="1" smtClean="0"/>
-              <a:t>will</a:t>
-            </a:r>
-            <a:r>
-              <a:rPr lang="fr-FR" dirty="0" smtClean="0"/>
-              <a:t> display </a:t>
-            </a:r>
-            <a:r>
-              <a:rPr lang="fr-FR" dirty="0" err="1" smtClean="0"/>
-              <a:t>student</a:t>
-            </a:r>
-            <a:r>
-              <a:rPr lang="fr-FR" dirty="0" smtClean="0"/>
-              <a:t> </a:t>
-            </a:r>
-            <a:r>
-              <a:rPr lang="fr-FR" dirty="0" err="1" smtClean="0"/>
-              <a:t>name</a:t>
-            </a:r>
-            <a:r>
-              <a:rPr lang="fr-FR" dirty="0" smtClean="0"/>
-              <a:t> at the </a:t>
-            </a:r>
-            <a:r>
-              <a:rPr lang="fr-FR" dirty="0" err="1" smtClean="0"/>
-              <a:t>app</a:t>
-            </a:r>
-            <a:endParaRPr lang="fr-FR" dirty="0"/>
-          </a:p>
-        </p:txBody>
-      </p:sp>
-      <p:cxnSp>
-        <p:nvCxnSpPr>
-          <p:cNvPr id="18" name="Straight Arrow Connector 17"/>
-          <p:cNvCxnSpPr>
-            <a:stCxn id="5" idx="3"/>
-            <a:endCxn id="43" idx="1"/>
-          </p:cNvCxnSpPr>
-          <p:nvPr/>
-        </p:nvCxnSpPr>
-        <p:spPr>
-          <a:xfrm>
-            <a:off x="1808954" y="3770111"/>
-            <a:ext cx="639335" cy="0"/>
-          </a:xfrm>
-          <a:prstGeom prst="straightConnector1">
-            <a:avLst/>
-          </a:prstGeom>
-          <a:ln>
-            <a:tailEnd type="triangle"/>
-          </a:ln>
-        </p:spPr>
-        <p:style>
-          <a:lnRef idx="1">
-            <a:schemeClr val="accent1"/>
-          </a:lnRef>
-          <a:fillRef idx="0">
-            <a:schemeClr val="accent1"/>
-          </a:fillRef>
-          <a:effectRef idx="0">
-            <a:schemeClr val="accent1"/>
-          </a:effectRef>
-          <a:fontRef idx="minor">
-            <a:schemeClr val="tx1"/>
-          </a:fontRef>
-        </p:style>
-      </p:cxnSp>
-      <p:cxnSp>
-        <p:nvCxnSpPr>
-          <p:cNvPr id="20" name="Straight Arrow Connector 19"/>
-          <p:cNvCxnSpPr>
-            <a:stCxn id="6" idx="3"/>
-            <a:endCxn id="8" idx="1"/>
-          </p:cNvCxnSpPr>
-          <p:nvPr/>
-        </p:nvCxnSpPr>
-        <p:spPr>
-          <a:xfrm flipV="1">
-            <a:off x="6808419" y="3770111"/>
-            <a:ext cx="869493" cy="14461"/>
-          </a:xfrm>
-          <a:prstGeom prst="straightConnector1">
-            <a:avLst/>
-          </a:prstGeom>
-          <a:ln>
-            <a:tailEnd type="triangle"/>
-          </a:ln>
-        </p:spPr>
-        <p:style>
-          <a:lnRef idx="1">
-            <a:schemeClr val="accent1"/>
-          </a:lnRef>
-          <a:fillRef idx="0">
-            <a:schemeClr val="accent1"/>
-          </a:fillRef>
-          <a:effectRef idx="0">
-            <a:schemeClr val="accent1"/>
-          </a:effectRef>
-          <a:fontRef idx="minor">
-            <a:schemeClr val="tx1"/>
-          </a:fontRef>
-        </p:style>
-      </p:cxnSp>
-      <p:sp>
-        <p:nvSpPr>
-          <p:cNvPr id="28" name="Title 27"/>
+          <p:cNvPr id="2" name="Title 1"/>
           <p:cNvSpPr>
             <a:spLocks noGrp="1"/>
           </p:cNvSpPr>
@@ -6832,42 +5568,42 @@
             <p:ph type="title"/>
           </p:nvPr>
         </p:nvSpPr>
-        <p:spPr>
-          <a:xfrm>
-            <a:off x="809210" y="112938"/>
-            <a:ext cx="10515600" cy="1325563"/>
-          </a:xfrm>
-        </p:spPr>
-        <p:txBody>
-          <a:bodyPr/>
-          <a:lstStyle/>
-          <a:p>
-            <a:r>
-              <a:rPr lang="fr-FR" dirty="0" smtClean="0"/>
-              <a:t>Second </a:t>
-            </a:r>
-            <a:r>
-              <a:rPr lang="fr-FR" dirty="0" err="1" smtClean="0"/>
-              <a:t>experience</a:t>
-            </a:r>
-            <a:r>
-              <a:rPr lang="fr-FR" dirty="0" smtClean="0"/>
-              <a:t> flow</a:t>
-            </a:r>
-            <a:endParaRPr lang="fr-FR" dirty="0"/>
-          </a:p>
-        </p:txBody>
-      </p:sp>
-      <p:sp>
-        <p:nvSpPr>
-          <p:cNvPr id="2" name="Rectangle 1"/>
+        <p:spPr/>
+        <p:txBody>
+          <a:bodyPr>
+            <a:normAutofit/>
+          </a:bodyPr>
+          <a:lstStyle/>
+          <a:p>
+            <a:r>
+              <a:rPr lang="en-US" dirty="0" smtClean="0"/>
+              <a:t>Messages flow </a:t>
+            </a:r>
+            <a:r>
+              <a:rPr lang="en-US" dirty="0" smtClean="0"/>
+              <a:t/>
+            </a:r>
+            <a:br>
+              <a:rPr lang="en-US" dirty="0" smtClean="0"/>
+            </a:br>
+            <a:r>
+              <a:rPr lang="en-US" sz="3600" dirty="0" smtClean="0"/>
+              <a:t>Announcement, Private (no reply)</a:t>
+            </a:r>
+            <a:endParaRPr lang="en-US" sz="3600" dirty="0"/>
+          </a:p>
+        </p:txBody>
+      </p:sp>
+      <p:sp>
+        <p:nvSpPr>
+          <p:cNvPr id="4" name="Rectangle 3"/>
           <p:cNvSpPr/>
           <p:nvPr/>
         </p:nvSpPr>
         <p:spPr>
           <a:xfrm>
-            <a:off x="10148282" y="3534666"/>
-            <a:ext cx="1853184" cy="780443"/>
+            <a:off x="1155382" y="3468624"/>
+            <a:ext cx="1826895" cy="1194816"/>
           </a:xfrm>
           <a:prstGeom prst="rect">
             <a:avLst/>
@@ -6895,23 +5631,23 @@
           <a:p>
             <a:pPr algn="ctr"/>
             <a:r>
-              <a:rPr lang="fr-FR" dirty="0" smtClean="0"/>
-              <a:t>Class</a:t>
-            </a:r>
-            <a:endParaRPr lang="fr-FR" dirty="0"/>
-          </a:p>
-        </p:txBody>
-      </p:sp>
-      <p:sp>
-        <p:nvSpPr>
-          <p:cNvPr id="15" name="Rectangle 14"/>
+              <a:rPr lang="en-US" dirty="0" smtClean="0"/>
+              <a:t>Select Inbox tab</a:t>
+            </a:r>
+            <a:endParaRPr lang="en-US" dirty="0"/>
+          </a:p>
+        </p:txBody>
+      </p:sp>
+      <p:sp>
+        <p:nvSpPr>
+          <p:cNvPr id="5" name="Rectangle 4"/>
           <p:cNvSpPr/>
           <p:nvPr/>
         </p:nvSpPr>
         <p:spPr>
           <a:xfrm>
-            <a:off x="10082784" y="1438501"/>
-            <a:ext cx="1853184" cy="780443"/>
+            <a:off x="4345686" y="3468624"/>
+            <a:ext cx="2458593" cy="1194816"/>
           </a:xfrm>
           <a:prstGeom prst="rect">
             <a:avLst/>
@@ -6939,27 +5675,66 @@
           <a:p>
             <a:pPr algn="ctr"/>
             <a:r>
-              <a:rPr lang="fr-FR" dirty="0" err="1" smtClean="0"/>
-              <a:t>Inbox</a:t>
-            </a:r>
-            <a:endParaRPr lang="fr-FR" dirty="0"/>
-          </a:p>
-        </p:txBody>
-      </p:sp>
-      <p:sp>
-        <p:nvSpPr>
-          <p:cNvPr id="17" name="Rectangle 16"/>
+              <a:rPr lang="en-US" dirty="0" smtClean="0"/>
+              <a:t>View announcement (sent to class) or private (his account)</a:t>
+            </a:r>
+            <a:endParaRPr lang="en-US" dirty="0"/>
+          </a:p>
+        </p:txBody>
+      </p:sp>
+      <p:cxnSp>
+        <p:nvCxnSpPr>
+          <p:cNvPr id="7" name="Straight Arrow Connector 6"/>
+          <p:cNvCxnSpPr>
+            <a:stCxn id="4" idx="3"/>
+            <a:endCxn id="5" idx="1"/>
+          </p:cNvCxnSpPr>
+          <p:nvPr/>
+        </p:nvCxnSpPr>
+        <p:spPr>
+          <a:xfrm>
+            <a:off x="2982277" y="4066032"/>
+            <a:ext cx="1363409" cy="0"/>
+          </a:xfrm>
+          <a:prstGeom prst="straightConnector1">
+            <a:avLst/>
+          </a:prstGeom>
+          <a:ln>
+            <a:tailEnd type="triangle"/>
+          </a:ln>
+        </p:spPr>
+        <p:style>
+          <a:lnRef idx="1">
+            <a:schemeClr val="accent1"/>
+          </a:lnRef>
+          <a:fillRef idx="0">
+            <a:schemeClr val="accent1"/>
+          </a:fillRef>
+          <a:effectRef idx="0">
+            <a:schemeClr val="accent1"/>
+          </a:effectRef>
+          <a:fontRef idx="minor">
+            <a:schemeClr val="tx1"/>
+          </a:fontRef>
+        </p:style>
+      </p:cxnSp>
+      <p:sp>
+        <p:nvSpPr>
+          <p:cNvPr id="8" name="Rectangle 7"/>
           <p:cNvSpPr/>
           <p:nvPr/>
         </p:nvSpPr>
         <p:spPr>
           <a:xfrm>
-            <a:off x="10254285" y="2385695"/>
-            <a:ext cx="1714534" cy="780443"/>
+            <a:off x="9081135" y="3694176"/>
+            <a:ext cx="1645920" cy="908304"/>
           </a:xfrm>
           <a:prstGeom prst="rect">
             <a:avLst/>
           </a:prstGeom>
+          <a:solidFill>
+            <a:srgbClr val="FF0000"/>
+          </a:solidFill>
         </p:spPr>
         <p:style>
           <a:lnRef idx="2">
@@ -6983,26 +5758,85 @@
           <a:p>
             <a:pPr algn="ctr"/>
             <a:r>
-              <a:rPr lang="fr-FR" dirty="0" smtClean="0"/>
-              <a:t>Test</a:t>
-            </a:r>
-            <a:endParaRPr lang="fr-FR" dirty="0"/>
+              <a:rPr lang="en-US" dirty="0" smtClean="0"/>
+              <a:t>Save messages as </a:t>
+            </a:r>
+            <a:r>
+              <a:rPr lang="zh-CN" altLang="en-US" dirty="0" smtClean="0"/>
+              <a:t>收藏</a:t>
+            </a:r>
+            <a:r>
+              <a:rPr lang="en-US" dirty="0" smtClean="0"/>
+              <a:t>???</a:t>
+            </a:r>
+            <a:endParaRPr lang="en-US" dirty="0"/>
+          </a:p>
+        </p:txBody>
+      </p:sp>
+      <p:sp>
+        <p:nvSpPr>
+          <p:cNvPr id="9" name="Rectangle 8"/>
+          <p:cNvSpPr/>
+          <p:nvPr/>
+        </p:nvSpPr>
+        <p:spPr>
+          <a:xfrm>
+            <a:off x="9081135" y="4899088"/>
+            <a:ext cx="1645920" cy="908304"/>
+          </a:xfrm>
+          <a:prstGeom prst="rect">
+            <a:avLst/>
+          </a:prstGeom>
+          <a:solidFill>
+            <a:srgbClr val="FF0000"/>
+          </a:solidFill>
+        </p:spPr>
+        <p:style>
+          <a:lnRef idx="2">
+            <a:schemeClr val="accent1">
+              <a:shade val="50000"/>
+            </a:schemeClr>
+          </a:lnRef>
+          <a:fillRef idx="1">
+            <a:schemeClr val="accent1"/>
+          </a:fillRef>
+          <a:effectRef idx="0">
+            <a:schemeClr val="accent1"/>
+          </a:effectRef>
+          <a:fontRef idx="minor">
+            <a:schemeClr val="lt1"/>
+          </a:fontRef>
+        </p:style>
+        <p:txBody>
+          <a:bodyPr rtlCol="0" anchor="ctr"/>
+          <a:lstStyle/>
+          <a:p>
+            <a:pPr algn="ctr"/>
+            <a:r>
+              <a:rPr lang="en-US" altLang="zh-CN" dirty="0" smtClean="0"/>
+              <a:t>Delete </a:t>
+            </a:r>
+            <a:r>
+              <a:rPr lang="en-US" dirty="0" smtClean="0"/>
+              <a:t>messages???</a:t>
+            </a:r>
+            <a:endParaRPr lang="en-US" dirty="0"/>
           </a:p>
         </p:txBody>
       </p:sp>
       <p:cxnSp>
         <p:nvCxnSpPr>
-          <p:cNvPr id="4" name="Straight Arrow Connector 3"/>
+          <p:cNvPr id="11" name="Straight Arrow Connector 10"/>
           <p:cNvCxnSpPr>
-            <a:stCxn id="8" idx="3"/>
-            <a:endCxn id="15" idx="1"/>
+            <a:stCxn id="5" idx="3"/>
+            <a:endCxn id="8" idx="1"/>
           </p:cNvCxnSpPr>
           <p:nvPr/>
         </p:nvCxnSpPr>
         <p:spPr>
-          <a:xfrm flipV="1">
-            <a:off x="9238488" y="1828723"/>
-            <a:ext cx="844296" cy="1941388"/>
+          <a:xfrm>
+            <a:off x="6804279" y="4066032"/>
+            <a:ext cx="2276856" cy="82296"/>
           </a:xfrm>
           <a:prstGeom prst="straightConnector1">
             <a:avLst/>
@@ -7030,15 +5864,15 @@
         <p:nvCxnSpPr>
           <p:cNvPr id="13" name="Straight Arrow Connector 12"/>
           <p:cNvCxnSpPr>
-            <a:stCxn id="8" idx="3"/>
-            <a:endCxn id="17" idx="1"/>
+            <a:stCxn id="5" idx="3"/>
+            <a:endCxn id="9" idx="1"/>
           </p:cNvCxnSpPr>
           <p:nvPr/>
         </p:nvCxnSpPr>
         <p:spPr>
-          <a:xfrm flipV="1">
-            <a:off x="9238488" y="2775917"/>
-            <a:ext cx="1015797" cy="994194"/>
+          <a:xfrm>
+            <a:off x="6804279" y="4066032"/>
+            <a:ext cx="2276856" cy="1287208"/>
           </a:xfrm>
           <a:prstGeom prst="straightConnector1">
             <a:avLst/>
@@ -7062,52 +5896,16 @@
           </a:fontRef>
         </p:style>
       </p:cxnSp>
-      <p:cxnSp>
-        <p:nvCxnSpPr>
-          <p:cNvPr id="21" name="Straight Arrow Connector 20"/>
-          <p:cNvCxnSpPr>
-            <a:stCxn id="8" idx="3"/>
-            <a:endCxn id="2" idx="1"/>
-          </p:cNvCxnSpPr>
-          <p:nvPr/>
-        </p:nvCxnSpPr>
-        <p:spPr>
-          <a:xfrm>
-            <a:off x="9238488" y="3770111"/>
-            <a:ext cx="909794" cy="154777"/>
-          </a:xfrm>
-          <a:prstGeom prst="straightConnector1">
-            <a:avLst/>
-          </a:prstGeom>
-          <a:ln>
-            <a:tailEnd type="triangle"/>
-          </a:ln>
-        </p:spPr>
-        <p:style>
-          <a:lnRef idx="1">
-            <a:schemeClr val="accent1"/>
-          </a:lnRef>
-          <a:fillRef idx="0">
-            <a:schemeClr val="accent1"/>
-          </a:fillRef>
-          <a:effectRef idx="0">
-            <a:schemeClr val="accent1"/>
-          </a:effectRef>
-          <a:fontRef idx="minor">
-            <a:schemeClr val="tx1"/>
-          </a:fontRef>
-        </p:style>
-      </p:cxnSp>
-      <p:sp>
-        <p:nvSpPr>
-          <p:cNvPr id="43" name="Rectangle 42"/>
+      <p:sp>
+        <p:nvSpPr>
+          <p:cNvPr id="10" name="Rectangle 9"/>
           <p:cNvSpPr/>
           <p:nvPr/>
         </p:nvSpPr>
         <p:spPr>
           <a:xfrm>
-            <a:off x="2448289" y="3392159"/>
-            <a:ext cx="1597152" cy="755904"/>
+            <a:off x="9081135" y="2072640"/>
+            <a:ext cx="1645920" cy="908304"/>
           </a:xfrm>
           <a:prstGeom prst="rect">
             <a:avLst/>
@@ -7135,114 +5933,30 @@
           <a:p>
             <a:pPr algn="ctr"/>
             <a:r>
-              <a:rPr lang="fr-FR" dirty="0" smtClean="0"/>
-              <a:t>Select </a:t>
-            </a:r>
-            <a:r>
-              <a:rPr lang="fr-FR" dirty="0" err="1" smtClean="0"/>
-              <a:t>sign</a:t>
-            </a:r>
-            <a:r>
-              <a:rPr lang="fr-FR" dirty="0" smtClean="0"/>
-              <a:t>-in</a:t>
-            </a:r>
-            <a:endParaRPr lang="fr-FR" dirty="0"/>
+              <a:rPr lang="en-US" dirty="0" smtClean="0"/>
+              <a:t>Flag a message as high priority to </a:t>
+            </a:r>
+            <a:r>
+              <a:rPr lang="zh-CN" altLang="en-US" dirty="0" smtClean="0"/>
+              <a:t>置顶</a:t>
+            </a:r>
+            <a:endParaRPr lang="en-US" dirty="0"/>
           </a:p>
         </p:txBody>
       </p:sp>
       <p:cxnSp>
         <p:nvCxnSpPr>
-          <p:cNvPr id="49" name="Straight Arrow Connector 48"/>
+          <p:cNvPr id="14" name="Straight Arrow Connector 13"/>
           <p:cNvCxnSpPr>
-            <a:stCxn id="43" idx="3"/>
-            <a:endCxn id="6" idx="1"/>
+            <a:stCxn id="5" idx="3"/>
+            <a:endCxn id="10" idx="1"/>
           </p:cNvCxnSpPr>
           <p:nvPr/>
         </p:nvCxnSpPr>
         <p:spPr>
-          <a:xfrm>
-            <a:off x="4045441" y="3770111"/>
-            <a:ext cx="697992" cy="14461"/>
-          </a:xfrm>
-          <a:prstGeom prst="straightConnector1">
-            <a:avLst/>
-          </a:prstGeom>
-          <a:ln>
-            <a:tailEnd type="triangle"/>
-          </a:ln>
-        </p:spPr>
-        <p:style>
-          <a:lnRef idx="1">
-            <a:schemeClr val="accent1"/>
-          </a:lnRef>
-          <a:fillRef idx="0">
-            <a:schemeClr val="accent1"/>
-          </a:fillRef>
-          <a:effectRef idx="0">
-            <a:schemeClr val="accent1"/>
-          </a:effectRef>
-          <a:fontRef idx="minor">
-            <a:schemeClr val="tx1"/>
-          </a:fontRef>
-        </p:style>
-      </p:cxnSp>
-      <p:sp>
-        <p:nvSpPr>
-          <p:cNvPr id="19" name="Rectangle 18"/>
-          <p:cNvSpPr/>
-          <p:nvPr/>
-        </p:nvSpPr>
-        <p:spPr>
-          <a:xfrm>
-            <a:off x="10082784" y="4857622"/>
-            <a:ext cx="1853184" cy="780443"/>
-          </a:xfrm>
-          <a:prstGeom prst="rect">
-            <a:avLst/>
-          </a:prstGeom>
-        </p:spPr>
-        <p:style>
-          <a:lnRef idx="2">
-            <a:schemeClr val="accent1">
-              <a:shade val="50000"/>
-            </a:schemeClr>
-          </a:lnRef>
-          <a:fillRef idx="1">
-            <a:schemeClr val="accent1"/>
-          </a:fillRef>
-          <a:effectRef idx="0">
-            <a:schemeClr val="accent1"/>
-          </a:effectRef>
-          <a:fontRef idx="minor">
-            <a:schemeClr val="lt1"/>
-          </a:fontRef>
-        </p:style>
-        <p:txBody>
-          <a:bodyPr rtlCol="0" anchor="ctr"/>
-          <a:lstStyle/>
-          <a:p>
-            <a:pPr algn="ctr"/>
-            <a:r>
-              <a:rPr lang="fr-FR" altLang="zh-CN" dirty="0" smtClean="0"/>
-              <a:t>Q &amp; A</a:t>
-            </a:r>
-            <a:endParaRPr lang="fr-FR" dirty="0"/>
-          </a:p>
-        </p:txBody>
-      </p:sp>
-      <p:cxnSp>
-        <p:nvCxnSpPr>
-          <p:cNvPr id="7" name="Straight Arrow Connector 6"/>
-          <p:cNvCxnSpPr>
-            <a:stCxn id="8" idx="3"/>
-            <a:endCxn id="19" idx="1"/>
-          </p:cNvCxnSpPr>
-          <p:nvPr/>
-        </p:nvCxnSpPr>
-        <p:spPr>
-          <a:xfrm>
-            <a:off x="9238488" y="3770111"/>
-            <a:ext cx="844296" cy="1477733"/>
+          <a:xfrm flipV="1">
+            <a:off x="6804279" y="2526792"/>
+            <a:ext cx="2276856" cy="1539240"/>
           </a:xfrm>
           <a:prstGeom prst="straightConnector1">
             <a:avLst/>
@@ -7269,7 +5983,7 @@
     </p:spTree>
     <p:extLst>
       <p:ext uri="{BB962C8B-B14F-4D97-AF65-F5344CB8AC3E}">
-        <p14:creationId xmlns:p14="http://schemas.microsoft.com/office/powerpoint/2010/main" val="2858456203"/>
+        <p14:creationId xmlns:p14="http://schemas.microsoft.com/office/powerpoint/2010/main" val="1849182865"/>
       </p:ext>
     </p:extLst>
   </p:cSld>
@@ -7315,60 +6029,27 @@
         </p:nvSpPr>
         <p:spPr/>
         <p:txBody>
-          <a:bodyPr>
-            <a:normAutofit/>
-          </a:bodyPr>
-          <a:lstStyle/>
-          <a:p>
-            <a:r>
-              <a:rPr lang="fr-FR" dirty="0" err="1" smtClean="0"/>
-              <a:t>Inbox</a:t>
-            </a:r>
-            <a:r>
-              <a:rPr lang="fr-FR" dirty="0" smtClean="0"/>
-              <a:t> flow </a:t>
-            </a:r>
-            <a:br>
-              <a:rPr lang="fr-FR" dirty="0" smtClean="0"/>
-            </a:br>
-            <a:r>
-              <a:rPr lang="fr-FR" sz="3600" dirty="0" err="1" smtClean="0"/>
-              <a:t>Announcement</a:t>
-            </a:r>
-            <a:r>
-              <a:rPr lang="fr-FR" sz="3600" dirty="0" smtClean="0"/>
-              <a:t>, </a:t>
-            </a:r>
-            <a:r>
-              <a:rPr lang="fr-FR" sz="3600" dirty="0" err="1" smtClean="0"/>
-              <a:t>Private</a:t>
-            </a:r>
-            <a:r>
-              <a:rPr lang="fr-FR" sz="3600" dirty="0" smtClean="0"/>
-              <a:t> (no </a:t>
-            </a:r>
-            <a:r>
-              <a:rPr lang="fr-FR" sz="3600" dirty="0" err="1" smtClean="0"/>
-              <a:t>reply</a:t>
-            </a:r>
-            <a:r>
-              <a:rPr lang="fr-FR" sz="3600" dirty="0" smtClean="0"/>
-              <a:t>)</a:t>
-            </a:r>
-            <a:endParaRPr lang="fr-FR" sz="3600" dirty="0"/>
-          </a:p>
-        </p:txBody>
-      </p:sp>
-      <p:sp>
-        <p:nvSpPr>
-          <p:cNvPr id="4" name="Rectangle 3"/>
+          <a:bodyPr/>
+          <a:lstStyle/>
+          <a:p>
+            <a:r>
+              <a:rPr lang="en-US" dirty="0" smtClean="0"/>
+              <a:t>Exercises flow</a:t>
+            </a:r>
+            <a:endParaRPr lang="en-US" dirty="0"/>
+          </a:p>
+        </p:txBody>
+      </p:sp>
+      <p:sp>
+        <p:nvSpPr>
+          <p:cNvPr id="3" name="Rectangle 2"/>
           <p:cNvSpPr/>
           <p:nvPr/>
         </p:nvSpPr>
         <p:spPr>
           <a:xfrm>
-            <a:off x="1155382" y="3468624"/>
-            <a:ext cx="1826895" cy="1194816"/>
+            <a:off x="838200" y="2426208"/>
+            <a:ext cx="1597152" cy="755904"/>
           </a:xfrm>
           <a:prstGeom prst="rect">
             <a:avLst/>
@@ -7396,31 +6077,23 @@
           <a:p>
             <a:pPr algn="ctr"/>
             <a:r>
-              <a:rPr lang="fr-FR" dirty="0" smtClean="0"/>
-              <a:t>Select </a:t>
-            </a:r>
-            <a:r>
-              <a:rPr lang="fr-FR" dirty="0" err="1" smtClean="0"/>
-              <a:t>Inbox</a:t>
-            </a:r>
-            <a:r>
-              <a:rPr lang="fr-FR" dirty="0" smtClean="0"/>
-              <a:t> tab</a:t>
-            </a:r>
-            <a:endParaRPr lang="fr-FR" dirty="0"/>
-          </a:p>
-        </p:txBody>
-      </p:sp>
-      <p:sp>
-        <p:nvSpPr>
-          <p:cNvPr id="5" name="Rectangle 4"/>
+              <a:rPr lang="en-US" dirty="0" smtClean="0"/>
+              <a:t>Select Exercises tab</a:t>
+            </a:r>
+            <a:endParaRPr lang="en-US" dirty="0"/>
+          </a:p>
+        </p:txBody>
+      </p:sp>
+      <p:sp>
+        <p:nvSpPr>
+          <p:cNvPr id="4" name="Rectangle 3"/>
           <p:cNvSpPr/>
           <p:nvPr/>
         </p:nvSpPr>
         <p:spPr>
           <a:xfrm>
-            <a:off x="4345686" y="3468624"/>
-            <a:ext cx="2458593" cy="1194816"/>
+            <a:off x="3007632" y="2292127"/>
+            <a:ext cx="1871506" cy="1024066"/>
           </a:xfrm>
           <a:prstGeom prst="rect">
             <a:avLst/>
@@ -7448,102 +6121,27 @@
           <a:p>
             <a:pPr algn="ctr"/>
             <a:r>
-              <a:rPr lang="fr-FR" dirty="0" err="1" smtClean="0"/>
-              <a:t>View</a:t>
-            </a:r>
-            <a:r>
-              <a:rPr lang="fr-FR" dirty="0" smtClean="0"/>
-              <a:t> </a:t>
-            </a:r>
-            <a:r>
-              <a:rPr lang="fr-FR" dirty="0" err="1" smtClean="0"/>
-              <a:t>announcement</a:t>
-            </a:r>
-            <a:r>
-              <a:rPr lang="fr-FR" dirty="0" smtClean="0"/>
-              <a:t> (sent to class) or </a:t>
-            </a:r>
-            <a:r>
-              <a:rPr lang="fr-FR" dirty="0" err="1" smtClean="0"/>
-              <a:t>private</a:t>
-            </a:r>
-            <a:r>
-              <a:rPr lang="fr-FR" dirty="0" smtClean="0"/>
-              <a:t> (</a:t>
-            </a:r>
-            <a:r>
-              <a:rPr lang="fr-FR" dirty="0" err="1" smtClean="0"/>
-              <a:t>his</a:t>
-            </a:r>
-            <a:r>
-              <a:rPr lang="fr-FR" dirty="0" smtClean="0"/>
-              <a:t> </a:t>
-            </a:r>
-            <a:r>
-              <a:rPr lang="fr-FR" dirty="0" err="1" smtClean="0"/>
-              <a:t>account</a:t>
-            </a:r>
-            <a:r>
-              <a:rPr lang="fr-FR" dirty="0" smtClean="0"/>
-              <a:t>)</a:t>
-            </a:r>
-            <a:endParaRPr lang="fr-FR" dirty="0"/>
-          </a:p>
-        </p:txBody>
-      </p:sp>
-      <p:cxnSp>
-        <p:nvCxnSpPr>
-          <p:cNvPr id="7" name="Straight Arrow Connector 6"/>
-          <p:cNvCxnSpPr>
-            <a:stCxn id="4" idx="3"/>
-            <a:endCxn id="5" idx="1"/>
-          </p:cNvCxnSpPr>
-          <p:nvPr/>
-        </p:nvCxnSpPr>
-        <p:spPr>
-          <a:xfrm>
-            <a:off x="2982277" y="4066032"/>
-            <a:ext cx="1363409" cy="0"/>
-          </a:xfrm>
-          <a:prstGeom prst="straightConnector1">
-            <a:avLst/>
-          </a:prstGeom>
-          <a:ln>
-            <a:tailEnd type="triangle"/>
-          </a:ln>
-        </p:spPr>
-        <p:style>
-          <a:lnRef idx="1">
-            <a:schemeClr val="accent1"/>
-          </a:lnRef>
-          <a:fillRef idx="0">
-            <a:schemeClr val="accent1"/>
-          </a:fillRef>
-          <a:effectRef idx="0">
-            <a:schemeClr val="accent1"/>
-          </a:effectRef>
-          <a:fontRef idx="minor">
-            <a:schemeClr val="tx1"/>
-          </a:fontRef>
-        </p:style>
-      </p:cxnSp>
-      <p:sp>
-        <p:nvSpPr>
-          <p:cNvPr id="8" name="Rectangle 7"/>
+              <a:rPr lang="en-US" dirty="0" smtClean="0"/>
+              <a:t>Select a sequence of exercises or an exam </a:t>
+            </a:r>
+            <a:endParaRPr lang="en-US" dirty="0"/>
+          </a:p>
+        </p:txBody>
+      </p:sp>
+      <p:sp>
+        <p:nvSpPr>
+          <p:cNvPr id="5" name="Rectangle 4"/>
           <p:cNvSpPr/>
           <p:nvPr/>
         </p:nvSpPr>
         <p:spPr>
           <a:xfrm>
-            <a:off x="9081135" y="3694176"/>
-            <a:ext cx="1645920" cy="908304"/>
+            <a:off x="5274530" y="2413954"/>
+            <a:ext cx="1597152" cy="755904"/>
           </a:xfrm>
           <a:prstGeom prst="rect">
             <a:avLst/>
           </a:prstGeom>
-          <a:solidFill>
-            <a:srgbClr val="FF0000"/>
-          </a:solidFill>
         </p:spPr>
         <p:style>
           <a:lnRef idx="2">
@@ -7567,38 +6165,27 @@
           <a:p>
             <a:pPr algn="ctr"/>
             <a:r>
-              <a:rPr lang="fr-FR" dirty="0" smtClean="0"/>
-              <a:t>Save messages as </a:t>
-            </a:r>
-            <a:r>
-              <a:rPr lang="zh-CN" altLang="fr-FR" dirty="0" smtClean="0"/>
-              <a:t>收藏</a:t>
-            </a:r>
-            <a:r>
-              <a:rPr lang="fr-FR" dirty="0" smtClean="0"/>
-              <a:t>???</a:t>
-            </a:r>
-            <a:endParaRPr lang="fr-FR" dirty="0"/>
-          </a:p>
-        </p:txBody>
-      </p:sp>
-      <p:sp>
-        <p:nvSpPr>
-          <p:cNvPr id="9" name="Rectangle 8"/>
+              <a:rPr lang="en-US" dirty="0" smtClean="0"/>
+              <a:t>Start/Restart exercises</a:t>
+            </a:r>
+            <a:endParaRPr lang="en-US" dirty="0"/>
+          </a:p>
+        </p:txBody>
+      </p:sp>
+      <p:sp>
+        <p:nvSpPr>
+          <p:cNvPr id="6" name="Rectangle 5"/>
           <p:cNvSpPr/>
           <p:nvPr/>
         </p:nvSpPr>
         <p:spPr>
           <a:xfrm>
-            <a:off x="9081135" y="4899088"/>
-            <a:ext cx="1645920" cy="908304"/>
+            <a:off x="5274530" y="4518854"/>
+            <a:ext cx="1597152" cy="755904"/>
           </a:xfrm>
           <a:prstGeom prst="rect">
             <a:avLst/>
           </a:prstGeom>
-          <a:solidFill>
-            <a:srgbClr val="FF0000"/>
-          </a:solidFill>
         </p:spPr>
         <p:style>
           <a:lnRef idx="2">
@@ -7622,18 +6209,142 @@
           <a:p>
             <a:pPr algn="ctr"/>
             <a:r>
-              <a:rPr lang="fr-FR" altLang="zh-CN" dirty="0" err="1" smtClean="0"/>
-              <a:t>Delete</a:t>
-            </a:r>
-            <a:r>
-              <a:rPr lang="fr-FR" altLang="zh-CN" dirty="0" smtClean="0"/>
-              <a:t> </a:t>
-            </a:r>
-            <a:r>
-              <a:rPr lang="fr-FR" dirty="0" smtClean="0"/>
-              <a:t>messages???</a:t>
-            </a:r>
-            <a:endParaRPr lang="fr-FR" dirty="0"/>
+              <a:rPr lang="en-US" dirty="0" smtClean="0"/>
+              <a:t>Pause or Exit</a:t>
+            </a:r>
+            <a:endParaRPr lang="en-US" dirty="0"/>
+          </a:p>
+        </p:txBody>
+      </p:sp>
+      <p:sp>
+        <p:nvSpPr>
+          <p:cNvPr id="7" name="Rectangle 6"/>
+          <p:cNvSpPr/>
+          <p:nvPr/>
+        </p:nvSpPr>
+        <p:spPr>
+          <a:xfrm>
+            <a:off x="7857642" y="4518854"/>
+            <a:ext cx="1597152" cy="755904"/>
+          </a:xfrm>
+          <a:prstGeom prst="rect">
+            <a:avLst/>
+          </a:prstGeom>
+        </p:spPr>
+        <p:style>
+          <a:lnRef idx="2">
+            <a:schemeClr val="accent1">
+              <a:shade val="50000"/>
+            </a:schemeClr>
+          </a:lnRef>
+          <a:fillRef idx="1">
+            <a:schemeClr val="accent1"/>
+          </a:fillRef>
+          <a:effectRef idx="0">
+            <a:schemeClr val="accent1"/>
+          </a:effectRef>
+          <a:fontRef idx="minor">
+            <a:schemeClr val="lt1"/>
+          </a:fontRef>
+        </p:style>
+        <p:txBody>
+          <a:bodyPr rtlCol="0" anchor="ctr"/>
+          <a:lstStyle/>
+          <a:p>
+            <a:pPr algn="ctr"/>
+            <a:r>
+              <a:rPr lang="en-US" dirty="0" smtClean="0"/>
+              <a:t>Resume</a:t>
+            </a:r>
+            <a:endParaRPr lang="en-US" dirty="0"/>
+          </a:p>
+        </p:txBody>
+      </p:sp>
+      <p:sp>
+        <p:nvSpPr>
+          <p:cNvPr id="8" name="Rectangle 7"/>
+          <p:cNvSpPr/>
+          <p:nvPr/>
+        </p:nvSpPr>
+        <p:spPr>
+          <a:xfrm>
+            <a:off x="7857642" y="2426208"/>
+            <a:ext cx="1597152" cy="755904"/>
+          </a:xfrm>
+          <a:prstGeom prst="rect">
+            <a:avLst/>
+          </a:prstGeom>
+        </p:spPr>
+        <p:style>
+          <a:lnRef idx="2">
+            <a:schemeClr val="accent1">
+              <a:shade val="50000"/>
+            </a:schemeClr>
+          </a:lnRef>
+          <a:fillRef idx="1">
+            <a:schemeClr val="accent1"/>
+          </a:fillRef>
+          <a:effectRef idx="0">
+            <a:schemeClr val="accent1"/>
+          </a:effectRef>
+          <a:fontRef idx="minor">
+            <a:schemeClr val="lt1"/>
+          </a:fontRef>
+        </p:style>
+        <p:txBody>
+          <a:bodyPr rtlCol="0" anchor="ctr"/>
+          <a:lstStyle/>
+          <a:p>
+            <a:pPr algn="ctr"/>
+            <a:r>
+              <a:rPr lang="en-US" dirty="0" smtClean="0"/>
+              <a:t>Complete all and submit</a:t>
+            </a:r>
+            <a:endParaRPr lang="en-US" dirty="0"/>
+          </a:p>
+        </p:txBody>
+      </p:sp>
+      <p:sp>
+        <p:nvSpPr>
+          <p:cNvPr id="9" name="Rectangle 8"/>
+          <p:cNvSpPr/>
+          <p:nvPr/>
+        </p:nvSpPr>
+        <p:spPr>
+          <a:xfrm>
+            <a:off x="10274774" y="2413954"/>
+            <a:ext cx="1597152" cy="755904"/>
+          </a:xfrm>
+          <a:prstGeom prst="rect">
+            <a:avLst/>
+          </a:prstGeom>
+        </p:spPr>
+        <p:style>
+          <a:lnRef idx="2">
+            <a:schemeClr val="accent1">
+              <a:shade val="50000"/>
+            </a:schemeClr>
+          </a:lnRef>
+          <a:fillRef idx="1">
+            <a:schemeClr val="accent1"/>
+          </a:fillRef>
+          <a:effectRef idx="0">
+            <a:schemeClr val="accent1"/>
+          </a:effectRef>
+          <a:fontRef idx="minor">
+            <a:schemeClr val="lt1"/>
+          </a:fontRef>
+        </p:style>
+        <p:txBody>
+          <a:bodyPr rtlCol="0" anchor="ctr"/>
+          <a:lstStyle/>
+          <a:p>
+            <a:pPr algn="ctr"/>
+            <a:r>
+              <a:rPr lang="en-US" dirty="0" smtClean="0"/>
+              <a:t>Check score and answers</a:t>
+            </a:r>
+            <a:endParaRPr lang="en-US" dirty="0"/>
           </a:p>
         </p:txBody>
       </p:sp>
@@ -7641,15 +6352,15 @@
         <p:nvCxnSpPr>
           <p:cNvPr id="11" name="Straight Arrow Connector 10"/>
           <p:cNvCxnSpPr>
-            <a:stCxn id="5" idx="3"/>
-            <a:endCxn id="8" idx="1"/>
+            <a:stCxn id="3" idx="3"/>
+            <a:endCxn id="4" idx="1"/>
           </p:cNvCxnSpPr>
           <p:nvPr/>
         </p:nvCxnSpPr>
         <p:spPr>
           <a:xfrm>
-            <a:off x="6804279" y="4066032"/>
-            <a:ext cx="2276856" cy="82296"/>
+            <a:off x="2435352" y="2804160"/>
+            <a:ext cx="572280" cy="0"/>
           </a:xfrm>
           <a:prstGeom prst="straightConnector1">
             <a:avLst/>
@@ -7677,15 +6388,15 @@
         <p:nvCxnSpPr>
           <p:cNvPr id="13" name="Straight Arrow Connector 12"/>
           <p:cNvCxnSpPr>
-            <a:stCxn id="5" idx="3"/>
-            <a:endCxn id="9" idx="1"/>
+            <a:stCxn id="4" idx="3"/>
+            <a:endCxn id="5" idx="1"/>
           </p:cNvCxnSpPr>
           <p:nvPr/>
         </p:nvCxnSpPr>
         <p:spPr>
-          <a:xfrm>
-            <a:off x="6804279" y="4066032"/>
-            <a:ext cx="2276856" cy="1287208"/>
+          <a:xfrm flipV="1">
+            <a:off x="4879138" y="2791906"/>
+            <a:ext cx="395392" cy="12254"/>
           </a:xfrm>
           <a:prstGeom prst="straightConnector1">
             <a:avLst/>
@@ -7709,74 +6420,204 @@
           </a:fontRef>
         </p:style>
       </p:cxnSp>
-      <p:sp>
-        <p:nvSpPr>
-          <p:cNvPr id="10" name="Rectangle 9"/>
-          <p:cNvSpPr/>
-          <p:nvPr/>
-        </p:nvSpPr>
-        <p:spPr>
-          <a:xfrm>
-            <a:off x="9081135" y="2072640"/>
-            <a:ext cx="1645920" cy="908304"/>
-          </a:xfrm>
-          <a:prstGeom prst="rect">
-            <a:avLst/>
-          </a:prstGeom>
-        </p:spPr>
-        <p:style>
-          <a:lnRef idx="2">
-            <a:schemeClr val="accent1">
-              <a:shade val="50000"/>
-            </a:schemeClr>
-          </a:lnRef>
-          <a:fillRef idx="1">
-            <a:schemeClr val="accent1"/>
-          </a:fillRef>
-          <a:effectRef idx="0">
-            <a:schemeClr val="accent1"/>
-          </a:effectRef>
-          <a:fontRef idx="minor">
-            <a:schemeClr val="lt1"/>
-          </a:fontRef>
-        </p:style>
-        <p:txBody>
-          <a:bodyPr rtlCol="0" anchor="ctr"/>
-          <a:lstStyle/>
-          <a:p>
-            <a:pPr algn="ctr"/>
-            <a:r>
-              <a:rPr lang="fr-FR" dirty="0" smtClean="0"/>
-              <a:t>Flag a message </a:t>
-            </a:r>
-            <a:r>
-              <a:rPr lang="en-US" dirty="0" smtClean="0"/>
-              <a:t>as high priority to </a:t>
-            </a:r>
-            <a:r>
-              <a:rPr lang="zh-CN" altLang="fr-FR" dirty="0" smtClean="0"/>
-              <a:t>置顶</a:t>
-            </a:r>
-            <a:endParaRPr lang="fr-FR" dirty="0"/>
-          </a:p>
-        </p:txBody>
-      </p:sp>
       <p:cxnSp>
         <p:nvCxnSpPr>
-          <p:cNvPr id="14" name="Straight Arrow Connector 13"/>
+          <p:cNvPr id="15" name="Straight Arrow Connector 14"/>
+          <p:cNvCxnSpPr>
+            <a:stCxn id="5" idx="2"/>
+            <a:endCxn id="6" idx="0"/>
+          </p:cNvCxnSpPr>
+          <p:nvPr/>
+        </p:nvCxnSpPr>
+        <p:spPr>
+          <a:xfrm>
+            <a:off x="6073106" y="3169858"/>
+            <a:ext cx="0" cy="1348996"/>
+          </a:xfrm>
+          <a:prstGeom prst="straightConnector1">
+            <a:avLst/>
+          </a:prstGeom>
+          <a:ln>
+            <a:tailEnd type="triangle"/>
+          </a:ln>
+        </p:spPr>
+        <p:style>
+          <a:lnRef idx="1">
+            <a:schemeClr val="accent1"/>
+          </a:lnRef>
+          <a:fillRef idx="0">
+            <a:schemeClr val="accent1"/>
+          </a:fillRef>
+          <a:effectRef idx="0">
+            <a:schemeClr val="accent1"/>
+          </a:effectRef>
+          <a:fontRef idx="minor">
+            <a:schemeClr val="tx1"/>
+          </a:fontRef>
+        </p:style>
+      </p:cxnSp>
+      <p:cxnSp>
+        <p:nvCxnSpPr>
+          <p:cNvPr id="17" name="Straight Arrow Connector 16"/>
+          <p:cNvCxnSpPr>
+            <a:stCxn id="6" idx="3"/>
+            <a:endCxn id="7" idx="1"/>
+          </p:cNvCxnSpPr>
+          <p:nvPr/>
+        </p:nvCxnSpPr>
+        <p:spPr>
+          <a:xfrm>
+            <a:off x="6871682" y="4896806"/>
+            <a:ext cx="985960" cy="0"/>
+          </a:xfrm>
+          <a:prstGeom prst="straightConnector1">
+            <a:avLst/>
+          </a:prstGeom>
+          <a:ln>
+            <a:tailEnd type="triangle"/>
+          </a:ln>
+        </p:spPr>
+        <p:style>
+          <a:lnRef idx="1">
+            <a:schemeClr val="accent1"/>
+          </a:lnRef>
+          <a:fillRef idx="0">
+            <a:schemeClr val="accent1"/>
+          </a:fillRef>
+          <a:effectRef idx="0">
+            <a:schemeClr val="accent1"/>
+          </a:effectRef>
+          <a:fontRef idx="minor">
+            <a:schemeClr val="tx1"/>
+          </a:fontRef>
+        </p:style>
+      </p:cxnSp>
+      <p:cxnSp>
+        <p:nvCxnSpPr>
+          <p:cNvPr id="19" name="Straight Arrow Connector 18"/>
           <p:cNvCxnSpPr>
             <a:stCxn id="5" idx="3"/>
-            <a:endCxn id="10" idx="1"/>
+            <a:endCxn id="8" idx="1"/>
           </p:cNvCxnSpPr>
           <p:nvPr/>
         </p:nvCxnSpPr>
         <p:spPr>
+          <a:xfrm>
+            <a:off x="6871682" y="2791906"/>
+            <a:ext cx="985960" cy="12254"/>
+          </a:xfrm>
+          <a:prstGeom prst="straightConnector1">
+            <a:avLst/>
+          </a:prstGeom>
+          <a:ln>
+            <a:tailEnd type="triangle"/>
+          </a:ln>
+        </p:spPr>
+        <p:style>
+          <a:lnRef idx="1">
+            <a:schemeClr val="accent1"/>
+          </a:lnRef>
+          <a:fillRef idx="0">
+            <a:schemeClr val="accent1"/>
+          </a:fillRef>
+          <a:effectRef idx="0">
+            <a:schemeClr val="accent1"/>
+          </a:effectRef>
+          <a:fontRef idx="minor">
+            <a:schemeClr val="tx1"/>
+          </a:fontRef>
+        </p:style>
+      </p:cxnSp>
+      <p:cxnSp>
+        <p:nvCxnSpPr>
+          <p:cNvPr id="21" name="Straight Arrow Connector 20"/>
+          <p:cNvCxnSpPr>
+            <a:stCxn id="8" idx="3"/>
+            <a:endCxn id="9" idx="1"/>
+          </p:cNvCxnSpPr>
+          <p:nvPr/>
+        </p:nvCxnSpPr>
+        <p:spPr>
           <a:xfrm flipV="1">
-            <a:off x="6804279" y="2526792"/>
-            <a:ext cx="2276856" cy="1539240"/>
+            <a:off x="9454794" y="2791906"/>
+            <a:ext cx="819980" cy="12254"/>
           </a:xfrm>
           <a:prstGeom prst="straightConnector1">
             <a:avLst/>
+          </a:prstGeom>
+          <a:ln>
+            <a:tailEnd type="triangle"/>
+          </a:ln>
+        </p:spPr>
+        <p:style>
+          <a:lnRef idx="1">
+            <a:schemeClr val="accent1"/>
+          </a:lnRef>
+          <a:fillRef idx="0">
+            <a:schemeClr val="accent1"/>
+          </a:fillRef>
+          <a:effectRef idx="0">
+            <a:schemeClr val="accent1"/>
+          </a:effectRef>
+          <a:fontRef idx="minor">
+            <a:schemeClr val="tx1"/>
+          </a:fontRef>
+        </p:style>
+      </p:cxnSp>
+      <p:cxnSp>
+        <p:nvCxnSpPr>
+          <p:cNvPr id="23" name="Straight Arrow Connector 22"/>
+          <p:cNvCxnSpPr>
+            <a:stCxn id="7" idx="0"/>
+            <a:endCxn id="8" idx="2"/>
+          </p:cNvCxnSpPr>
+          <p:nvPr/>
+        </p:nvCxnSpPr>
+        <p:spPr>
+          <a:xfrm flipV="1">
+            <a:off x="8656218" y="3182112"/>
+            <a:ext cx="0" cy="1336742"/>
+          </a:xfrm>
+          <a:prstGeom prst="straightConnector1">
+            <a:avLst/>
+          </a:prstGeom>
+          <a:ln>
+            <a:tailEnd type="triangle"/>
+          </a:ln>
+        </p:spPr>
+        <p:style>
+          <a:lnRef idx="1">
+            <a:schemeClr val="accent1"/>
+          </a:lnRef>
+          <a:fillRef idx="0">
+            <a:schemeClr val="accent1"/>
+          </a:fillRef>
+          <a:effectRef idx="0">
+            <a:schemeClr val="accent1"/>
+          </a:effectRef>
+          <a:fontRef idx="minor">
+            <a:schemeClr val="tx1"/>
+          </a:fontRef>
+        </p:style>
+      </p:cxnSp>
+      <p:cxnSp>
+        <p:nvCxnSpPr>
+          <p:cNvPr id="68" name="Elbow Connector 67"/>
+          <p:cNvCxnSpPr>
+            <a:stCxn id="9" idx="0"/>
+            <a:endCxn id="4" idx="0"/>
+          </p:cNvCxnSpPr>
+          <p:nvPr/>
+        </p:nvCxnSpPr>
+        <p:spPr>
+          <a:xfrm rot="16200000" flipV="1">
+            <a:off x="7447455" y="-1211942"/>
+            <a:ext cx="121827" cy="7129965"/>
+          </a:xfrm>
+          <a:prstGeom prst="bentConnector3">
+            <a:avLst>
+              <a:gd name="adj1" fmla="val 487796"/>
+            </a:avLst>
           </a:prstGeom>
           <a:ln>
             <a:tailEnd type="triangle"/>
@@ -7800,7 +6641,7 @@
     </p:spTree>
     <p:extLst>
       <p:ext uri="{BB962C8B-B14F-4D97-AF65-F5344CB8AC3E}">
-        <p14:creationId xmlns:p14="http://schemas.microsoft.com/office/powerpoint/2010/main" val="1849182865"/>
+        <p14:creationId xmlns:p14="http://schemas.microsoft.com/office/powerpoint/2010/main" val="2022138182"/>
       </p:ext>
     </p:extLst>
   </p:cSld>
@@ -7844,29 +6685,38 @@
             <p:ph type="title"/>
           </p:nvPr>
         </p:nvSpPr>
-        <p:spPr/>
+        <p:spPr>
+          <a:xfrm>
+            <a:off x="795207" y="285509"/>
+            <a:ext cx="10515600" cy="792598"/>
+          </a:xfrm>
+        </p:spPr>
         <p:txBody>
           <a:bodyPr/>
           <a:lstStyle/>
           <a:p>
             <a:r>
-              <a:rPr lang="fr-FR" dirty="0" smtClean="0"/>
-              <a:t>Test flow</a:t>
-            </a:r>
-            <a:endParaRPr lang="fr-FR" dirty="0"/>
-          </a:p>
-        </p:txBody>
-      </p:sp>
-      <p:sp>
-        <p:nvSpPr>
-          <p:cNvPr id="3" name="Rectangle 2"/>
+              <a:rPr lang="en-US" dirty="0" smtClean="0"/>
+              <a:t>Clas</a:t>
+            </a:r>
+            <a:r>
+              <a:rPr lang="en-US" altLang="zh-CN" dirty="0" smtClean="0"/>
+              <a:t>s</a:t>
+            </a:r>
+            <a:endParaRPr lang="en-US" dirty="0"/>
+          </a:p>
+        </p:txBody>
+      </p:sp>
+      <p:sp>
+        <p:nvSpPr>
+          <p:cNvPr id="4" name="Rectangle 3"/>
           <p:cNvSpPr/>
           <p:nvPr/>
         </p:nvSpPr>
         <p:spPr>
           <a:xfrm>
-            <a:off x="838200" y="2407603"/>
-            <a:ext cx="1597152" cy="755904"/>
+            <a:off x="795207" y="1334286"/>
+            <a:ext cx="1574673" cy="864156"/>
           </a:xfrm>
           <a:prstGeom prst="rect">
             <a:avLst/>
@@ -7894,23 +6744,59 @@
           <a:p>
             <a:pPr algn="ctr"/>
             <a:r>
-              <a:rPr lang="fr-FR" dirty="0" smtClean="0"/>
-              <a:t>Select Test tab</a:t>
-            </a:r>
-            <a:endParaRPr lang="fr-FR" dirty="0"/>
-          </a:p>
-        </p:txBody>
-      </p:sp>
-      <p:sp>
-        <p:nvSpPr>
-          <p:cNvPr id="4" name="Rectangle 3"/>
+              <a:rPr lang="en-US" dirty="0" smtClean="0"/>
+              <a:t>Select Class tab</a:t>
+            </a:r>
+            <a:endParaRPr lang="en-US" dirty="0"/>
+          </a:p>
+        </p:txBody>
+      </p:sp>
+      <p:cxnSp>
+        <p:nvCxnSpPr>
+          <p:cNvPr id="7" name="Straight Arrow Connector 6"/>
+          <p:cNvCxnSpPr>
+            <a:stCxn id="4" idx="3"/>
+            <a:endCxn id="28" idx="1"/>
+          </p:cNvCxnSpPr>
+          <p:nvPr/>
+        </p:nvCxnSpPr>
+        <p:spPr>
+          <a:xfrm flipV="1">
+            <a:off x="2369880" y="1756804"/>
+            <a:ext cx="445962" cy="9560"/>
+          </a:xfrm>
+          <a:prstGeom prst="straightConnector1">
+            <a:avLst/>
+          </a:prstGeom>
+          <a:ln>
+            <a:tailEnd type="triangle"/>
+          </a:ln>
+        </p:spPr>
+        <p:style>
+          <a:lnRef idx="1">
+            <a:schemeClr val="accent1"/>
+          </a:lnRef>
+          <a:fillRef idx="0">
+            <a:schemeClr val="accent1"/>
+          </a:fillRef>
+          <a:effectRef idx="0">
+            <a:schemeClr val="accent1"/>
+          </a:effectRef>
+          <a:fontRef idx="minor">
+            <a:schemeClr val="tx1"/>
+          </a:fontRef>
+        </p:style>
+      </p:cxnSp>
+      <p:sp>
+        <p:nvSpPr>
+          <p:cNvPr id="12" name="Rectangle 11"/>
           <p:cNvSpPr/>
           <p:nvPr/>
         </p:nvSpPr>
         <p:spPr>
           <a:xfrm>
-            <a:off x="3007632" y="2292127"/>
-            <a:ext cx="1871506" cy="1024066"/>
+            <a:off x="5231888" y="1289414"/>
+            <a:ext cx="1804103" cy="953899"/>
           </a:xfrm>
           <a:prstGeom prst="rect">
             <a:avLst/>
@@ -7938,39 +6824,59 @@
           <a:p>
             <a:pPr algn="ctr"/>
             <a:r>
-              <a:rPr lang="fr-FR" dirty="0" smtClean="0"/>
-              <a:t>Select a </a:t>
-            </a:r>
-            <a:r>
-              <a:rPr lang="fr-FR" dirty="0" err="1" smtClean="0"/>
-              <a:t>sequence</a:t>
-            </a:r>
-            <a:r>
-              <a:rPr lang="fr-FR" dirty="0" smtClean="0"/>
-              <a:t> of </a:t>
-            </a:r>
-            <a:r>
-              <a:rPr lang="fr-FR" dirty="0" err="1" smtClean="0"/>
-              <a:t>exercises</a:t>
-            </a:r>
-            <a:r>
-              <a:rPr lang="fr-FR" dirty="0" smtClean="0"/>
-              <a:t> or an exam </a:t>
-            </a:r>
-            <a:endParaRPr lang="fr-FR" dirty="0"/>
-          </a:p>
-        </p:txBody>
-      </p:sp>
-      <p:sp>
-        <p:nvSpPr>
-          <p:cNvPr id="5" name="Rectangle 4"/>
+              <a:rPr lang="en-US" altLang="zh-CN" dirty="0" smtClean="0"/>
+              <a:t>Click « apply for class »</a:t>
+            </a:r>
+            <a:endParaRPr lang="en-US" dirty="0"/>
+          </a:p>
+        </p:txBody>
+      </p:sp>
+      <p:cxnSp>
+        <p:nvCxnSpPr>
+          <p:cNvPr id="14" name="Straight Arrow Connector 13"/>
+          <p:cNvCxnSpPr>
+            <a:stCxn id="28" idx="3"/>
+            <a:endCxn id="12" idx="1"/>
+          </p:cNvCxnSpPr>
+          <p:nvPr/>
+        </p:nvCxnSpPr>
+        <p:spPr>
+          <a:xfrm>
+            <a:off x="4459476" y="1756804"/>
+            <a:ext cx="772412" cy="9560"/>
+          </a:xfrm>
+          <a:prstGeom prst="straightConnector1">
+            <a:avLst/>
+          </a:prstGeom>
+          <a:ln>
+            <a:tailEnd type="triangle"/>
+          </a:ln>
+        </p:spPr>
+        <p:style>
+          <a:lnRef idx="1">
+            <a:schemeClr val="accent1"/>
+          </a:lnRef>
+          <a:fillRef idx="0">
+            <a:schemeClr val="accent1"/>
+          </a:fillRef>
+          <a:effectRef idx="0">
+            <a:schemeClr val="accent1"/>
+          </a:effectRef>
+          <a:fontRef idx="minor">
+            <a:schemeClr val="tx1"/>
+          </a:fontRef>
+        </p:style>
+      </p:cxnSp>
+      <p:sp>
+        <p:nvSpPr>
+          <p:cNvPr id="28" name="Rectangle 27"/>
           <p:cNvSpPr/>
           <p:nvPr/>
         </p:nvSpPr>
         <p:spPr>
           <a:xfrm>
-            <a:off x="5274530" y="2413954"/>
-            <a:ext cx="1597152" cy="755904"/>
+            <a:off x="2815842" y="1315165"/>
+            <a:ext cx="1643634" cy="883277"/>
           </a:xfrm>
           <a:prstGeom prst="rect">
             <a:avLst/>
@@ -7998,27 +6904,31 @@
           <a:p>
             <a:pPr algn="ctr"/>
             <a:r>
-              <a:rPr lang="fr-FR" dirty="0" smtClean="0"/>
-              <a:t>Start/Restart </a:t>
-            </a:r>
-            <a:r>
-              <a:rPr lang="fr-FR" dirty="0" err="1" smtClean="0"/>
-              <a:t>exercises</a:t>
-            </a:r>
-            <a:endParaRPr lang="fr-FR" dirty="0"/>
-          </a:p>
-        </p:txBody>
-      </p:sp>
-      <p:sp>
-        <p:nvSpPr>
-          <p:cNvPr id="6" name="Rectangle 5"/>
+              <a:rPr lang="en-US" dirty="0" smtClean="0"/>
+              <a:t>Show list of </a:t>
+            </a:r>
+            <a:r>
+              <a:rPr lang="en-US" altLang="zh-CN" dirty="0" smtClean="0"/>
+              <a:t>joined and pending </a:t>
+            </a:r>
+            <a:r>
+              <a:rPr lang="en-US" dirty="0" smtClean="0"/>
+              <a:t>classes</a:t>
+            </a:r>
+            <a:endParaRPr lang="en-US" dirty="0"/>
+          </a:p>
+        </p:txBody>
+      </p:sp>
+      <p:sp>
+        <p:nvSpPr>
+          <p:cNvPr id="64" name="Rectangle 63"/>
           <p:cNvSpPr/>
           <p:nvPr/>
         </p:nvSpPr>
         <p:spPr>
           <a:xfrm>
-            <a:off x="5274530" y="4518854"/>
-            <a:ext cx="1597152" cy="755904"/>
+            <a:off x="7956679" y="1251027"/>
+            <a:ext cx="1816608" cy="1020557"/>
           </a:xfrm>
           <a:prstGeom prst="rect">
             <a:avLst/>
@@ -8046,25 +6956,101 @@
           <a:p>
             <a:pPr algn="ctr"/>
             <a:r>
-              <a:rPr lang="fr-FR" dirty="0" smtClean="0"/>
-              <a:t>Pause or Exit</a:t>
-            </a:r>
-            <a:endParaRPr lang="fr-FR" dirty="0"/>
-          </a:p>
-        </p:txBody>
-      </p:sp>
-      <p:sp>
-        <p:nvSpPr>
-          <p:cNvPr id="7" name="Rectangle 6"/>
+              <a:rPr lang="en-US" dirty="0" smtClean="0"/>
+              <a:t>Input class code</a:t>
+            </a:r>
+            <a:endParaRPr lang="en-US" dirty="0">
+              <a:solidFill>
+                <a:srgbClr val="FF0000"/>
+              </a:solidFill>
+            </a:endParaRPr>
+          </a:p>
+        </p:txBody>
+      </p:sp>
+      <p:cxnSp>
+        <p:nvCxnSpPr>
+          <p:cNvPr id="67" name="Straight Arrow Connector 66"/>
+          <p:cNvCxnSpPr>
+            <a:stCxn id="12" idx="3"/>
+            <a:endCxn id="64" idx="1"/>
+          </p:cNvCxnSpPr>
+          <p:nvPr/>
+        </p:nvCxnSpPr>
+        <p:spPr>
+          <a:xfrm flipV="1">
+            <a:off x="7035991" y="1761306"/>
+            <a:ext cx="920688" cy="5058"/>
+          </a:xfrm>
+          <a:prstGeom prst="straightConnector1">
+            <a:avLst/>
+          </a:prstGeom>
+          <a:ln>
+            <a:tailEnd type="triangle"/>
+          </a:ln>
+        </p:spPr>
+        <p:style>
+          <a:lnRef idx="1">
+            <a:schemeClr val="accent1"/>
+          </a:lnRef>
+          <a:fillRef idx="0">
+            <a:schemeClr val="accent1"/>
+          </a:fillRef>
+          <a:effectRef idx="0">
+            <a:schemeClr val="accent1"/>
+          </a:effectRef>
+          <a:fontRef idx="minor">
+            <a:schemeClr val="tx1"/>
+          </a:fontRef>
+        </p:style>
+      </p:cxnSp>
+      <p:cxnSp>
+        <p:nvCxnSpPr>
+          <p:cNvPr id="70" name="Straight Arrow Connector 69"/>
+          <p:cNvCxnSpPr>
+            <a:stCxn id="64" idx="2"/>
+            <a:endCxn id="21" idx="0"/>
+          </p:cNvCxnSpPr>
+          <p:nvPr/>
+        </p:nvCxnSpPr>
+        <p:spPr>
+          <a:xfrm>
+            <a:off x="8864983" y="2271584"/>
+            <a:ext cx="0" cy="263530"/>
+          </a:xfrm>
+          <a:prstGeom prst="straightConnector1">
+            <a:avLst/>
+          </a:prstGeom>
+          <a:ln>
+            <a:tailEnd type="triangle"/>
+          </a:ln>
+        </p:spPr>
+        <p:style>
+          <a:lnRef idx="1">
+            <a:schemeClr val="accent1"/>
+          </a:lnRef>
+          <a:fillRef idx="0">
+            <a:schemeClr val="accent1"/>
+          </a:fillRef>
+          <a:effectRef idx="0">
+            <a:schemeClr val="accent1"/>
+          </a:effectRef>
+          <a:fontRef idx="minor">
+            <a:schemeClr val="tx1"/>
+          </a:fontRef>
+        </p:style>
+      </p:cxnSp>
+      <p:sp>
+        <p:nvSpPr>
+          <p:cNvPr id="21" name="Diamond 20"/>
           <p:cNvSpPr/>
           <p:nvPr/>
         </p:nvSpPr>
         <p:spPr>
           <a:xfrm>
-            <a:off x="7857642" y="4518854"/>
-            <a:ext cx="1597152" cy="755904"/>
-          </a:xfrm>
-          <a:prstGeom prst="rect">
+            <a:off x="7903435" y="2535114"/>
+            <a:ext cx="1923095" cy="1243879"/>
+          </a:xfrm>
+          <a:prstGeom prst="diamond">
             <a:avLst/>
           </a:prstGeom>
         </p:spPr>
@@ -8090,23 +7076,23 @@
           <a:p>
             <a:pPr algn="ctr"/>
             <a:r>
-              <a:rPr lang="fr-FR" dirty="0" err="1" smtClean="0"/>
-              <a:t>Resume</a:t>
-            </a:r>
-            <a:endParaRPr lang="fr-FR" dirty="0"/>
-          </a:p>
-        </p:txBody>
-      </p:sp>
-      <p:sp>
-        <p:nvSpPr>
-          <p:cNvPr id="8" name="Rectangle 7"/>
+              <a:rPr lang="en-US" dirty="0" smtClean="0"/>
+              <a:t>Auto-approve?</a:t>
+            </a:r>
+            <a:endParaRPr lang="en-US" dirty="0"/>
+          </a:p>
+        </p:txBody>
+      </p:sp>
+      <p:sp>
+        <p:nvSpPr>
+          <p:cNvPr id="22" name="Rectangle 21"/>
           <p:cNvSpPr/>
           <p:nvPr/>
         </p:nvSpPr>
         <p:spPr>
           <a:xfrm>
-            <a:off x="7857642" y="2426208"/>
-            <a:ext cx="1597152" cy="755904"/>
+            <a:off x="4916009" y="2535114"/>
+            <a:ext cx="1846708" cy="1175478"/>
           </a:xfrm>
           <a:prstGeom prst="rect">
             <a:avLst/>
@@ -8134,27 +7120,133 @@
           <a:p>
             <a:pPr algn="ctr"/>
             <a:r>
-              <a:rPr lang="fr-FR" dirty="0" smtClean="0"/>
-              <a:t>Complete all and </a:t>
-            </a:r>
-            <a:r>
-              <a:rPr lang="fr-FR" dirty="0" err="1" smtClean="0"/>
-              <a:t>submit</a:t>
-            </a:r>
-            <a:endParaRPr lang="fr-FR" dirty="0"/>
-          </a:p>
-        </p:txBody>
-      </p:sp>
-      <p:sp>
-        <p:nvSpPr>
-          <p:cNvPr id="9" name="Rectangle 8"/>
+              <a:rPr lang="en-US" dirty="0" smtClean="0"/>
+              <a:t>Change to Joined status and download inbox and test</a:t>
+            </a:r>
+            <a:endParaRPr lang="en-US" dirty="0"/>
+          </a:p>
+        </p:txBody>
+      </p:sp>
+      <p:cxnSp>
+        <p:nvCxnSpPr>
+          <p:cNvPr id="36" name="Straight Arrow Connector 35"/>
+          <p:cNvCxnSpPr>
+            <a:stCxn id="21" idx="1"/>
+            <a:endCxn id="22" idx="3"/>
+          </p:cNvCxnSpPr>
+          <p:nvPr/>
+        </p:nvCxnSpPr>
+        <p:spPr>
+          <a:xfrm flipH="1" flipV="1">
+            <a:off x="6762717" y="3122853"/>
+            <a:ext cx="1140718" cy="34201"/>
+          </a:xfrm>
+          <a:prstGeom prst="straightConnector1">
+            <a:avLst/>
+          </a:prstGeom>
+          <a:ln>
+            <a:tailEnd type="triangle"/>
+          </a:ln>
+        </p:spPr>
+        <p:style>
+          <a:lnRef idx="1">
+            <a:schemeClr val="accent1"/>
+          </a:lnRef>
+          <a:fillRef idx="0">
+            <a:schemeClr val="accent1"/>
+          </a:fillRef>
+          <a:effectRef idx="0">
+            <a:schemeClr val="accent1"/>
+          </a:effectRef>
+          <a:fontRef idx="minor">
+            <a:schemeClr val="tx1"/>
+          </a:fontRef>
+        </p:style>
+      </p:cxnSp>
+      <p:cxnSp>
+        <p:nvCxnSpPr>
+          <p:cNvPr id="80" name="Elbow Connector 79"/>
+          <p:cNvCxnSpPr>
+            <a:stCxn id="77" idx="1"/>
+            <a:endCxn id="22" idx="1"/>
+          </p:cNvCxnSpPr>
+          <p:nvPr/>
+        </p:nvCxnSpPr>
+        <p:spPr>
+          <a:xfrm rot="10800000" flipH="1">
+            <a:off x="4631339" y="3122853"/>
+            <a:ext cx="284669" cy="1667204"/>
+          </a:xfrm>
+          <a:prstGeom prst="bentConnector3">
+            <a:avLst>
+              <a:gd name="adj1" fmla="val -80304"/>
+            </a:avLst>
+          </a:prstGeom>
+          <a:ln>
+            <a:tailEnd type="triangle"/>
+          </a:ln>
+        </p:spPr>
+        <p:style>
+          <a:lnRef idx="1">
+            <a:schemeClr val="accent1"/>
+          </a:lnRef>
+          <a:fillRef idx="0">
+            <a:schemeClr val="accent1"/>
+          </a:fillRef>
+          <a:effectRef idx="0">
+            <a:schemeClr val="accent1"/>
+          </a:effectRef>
+          <a:fontRef idx="minor">
+            <a:schemeClr val="tx1"/>
+          </a:fontRef>
+        </p:style>
+      </p:cxnSp>
+      <p:cxnSp>
+        <p:nvCxnSpPr>
+          <p:cNvPr id="82" name="Straight Arrow Connector 81"/>
+          <p:cNvCxnSpPr>
+            <a:stCxn id="77" idx="1"/>
+            <a:endCxn id="83" idx="3"/>
+          </p:cNvCxnSpPr>
+          <p:nvPr/>
+        </p:nvCxnSpPr>
+        <p:spPr>
+          <a:xfrm flipH="1" flipV="1">
+            <a:off x="3606862" y="4790056"/>
+            <a:ext cx="1024478" cy="1"/>
+          </a:xfrm>
+          <a:prstGeom prst="straightConnector1">
+            <a:avLst/>
+          </a:prstGeom>
+          <a:ln>
+            <a:tailEnd type="triangle"/>
+          </a:ln>
+        </p:spPr>
+        <p:style>
+          <a:lnRef idx="1">
+            <a:schemeClr val="accent1"/>
+          </a:lnRef>
+          <a:fillRef idx="0">
+            <a:schemeClr val="accent1"/>
+          </a:fillRef>
+          <a:effectRef idx="0">
+            <a:schemeClr val="accent1"/>
+          </a:effectRef>
+          <a:fontRef idx="minor">
+            <a:schemeClr val="tx1"/>
+          </a:fontRef>
+        </p:style>
+      </p:cxnSp>
+      <p:sp>
+        <p:nvSpPr>
+          <p:cNvPr id="83" name="Rectangle 82"/>
           <p:cNvSpPr/>
           <p:nvPr/>
         </p:nvSpPr>
         <p:spPr>
           <a:xfrm>
-            <a:off x="10274774" y="2413954"/>
-            <a:ext cx="1597152" cy="755904"/>
+            <a:off x="1278190" y="4216202"/>
+            <a:ext cx="2328672" cy="1147707"/>
           </a:xfrm>
           <a:prstGeom prst="rect">
             <a:avLst/>
@@ -8182,30 +7274,70 @@
           <a:p>
             <a:pPr algn="ctr"/>
             <a:r>
-              <a:rPr lang="fr-FR" dirty="0" smtClean="0"/>
-              <a:t>Check score and </a:t>
-            </a:r>
-            <a:r>
-              <a:rPr lang="fr-FR" dirty="0" err="1" smtClean="0"/>
-              <a:t>answers</a:t>
-            </a:r>
-            <a:endParaRPr lang="fr-FR" dirty="0"/>
+              <a:rPr lang="en-US" dirty="0" smtClean="0"/>
+              <a:t>Admin tool sends a private message to the student</a:t>
+            </a:r>
+            <a:endParaRPr lang="en-US" dirty="0"/>
+          </a:p>
+        </p:txBody>
+      </p:sp>
+      <p:sp>
+        <p:nvSpPr>
+          <p:cNvPr id="84" name="Rectangle 83"/>
+          <p:cNvSpPr/>
+          <p:nvPr/>
+        </p:nvSpPr>
+        <p:spPr>
+          <a:xfrm>
+            <a:off x="8192771" y="4438214"/>
+            <a:ext cx="1344423" cy="703684"/>
+          </a:xfrm>
+          <a:prstGeom prst="rect">
+            <a:avLst/>
+          </a:prstGeom>
+        </p:spPr>
+        <p:style>
+          <a:lnRef idx="2">
+            <a:schemeClr val="accent1">
+              <a:shade val="50000"/>
+            </a:schemeClr>
+          </a:lnRef>
+          <a:fillRef idx="1">
+            <a:schemeClr val="accent1"/>
+          </a:fillRef>
+          <a:effectRef idx="0">
+            <a:schemeClr val="accent1"/>
+          </a:effectRef>
+          <a:fontRef idx="minor">
+            <a:schemeClr val="lt1"/>
+          </a:fontRef>
+        </p:style>
+        <p:txBody>
+          <a:bodyPr rtlCol="0" anchor="ctr"/>
+          <a:lstStyle/>
+          <a:p>
+            <a:pPr algn="ctr"/>
+            <a:r>
+              <a:rPr lang="en-US" dirty="0" smtClean="0"/>
+              <a:t>Pending status</a:t>
+            </a:r>
+            <a:endParaRPr lang="en-US" dirty="0"/>
           </a:p>
         </p:txBody>
       </p:sp>
       <p:cxnSp>
         <p:nvCxnSpPr>
-          <p:cNvPr id="11" name="Straight Arrow Connector 10"/>
+          <p:cNvPr id="86" name="Straight Arrow Connector 85"/>
           <p:cNvCxnSpPr>
-            <a:stCxn id="3" idx="3"/>
-            <a:endCxn id="4" idx="1"/>
+            <a:stCxn id="21" idx="2"/>
+            <a:endCxn id="84" idx="0"/>
           </p:cNvCxnSpPr>
           <p:nvPr/>
         </p:nvCxnSpPr>
         <p:spPr>
           <a:xfrm>
-            <a:off x="2435352" y="2785555"/>
-            <a:ext cx="572280" cy="18605"/>
+            <a:off x="8864983" y="3778993"/>
+            <a:ext cx="0" cy="659221"/>
           </a:xfrm>
           <a:prstGeom prst="straightConnector1">
             <a:avLst/>
@@ -8229,19 +7361,93 @@
           </a:fontRef>
         </p:style>
       </p:cxnSp>
+      <p:sp>
+        <p:nvSpPr>
+          <p:cNvPr id="77" name="Diamond 76"/>
+          <p:cNvSpPr/>
+          <p:nvPr/>
+        </p:nvSpPr>
+        <p:spPr>
+          <a:xfrm>
+            <a:off x="4631340" y="4125979"/>
+            <a:ext cx="2416046" cy="1328155"/>
+          </a:xfrm>
+          <a:prstGeom prst="diamond">
+            <a:avLst/>
+          </a:prstGeom>
+        </p:spPr>
+        <p:style>
+          <a:lnRef idx="2">
+            <a:schemeClr val="accent1">
+              <a:shade val="50000"/>
+            </a:schemeClr>
+          </a:lnRef>
+          <a:fillRef idx="1">
+            <a:schemeClr val="accent1"/>
+          </a:fillRef>
+          <a:effectRef idx="0">
+            <a:schemeClr val="accent1"/>
+          </a:effectRef>
+          <a:fontRef idx="minor">
+            <a:schemeClr val="lt1"/>
+          </a:fontRef>
+        </p:style>
+        <p:txBody>
+          <a:bodyPr rtlCol="0" anchor="ctr"/>
+          <a:lstStyle/>
+          <a:p>
+            <a:pPr algn="ctr"/>
+            <a:r>
+              <a:rPr lang="en-US" dirty="0" smtClean="0"/>
+              <a:t>Teacher approve?</a:t>
+            </a:r>
+            <a:endParaRPr lang="en-US" dirty="0"/>
+          </a:p>
+        </p:txBody>
+      </p:sp>
+      <p:sp>
+        <p:nvSpPr>
+          <p:cNvPr id="117" name="TextBox 116"/>
+          <p:cNvSpPr txBox="1"/>
+          <p:nvPr/>
+        </p:nvSpPr>
+        <p:spPr>
+          <a:xfrm>
+            <a:off x="4388578" y="4240241"/>
+            <a:ext cx="485518" cy="369332"/>
+          </a:xfrm>
+          <a:prstGeom prst="rect">
+            <a:avLst/>
+          </a:prstGeom>
+          <a:noFill/>
+        </p:spPr>
+        <p:txBody>
+          <a:bodyPr wrap="none" rtlCol="0">
+            <a:spAutoFit/>
+          </a:bodyPr>
+          <a:lstStyle/>
+          <a:p>
+            <a:r>
+              <a:rPr lang="en-US" dirty="0" smtClean="0"/>
+              <a:t>Yes</a:t>
+            </a:r>
+            <a:endParaRPr lang="en-US" dirty="0"/>
+          </a:p>
+        </p:txBody>
+      </p:sp>
       <p:cxnSp>
         <p:nvCxnSpPr>
-          <p:cNvPr id="13" name="Straight Arrow Connector 12"/>
+          <p:cNvPr id="123" name="Straight Arrow Connector 122"/>
           <p:cNvCxnSpPr>
-            <a:stCxn id="4" idx="3"/>
-            <a:endCxn id="5" idx="1"/>
+            <a:stCxn id="84" idx="1"/>
+            <a:endCxn id="77" idx="3"/>
           </p:cNvCxnSpPr>
           <p:nvPr/>
         </p:nvCxnSpPr>
         <p:spPr>
-          <a:xfrm flipV="1">
-            <a:off x="4879138" y="2791906"/>
-            <a:ext cx="395392" cy="12254"/>
+          <a:xfrm flipH="1">
+            <a:off x="7047386" y="4790056"/>
+            <a:ext cx="1145385" cy="1"/>
           </a:xfrm>
           <a:prstGeom prst="straightConnector1">
             <a:avLst/>
@@ -8265,19 +7471,123 @@
           </a:fontRef>
         </p:style>
       </p:cxnSp>
+      <p:sp>
+        <p:nvSpPr>
+          <p:cNvPr id="127" name="TextBox 126"/>
+          <p:cNvSpPr txBox="1"/>
+          <p:nvPr/>
+        </p:nvSpPr>
+        <p:spPr>
+          <a:xfrm>
+            <a:off x="7105141" y="2734571"/>
+            <a:ext cx="485518" cy="369332"/>
+          </a:xfrm>
+          <a:prstGeom prst="rect">
+            <a:avLst/>
+          </a:prstGeom>
+          <a:noFill/>
+        </p:spPr>
+        <p:txBody>
+          <a:bodyPr wrap="none" rtlCol="0">
+            <a:spAutoFit/>
+          </a:bodyPr>
+          <a:lstStyle/>
+          <a:p>
+            <a:r>
+              <a:rPr lang="en-US" dirty="0" smtClean="0"/>
+              <a:t>Yes</a:t>
+            </a:r>
+            <a:endParaRPr lang="en-US" dirty="0"/>
+          </a:p>
+        </p:txBody>
+      </p:sp>
+      <p:sp>
+        <p:nvSpPr>
+          <p:cNvPr id="128" name="TextBox 127"/>
+          <p:cNvSpPr txBox="1"/>
+          <p:nvPr/>
+        </p:nvSpPr>
+        <p:spPr>
+          <a:xfrm>
+            <a:off x="8811257" y="3781625"/>
+            <a:ext cx="455574" cy="369332"/>
+          </a:xfrm>
+          <a:prstGeom prst="rect">
+            <a:avLst/>
+          </a:prstGeom>
+          <a:noFill/>
+        </p:spPr>
+        <p:txBody>
+          <a:bodyPr wrap="none" rtlCol="0">
+            <a:spAutoFit/>
+          </a:bodyPr>
+          <a:lstStyle/>
+          <a:p>
+            <a:r>
+              <a:rPr lang="en-US" dirty="0" smtClean="0"/>
+              <a:t>No</a:t>
+            </a:r>
+            <a:endParaRPr lang="en-US" dirty="0"/>
+          </a:p>
+        </p:txBody>
+      </p:sp>
+      <p:sp>
+        <p:nvSpPr>
+          <p:cNvPr id="133" name="Rectangle 132"/>
+          <p:cNvSpPr/>
+          <p:nvPr/>
+        </p:nvSpPr>
+        <p:spPr>
+          <a:xfrm>
+            <a:off x="5167151" y="5869521"/>
+            <a:ext cx="1344423" cy="703684"/>
+          </a:xfrm>
+          <a:prstGeom prst="rect">
+            <a:avLst/>
+          </a:prstGeom>
+        </p:spPr>
+        <p:style>
+          <a:lnRef idx="2">
+            <a:schemeClr val="accent1">
+              <a:shade val="50000"/>
+            </a:schemeClr>
+          </a:lnRef>
+          <a:fillRef idx="1">
+            <a:schemeClr val="accent1"/>
+          </a:fillRef>
+          <a:effectRef idx="0">
+            <a:schemeClr val="accent1"/>
+          </a:effectRef>
+          <a:fontRef idx="minor">
+            <a:schemeClr val="lt1"/>
+          </a:fontRef>
+        </p:style>
+        <p:txBody>
+          <a:bodyPr rtlCol="0" anchor="ctr"/>
+          <a:lstStyle/>
+          <a:p>
+            <a:pPr algn="ctr"/>
+            <a:r>
+              <a:rPr lang="en-US" dirty="0" smtClean="0"/>
+              <a:t>Pending status</a:t>
+            </a:r>
+            <a:endParaRPr lang="en-US" dirty="0"/>
+          </a:p>
+        </p:txBody>
+      </p:sp>
       <p:cxnSp>
         <p:nvCxnSpPr>
-          <p:cNvPr id="15" name="Straight Arrow Connector 14"/>
+          <p:cNvPr id="135" name="Straight Arrow Connector 134"/>
           <p:cNvCxnSpPr>
-            <a:stCxn id="5" idx="2"/>
-            <a:endCxn id="6" idx="0"/>
+            <a:stCxn id="77" idx="2"/>
+            <a:endCxn id="133" idx="0"/>
           </p:cNvCxnSpPr>
           <p:nvPr/>
         </p:nvCxnSpPr>
         <p:spPr>
           <a:xfrm>
-            <a:off x="6073106" y="3169858"/>
-            <a:ext cx="0" cy="1348996"/>
+            <a:off x="5839363" y="5454134"/>
+            <a:ext cx="0" cy="415387"/>
           </a:xfrm>
           <a:prstGeom prst="straightConnector1">
             <a:avLst/>
@@ -8301,192 +7611,40 @@
           </a:fontRef>
         </p:style>
       </p:cxnSp>
-      <p:cxnSp>
-        <p:nvCxnSpPr>
-          <p:cNvPr id="17" name="Straight Arrow Connector 16"/>
-          <p:cNvCxnSpPr>
-            <a:stCxn id="6" idx="3"/>
-            <a:endCxn id="7" idx="1"/>
-          </p:cNvCxnSpPr>
-          <p:nvPr/>
-        </p:nvCxnSpPr>
-        <p:spPr>
-          <a:xfrm>
-            <a:off x="6871682" y="4896806"/>
-            <a:ext cx="985960" cy="0"/>
-          </a:xfrm>
-          <a:prstGeom prst="straightConnector1">
-            <a:avLst/>
-          </a:prstGeom>
-          <a:ln>
-            <a:tailEnd type="triangle"/>
-          </a:ln>
-        </p:spPr>
-        <p:style>
-          <a:lnRef idx="1">
-            <a:schemeClr val="accent1"/>
-          </a:lnRef>
-          <a:fillRef idx="0">
-            <a:schemeClr val="accent1"/>
-          </a:fillRef>
-          <a:effectRef idx="0">
-            <a:schemeClr val="accent1"/>
-          </a:effectRef>
-          <a:fontRef idx="minor">
-            <a:schemeClr val="tx1"/>
-          </a:fontRef>
-        </p:style>
-      </p:cxnSp>
-      <p:cxnSp>
-        <p:nvCxnSpPr>
-          <p:cNvPr id="19" name="Straight Arrow Connector 18"/>
-          <p:cNvCxnSpPr>
-            <a:stCxn id="5" idx="3"/>
-            <a:endCxn id="8" idx="1"/>
-          </p:cNvCxnSpPr>
-          <p:nvPr/>
-        </p:nvCxnSpPr>
-        <p:spPr>
-          <a:xfrm>
-            <a:off x="6871682" y="2791906"/>
-            <a:ext cx="985960" cy="12254"/>
-          </a:xfrm>
-          <a:prstGeom prst="straightConnector1">
-            <a:avLst/>
-          </a:prstGeom>
-          <a:ln>
-            <a:tailEnd type="triangle"/>
-          </a:ln>
-        </p:spPr>
-        <p:style>
-          <a:lnRef idx="1">
-            <a:schemeClr val="accent1"/>
-          </a:lnRef>
-          <a:fillRef idx="0">
-            <a:schemeClr val="accent1"/>
-          </a:fillRef>
-          <a:effectRef idx="0">
-            <a:schemeClr val="accent1"/>
-          </a:effectRef>
-          <a:fontRef idx="minor">
-            <a:schemeClr val="tx1"/>
-          </a:fontRef>
-        </p:style>
-      </p:cxnSp>
-      <p:cxnSp>
-        <p:nvCxnSpPr>
-          <p:cNvPr id="21" name="Straight Arrow Connector 20"/>
-          <p:cNvCxnSpPr>
-            <a:stCxn id="8" idx="3"/>
-            <a:endCxn id="9" idx="1"/>
-          </p:cNvCxnSpPr>
-          <p:nvPr/>
-        </p:nvCxnSpPr>
-        <p:spPr>
-          <a:xfrm flipV="1">
-            <a:off x="9454794" y="2791906"/>
-            <a:ext cx="819980" cy="12254"/>
-          </a:xfrm>
-          <a:prstGeom prst="straightConnector1">
-            <a:avLst/>
-          </a:prstGeom>
-          <a:ln>
-            <a:tailEnd type="triangle"/>
-          </a:ln>
-        </p:spPr>
-        <p:style>
-          <a:lnRef idx="1">
-            <a:schemeClr val="accent1"/>
-          </a:lnRef>
-          <a:fillRef idx="0">
-            <a:schemeClr val="accent1"/>
-          </a:fillRef>
-          <a:effectRef idx="0">
-            <a:schemeClr val="accent1"/>
-          </a:effectRef>
-          <a:fontRef idx="minor">
-            <a:schemeClr val="tx1"/>
-          </a:fontRef>
-        </p:style>
-      </p:cxnSp>
-      <p:cxnSp>
-        <p:nvCxnSpPr>
-          <p:cNvPr id="23" name="Straight Arrow Connector 22"/>
-          <p:cNvCxnSpPr>
-            <a:stCxn id="7" idx="0"/>
-            <a:endCxn id="8" idx="2"/>
-          </p:cNvCxnSpPr>
-          <p:nvPr/>
-        </p:nvCxnSpPr>
-        <p:spPr>
-          <a:xfrm flipV="1">
-            <a:off x="8656218" y="3182112"/>
-            <a:ext cx="0" cy="1336742"/>
-          </a:xfrm>
-          <a:prstGeom prst="straightConnector1">
-            <a:avLst/>
-          </a:prstGeom>
-          <a:ln>
-            <a:tailEnd type="triangle"/>
-          </a:ln>
-        </p:spPr>
-        <p:style>
-          <a:lnRef idx="1">
-            <a:schemeClr val="accent1"/>
-          </a:lnRef>
-          <a:fillRef idx="0">
-            <a:schemeClr val="accent1"/>
-          </a:fillRef>
-          <a:effectRef idx="0">
-            <a:schemeClr val="accent1"/>
-          </a:effectRef>
-          <a:fontRef idx="minor">
-            <a:schemeClr val="tx1"/>
-          </a:fontRef>
-        </p:style>
-      </p:cxnSp>
-      <p:cxnSp>
-        <p:nvCxnSpPr>
-          <p:cNvPr id="68" name="Elbow Connector 67"/>
-          <p:cNvCxnSpPr>
-            <a:stCxn id="9" idx="0"/>
-            <a:endCxn id="4" idx="0"/>
-          </p:cNvCxnSpPr>
-          <p:nvPr/>
-        </p:nvCxnSpPr>
-        <p:spPr>
-          <a:xfrm rot="16200000" flipV="1">
-            <a:off x="7447455" y="-1211942"/>
-            <a:ext cx="121827" cy="7129965"/>
-          </a:xfrm>
-          <a:prstGeom prst="bentConnector3">
-            <a:avLst>
-              <a:gd name="adj1" fmla="val 487796"/>
-            </a:avLst>
-          </a:prstGeom>
-          <a:ln>
-            <a:tailEnd type="triangle"/>
-          </a:ln>
-        </p:spPr>
-        <p:style>
-          <a:lnRef idx="1">
-            <a:schemeClr val="accent1"/>
-          </a:lnRef>
-          <a:fillRef idx="0">
-            <a:schemeClr val="accent1"/>
-          </a:fillRef>
-          <a:effectRef idx="0">
-            <a:schemeClr val="accent1"/>
-          </a:effectRef>
-          <a:fontRef idx="minor">
-            <a:schemeClr val="tx1"/>
-          </a:fontRef>
-        </p:style>
-      </p:cxnSp>
+      <p:sp>
+        <p:nvSpPr>
+          <p:cNvPr id="136" name="TextBox 135"/>
+          <p:cNvSpPr txBox="1"/>
+          <p:nvPr/>
+        </p:nvSpPr>
+        <p:spPr>
+          <a:xfrm>
+            <a:off x="5906152" y="5454134"/>
+            <a:ext cx="455574" cy="369332"/>
+          </a:xfrm>
+          <a:prstGeom prst="rect">
+            <a:avLst/>
+          </a:prstGeom>
+          <a:noFill/>
+        </p:spPr>
+        <p:txBody>
+          <a:bodyPr wrap="none" rtlCol="0">
+            <a:spAutoFit/>
+          </a:bodyPr>
+          <a:lstStyle/>
+          <a:p>
+            <a:r>
+              <a:rPr lang="en-US" dirty="0" smtClean="0"/>
+              <a:t>No</a:t>
+            </a:r>
+            <a:endParaRPr lang="en-US" dirty="0"/>
+          </a:p>
+        </p:txBody>
+      </p:sp>
     </p:spTree>
     <p:extLst>
       <p:ext uri="{BB962C8B-B14F-4D97-AF65-F5344CB8AC3E}">
-        <p14:creationId xmlns:p14="http://schemas.microsoft.com/office/powerpoint/2010/main" val="2022138182"/>
+        <p14:creationId xmlns:p14="http://schemas.microsoft.com/office/powerpoint/2010/main" val="1986660502"/>
       </p:ext>
     </p:extLst>
   </p:cSld>
@@ -8530,38 +7688,29 @@
             <p:ph type="title"/>
           </p:nvPr>
         </p:nvSpPr>
-        <p:spPr>
-          <a:xfrm>
-            <a:off x="795207" y="285509"/>
-            <a:ext cx="10515600" cy="792598"/>
-          </a:xfrm>
-        </p:spPr>
+        <p:spPr/>
         <p:txBody>
           <a:bodyPr/>
           <a:lstStyle/>
           <a:p>
             <a:r>
-              <a:rPr lang="fr-FR" dirty="0" smtClean="0"/>
-              <a:t>Clas</a:t>
-            </a:r>
-            <a:r>
-              <a:rPr lang="fr-FR" altLang="zh-CN" dirty="0" smtClean="0"/>
-              <a:t>s</a:t>
-            </a:r>
-            <a:endParaRPr lang="fr-FR" dirty="0"/>
-          </a:p>
-        </p:txBody>
-      </p:sp>
-      <p:sp>
-        <p:nvSpPr>
-          <p:cNvPr id="4" name="Rectangle 3"/>
+              <a:rPr lang="en-US" dirty="0" smtClean="0"/>
+              <a:t>Q&amp;A flow – Pri2</a:t>
+            </a:r>
+            <a:endParaRPr lang="en-US" dirty="0"/>
+          </a:p>
+        </p:txBody>
+      </p:sp>
+      <p:sp>
+        <p:nvSpPr>
+          <p:cNvPr id="3" name="Rectangle 2"/>
           <p:cNvSpPr/>
           <p:nvPr/>
         </p:nvSpPr>
         <p:spPr>
           <a:xfrm>
-            <a:off x="795207" y="1334286"/>
-            <a:ext cx="1574673" cy="864156"/>
+            <a:off x="509016" y="2005267"/>
+            <a:ext cx="1597152" cy="755904"/>
           </a:xfrm>
           <a:prstGeom prst="rect">
             <a:avLst/>
@@ -8589,59 +7738,23 @@
           <a:p>
             <a:pPr algn="ctr"/>
             <a:r>
-              <a:rPr lang="fr-FR" dirty="0" smtClean="0"/>
-              <a:t>Select Class tab</a:t>
-            </a:r>
-            <a:endParaRPr lang="fr-FR" dirty="0"/>
-          </a:p>
-        </p:txBody>
-      </p:sp>
-      <p:cxnSp>
-        <p:nvCxnSpPr>
-          <p:cNvPr id="7" name="Straight Arrow Connector 6"/>
-          <p:cNvCxnSpPr>
-            <a:stCxn id="4" idx="3"/>
-            <a:endCxn id="28" idx="1"/>
-          </p:cNvCxnSpPr>
-          <p:nvPr/>
-        </p:nvCxnSpPr>
-        <p:spPr>
-          <a:xfrm flipV="1">
-            <a:off x="2369880" y="1756804"/>
-            <a:ext cx="445962" cy="9560"/>
-          </a:xfrm>
-          <a:prstGeom prst="straightConnector1">
-            <a:avLst/>
-          </a:prstGeom>
-          <a:ln>
-            <a:tailEnd type="triangle"/>
-          </a:ln>
-        </p:spPr>
-        <p:style>
-          <a:lnRef idx="1">
-            <a:schemeClr val="accent1"/>
-          </a:lnRef>
-          <a:fillRef idx="0">
-            <a:schemeClr val="accent1"/>
-          </a:fillRef>
-          <a:effectRef idx="0">
-            <a:schemeClr val="accent1"/>
-          </a:effectRef>
-          <a:fontRef idx="minor">
-            <a:schemeClr val="tx1"/>
-          </a:fontRef>
-        </p:style>
-      </p:cxnSp>
-      <p:sp>
-        <p:nvSpPr>
-          <p:cNvPr id="12" name="Rectangle 11"/>
+              <a:rPr lang="en-US" dirty="0" smtClean="0"/>
+              <a:t>Select Q &amp;A tab</a:t>
+            </a:r>
+            <a:endParaRPr lang="en-US" dirty="0"/>
+          </a:p>
+        </p:txBody>
+      </p:sp>
+      <p:sp>
+        <p:nvSpPr>
+          <p:cNvPr id="4" name="Rectangle 3"/>
           <p:cNvSpPr/>
           <p:nvPr/>
         </p:nvSpPr>
         <p:spPr>
           <a:xfrm>
-            <a:off x="5231888" y="1289414"/>
-            <a:ext cx="1804103" cy="953899"/>
+            <a:off x="2712686" y="2011618"/>
+            <a:ext cx="1597152" cy="755904"/>
           </a:xfrm>
           <a:prstGeom prst="rect">
             <a:avLst/>
@@ -8669,67 +7782,23 @@
           <a:p>
             <a:pPr algn="ctr"/>
             <a:r>
-              <a:rPr lang="fr-FR" altLang="zh-CN" dirty="0" smtClean="0"/>
-              <a:t>Click « </a:t>
-            </a:r>
-            <a:r>
-              <a:rPr lang="fr-FR" altLang="zh-CN" dirty="0" err="1" smtClean="0"/>
-              <a:t>apply</a:t>
-            </a:r>
-            <a:r>
-              <a:rPr lang="fr-FR" altLang="zh-CN" dirty="0" smtClean="0"/>
-              <a:t> for class »</a:t>
-            </a:r>
-            <a:endParaRPr lang="fr-FR" dirty="0"/>
-          </a:p>
-        </p:txBody>
-      </p:sp>
-      <p:cxnSp>
-        <p:nvCxnSpPr>
-          <p:cNvPr id="14" name="Straight Arrow Connector 13"/>
-          <p:cNvCxnSpPr>
-            <a:stCxn id="28" idx="3"/>
-            <a:endCxn id="12" idx="1"/>
-          </p:cNvCxnSpPr>
-          <p:nvPr/>
-        </p:nvCxnSpPr>
-        <p:spPr>
-          <a:xfrm>
-            <a:off x="4459476" y="1756804"/>
-            <a:ext cx="772412" cy="9560"/>
-          </a:xfrm>
-          <a:prstGeom prst="straightConnector1">
-            <a:avLst/>
-          </a:prstGeom>
-          <a:ln>
-            <a:tailEnd type="triangle"/>
-          </a:ln>
-        </p:spPr>
-        <p:style>
-          <a:lnRef idx="1">
-            <a:schemeClr val="accent1"/>
-          </a:lnRef>
-          <a:fillRef idx="0">
-            <a:schemeClr val="accent1"/>
-          </a:fillRef>
-          <a:effectRef idx="0">
-            <a:schemeClr val="accent1"/>
-          </a:effectRef>
-          <a:fontRef idx="minor">
-            <a:schemeClr val="tx1"/>
-          </a:fontRef>
-        </p:style>
-      </p:cxnSp>
-      <p:sp>
-        <p:nvSpPr>
-          <p:cNvPr id="28" name="Rectangle 27"/>
+              <a:rPr lang="en-US" dirty="0" smtClean="0"/>
+              <a:t>Search keyword</a:t>
+            </a:r>
+            <a:endParaRPr lang="en-US" dirty="0"/>
+          </a:p>
+        </p:txBody>
+      </p:sp>
+      <p:sp>
+        <p:nvSpPr>
+          <p:cNvPr id="8" name="Rectangle 7"/>
           <p:cNvSpPr/>
           <p:nvPr/>
         </p:nvSpPr>
         <p:spPr>
           <a:xfrm>
-            <a:off x="2815842" y="1315165"/>
-            <a:ext cx="1643634" cy="883277"/>
+            <a:off x="7528458" y="2023872"/>
+            <a:ext cx="1597152" cy="755904"/>
           </a:xfrm>
           <a:prstGeom prst="rect">
             <a:avLst/>
@@ -8757,51 +7826,23 @@
           <a:p>
             <a:pPr algn="ctr"/>
             <a:r>
-              <a:rPr lang="fr-FR" dirty="0" smtClean="0"/>
-              <a:t>Show </a:t>
-            </a:r>
-            <a:r>
-              <a:rPr lang="fr-FR" dirty="0" err="1" smtClean="0"/>
-              <a:t>list</a:t>
-            </a:r>
-            <a:r>
-              <a:rPr lang="fr-FR" dirty="0" smtClean="0"/>
-              <a:t> of </a:t>
-            </a:r>
-            <a:r>
-              <a:rPr lang="fr-FR" altLang="zh-CN" dirty="0" err="1" smtClean="0"/>
-              <a:t>joined</a:t>
-            </a:r>
-            <a:r>
-              <a:rPr lang="fr-FR" altLang="zh-CN" dirty="0" smtClean="0"/>
-              <a:t> and </a:t>
-            </a:r>
-            <a:r>
-              <a:rPr lang="fr-FR" altLang="zh-CN" dirty="0" err="1" smtClean="0"/>
-              <a:t>pending</a:t>
-            </a:r>
-            <a:r>
-              <a:rPr lang="fr-FR" altLang="zh-CN" dirty="0" smtClean="0"/>
-              <a:t> </a:t>
-            </a:r>
-            <a:r>
-              <a:rPr lang="fr-FR" dirty="0" smtClean="0"/>
-              <a:t>classes</a:t>
-            </a:r>
-            <a:endParaRPr lang="fr-FR" dirty="0"/>
-          </a:p>
-        </p:txBody>
-      </p:sp>
-      <p:sp>
-        <p:nvSpPr>
-          <p:cNvPr id="64" name="Rectangle 63"/>
+              <a:rPr lang="en-US" dirty="0" smtClean="0"/>
+              <a:t>Choose to submit a question</a:t>
+            </a:r>
+            <a:endParaRPr lang="en-US" dirty="0"/>
+          </a:p>
+        </p:txBody>
+      </p:sp>
+      <p:sp>
+        <p:nvSpPr>
+          <p:cNvPr id="9" name="Rectangle 8"/>
           <p:cNvSpPr/>
           <p:nvPr/>
         </p:nvSpPr>
         <p:spPr>
           <a:xfrm>
-            <a:off x="7956679" y="1251027"/>
-            <a:ext cx="1816608" cy="1020557"/>
+            <a:off x="9945590" y="2011618"/>
+            <a:ext cx="1597152" cy="755904"/>
           </a:xfrm>
           <a:prstGeom prst="rect">
             <a:avLst/>
@@ -8829,1048 +7870,18 @@
           <a:p>
             <a:pPr algn="ctr"/>
             <a:r>
-              <a:rPr lang="fr-FR" dirty="0" smtClean="0"/>
-              <a:t>Input class code</a:t>
-            </a:r>
-            <a:endParaRPr lang="fr-FR" dirty="0">
-              <a:solidFill>
-                <a:srgbClr val="FF0000"/>
-              </a:solidFill>
-            </a:endParaRPr>
-          </a:p>
-        </p:txBody>
-      </p:sp>
-      <p:cxnSp>
-        <p:nvCxnSpPr>
-          <p:cNvPr id="67" name="Straight Arrow Connector 66"/>
-          <p:cNvCxnSpPr>
-            <a:stCxn id="12" idx="3"/>
-            <a:endCxn id="64" idx="1"/>
-          </p:cNvCxnSpPr>
-          <p:nvPr/>
-        </p:nvCxnSpPr>
-        <p:spPr>
-          <a:xfrm flipV="1">
-            <a:off x="7035991" y="1761306"/>
-            <a:ext cx="920688" cy="5058"/>
-          </a:xfrm>
-          <a:prstGeom prst="straightConnector1">
-            <a:avLst/>
-          </a:prstGeom>
-          <a:ln>
-            <a:tailEnd type="triangle"/>
-          </a:ln>
-        </p:spPr>
-        <p:style>
-          <a:lnRef idx="1">
-            <a:schemeClr val="accent1"/>
-          </a:lnRef>
-          <a:fillRef idx="0">
-            <a:schemeClr val="accent1"/>
-          </a:fillRef>
-          <a:effectRef idx="0">
-            <a:schemeClr val="accent1"/>
-          </a:effectRef>
-          <a:fontRef idx="minor">
-            <a:schemeClr val="tx1"/>
-          </a:fontRef>
-        </p:style>
-      </p:cxnSp>
-      <p:cxnSp>
-        <p:nvCxnSpPr>
-          <p:cNvPr id="70" name="Straight Arrow Connector 69"/>
-          <p:cNvCxnSpPr>
-            <a:stCxn id="64" idx="2"/>
-            <a:endCxn id="21" idx="0"/>
-          </p:cNvCxnSpPr>
-          <p:nvPr/>
-        </p:nvCxnSpPr>
-        <p:spPr>
-          <a:xfrm>
-            <a:off x="8864983" y="2271584"/>
-            <a:ext cx="0" cy="263530"/>
-          </a:xfrm>
-          <a:prstGeom prst="straightConnector1">
-            <a:avLst/>
-          </a:prstGeom>
-          <a:ln>
-            <a:tailEnd type="triangle"/>
-          </a:ln>
-        </p:spPr>
-        <p:style>
-          <a:lnRef idx="1">
-            <a:schemeClr val="accent1"/>
-          </a:lnRef>
-          <a:fillRef idx="0">
-            <a:schemeClr val="accent1"/>
-          </a:fillRef>
-          <a:effectRef idx="0">
-            <a:schemeClr val="accent1"/>
-          </a:effectRef>
-          <a:fontRef idx="minor">
-            <a:schemeClr val="tx1"/>
-          </a:fontRef>
-        </p:style>
-      </p:cxnSp>
-      <p:sp>
-        <p:nvSpPr>
-          <p:cNvPr id="21" name="Diamond 20"/>
-          <p:cNvSpPr/>
-          <p:nvPr/>
-        </p:nvSpPr>
-        <p:spPr>
-          <a:xfrm>
-            <a:off x="7903435" y="2535114"/>
-            <a:ext cx="1923095" cy="1243879"/>
-          </a:xfrm>
-          <a:prstGeom prst="diamond">
-            <a:avLst/>
-          </a:prstGeom>
-        </p:spPr>
-        <p:style>
-          <a:lnRef idx="2">
-            <a:schemeClr val="accent1">
-              <a:shade val="50000"/>
-            </a:schemeClr>
-          </a:lnRef>
-          <a:fillRef idx="1">
-            <a:schemeClr val="accent1"/>
-          </a:fillRef>
-          <a:effectRef idx="0">
-            <a:schemeClr val="accent1"/>
-          </a:effectRef>
-          <a:fontRef idx="minor">
-            <a:schemeClr val="lt1"/>
-          </a:fontRef>
-        </p:style>
-        <p:txBody>
-          <a:bodyPr rtlCol="0" anchor="ctr"/>
-          <a:lstStyle/>
-          <a:p>
-            <a:pPr algn="ctr"/>
-            <a:r>
-              <a:rPr lang="fr-FR" dirty="0" smtClean="0"/>
-              <a:t>Auto-</a:t>
-            </a:r>
-            <a:r>
-              <a:rPr lang="fr-FR" dirty="0" err="1" smtClean="0"/>
-              <a:t>approve</a:t>
-            </a:r>
-            <a:r>
-              <a:rPr lang="fr-FR" dirty="0" smtClean="0"/>
-              <a:t>?</a:t>
-            </a:r>
-            <a:endParaRPr lang="fr-FR" dirty="0"/>
-          </a:p>
-        </p:txBody>
-      </p:sp>
-      <p:sp>
-        <p:nvSpPr>
-          <p:cNvPr id="22" name="Rectangle 21"/>
-          <p:cNvSpPr/>
-          <p:nvPr/>
-        </p:nvSpPr>
-        <p:spPr>
-          <a:xfrm>
-            <a:off x="4916009" y="2535114"/>
-            <a:ext cx="1846708" cy="1175478"/>
-          </a:xfrm>
-          <a:prstGeom prst="rect">
-            <a:avLst/>
-          </a:prstGeom>
-        </p:spPr>
-        <p:style>
-          <a:lnRef idx="2">
-            <a:schemeClr val="accent1">
-              <a:shade val="50000"/>
-            </a:schemeClr>
-          </a:lnRef>
-          <a:fillRef idx="1">
-            <a:schemeClr val="accent1"/>
-          </a:fillRef>
-          <a:effectRef idx="0">
-            <a:schemeClr val="accent1"/>
-          </a:effectRef>
-          <a:fontRef idx="minor">
-            <a:schemeClr val="lt1"/>
-          </a:fontRef>
-        </p:style>
-        <p:txBody>
-          <a:bodyPr rtlCol="0" anchor="ctr"/>
-          <a:lstStyle/>
-          <a:p>
-            <a:pPr algn="ctr"/>
-            <a:r>
-              <a:rPr lang="fr-FR" dirty="0" smtClean="0"/>
-              <a:t>Change to </a:t>
-            </a:r>
-            <a:r>
-              <a:rPr lang="fr-FR" dirty="0" err="1" smtClean="0"/>
-              <a:t>Joined</a:t>
-            </a:r>
-            <a:r>
-              <a:rPr lang="fr-FR" dirty="0" smtClean="0"/>
-              <a:t> </a:t>
-            </a:r>
-            <a:r>
-              <a:rPr lang="fr-FR" dirty="0" err="1" smtClean="0"/>
-              <a:t>status</a:t>
-            </a:r>
-            <a:r>
-              <a:rPr lang="fr-FR" dirty="0" smtClean="0"/>
-              <a:t> and </a:t>
-            </a:r>
-            <a:r>
-              <a:rPr lang="fr-FR" dirty="0" err="1" smtClean="0"/>
-              <a:t>download</a:t>
-            </a:r>
-            <a:r>
-              <a:rPr lang="fr-FR" dirty="0" smtClean="0"/>
-              <a:t> </a:t>
-            </a:r>
-            <a:r>
-              <a:rPr lang="fr-FR" dirty="0" err="1" smtClean="0"/>
-              <a:t>inbox</a:t>
-            </a:r>
-            <a:r>
-              <a:rPr lang="fr-FR" dirty="0" smtClean="0"/>
-              <a:t> and test</a:t>
-            </a:r>
-            <a:endParaRPr lang="fr-FR" dirty="0"/>
-          </a:p>
-        </p:txBody>
-      </p:sp>
-      <p:cxnSp>
-        <p:nvCxnSpPr>
-          <p:cNvPr id="36" name="Straight Arrow Connector 35"/>
-          <p:cNvCxnSpPr>
-            <a:stCxn id="21" idx="1"/>
-            <a:endCxn id="22" idx="3"/>
-          </p:cNvCxnSpPr>
-          <p:nvPr/>
-        </p:nvCxnSpPr>
-        <p:spPr>
-          <a:xfrm flipH="1" flipV="1">
-            <a:off x="6762717" y="3122853"/>
-            <a:ext cx="1140718" cy="34201"/>
-          </a:xfrm>
-          <a:prstGeom prst="straightConnector1">
-            <a:avLst/>
-          </a:prstGeom>
-          <a:ln>
-            <a:tailEnd type="triangle"/>
-          </a:ln>
-        </p:spPr>
-        <p:style>
-          <a:lnRef idx="1">
-            <a:schemeClr val="accent1"/>
-          </a:lnRef>
-          <a:fillRef idx="0">
-            <a:schemeClr val="accent1"/>
-          </a:fillRef>
-          <a:effectRef idx="0">
-            <a:schemeClr val="accent1"/>
-          </a:effectRef>
-          <a:fontRef idx="minor">
-            <a:schemeClr val="tx1"/>
-          </a:fontRef>
-        </p:style>
-      </p:cxnSp>
-      <p:cxnSp>
-        <p:nvCxnSpPr>
-          <p:cNvPr id="80" name="Elbow Connector 79"/>
-          <p:cNvCxnSpPr>
-            <a:stCxn id="77" idx="1"/>
-            <a:endCxn id="22" idx="1"/>
-          </p:cNvCxnSpPr>
-          <p:nvPr/>
-        </p:nvCxnSpPr>
-        <p:spPr>
-          <a:xfrm rot="10800000" flipH="1">
-            <a:off x="4631339" y="3122853"/>
-            <a:ext cx="284669" cy="1667204"/>
-          </a:xfrm>
-          <a:prstGeom prst="bentConnector3">
-            <a:avLst>
-              <a:gd name="adj1" fmla="val -80304"/>
-            </a:avLst>
-          </a:prstGeom>
-          <a:ln>
-            <a:tailEnd type="triangle"/>
-          </a:ln>
-        </p:spPr>
-        <p:style>
-          <a:lnRef idx="1">
-            <a:schemeClr val="accent1"/>
-          </a:lnRef>
-          <a:fillRef idx="0">
-            <a:schemeClr val="accent1"/>
-          </a:fillRef>
-          <a:effectRef idx="0">
-            <a:schemeClr val="accent1"/>
-          </a:effectRef>
-          <a:fontRef idx="minor">
-            <a:schemeClr val="tx1"/>
-          </a:fontRef>
-        </p:style>
-      </p:cxnSp>
-      <p:cxnSp>
-        <p:nvCxnSpPr>
-          <p:cNvPr id="82" name="Straight Arrow Connector 81"/>
-          <p:cNvCxnSpPr>
-            <a:stCxn id="77" idx="1"/>
-            <a:endCxn id="83" idx="3"/>
-          </p:cNvCxnSpPr>
-          <p:nvPr/>
-        </p:nvCxnSpPr>
-        <p:spPr>
-          <a:xfrm flipH="1" flipV="1">
-            <a:off x="3606862" y="4790056"/>
-            <a:ext cx="1024478" cy="1"/>
-          </a:xfrm>
-          <a:prstGeom prst="straightConnector1">
-            <a:avLst/>
-          </a:prstGeom>
-          <a:ln>
-            <a:tailEnd type="triangle"/>
-          </a:ln>
-        </p:spPr>
-        <p:style>
-          <a:lnRef idx="1">
-            <a:schemeClr val="accent1"/>
-          </a:lnRef>
-          <a:fillRef idx="0">
-            <a:schemeClr val="accent1"/>
-          </a:fillRef>
-          <a:effectRef idx="0">
-            <a:schemeClr val="accent1"/>
-          </a:effectRef>
-          <a:fontRef idx="minor">
-            <a:schemeClr val="tx1"/>
-          </a:fontRef>
-        </p:style>
-      </p:cxnSp>
-      <p:sp>
-        <p:nvSpPr>
-          <p:cNvPr id="83" name="Rectangle 82"/>
-          <p:cNvSpPr/>
-          <p:nvPr/>
-        </p:nvSpPr>
-        <p:spPr>
-          <a:xfrm>
-            <a:off x="1278190" y="4216202"/>
-            <a:ext cx="2328672" cy="1147707"/>
-          </a:xfrm>
-          <a:prstGeom prst="rect">
-            <a:avLst/>
-          </a:prstGeom>
-        </p:spPr>
-        <p:style>
-          <a:lnRef idx="2">
-            <a:schemeClr val="accent1">
-              <a:shade val="50000"/>
-            </a:schemeClr>
-          </a:lnRef>
-          <a:fillRef idx="1">
-            <a:schemeClr val="accent1"/>
-          </a:fillRef>
-          <a:effectRef idx="0">
-            <a:schemeClr val="accent1"/>
-          </a:effectRef>
-          <a:fontRef idx="minor">
-            <a:schemeClr val="lt1"/>
-          </a:fontRef>
-        </p:style>
-        <p:txBody>
-          <a:bodyPr rtlCol="0" anchor="ctr"/>
-          <a:lstStyle/>
-          <a:p>
-            <a:pPr algn="ctr"/>
-            <a:r>
-              <a:rPr lang="fr-FR" dirty="0" smtClean="0"/>
-              <a:t>Admin </a:t>
-            </a:r>
-            <a:r>
-              <a:rPr lang="fr-FR" dirty="0" err="1" smtClean="0"/>
-              <a:t>tool</a:t>
-            </a:r>
-            <a:r>
-              <a:rPr lang="fr-FR" dirty="0" smtClean="0"/>
-              <a:t> </a:t>
-            </a:r>
-            <a:r>
-              <a:rPr lang="fr-FR" dirty="0" err="1" smtClean="0"/>
-              <a:t>sends</a:t>
-            </a:r>
-            <a:r>
-              <a:rPr lang="fr-FR" dirty="0" smtClean="0"/>
-              <a:t> a </a:t>
-            </a:r>
-            <a:r>
-              <a:rPr lang="fr-FR" dirty="0" err="1" smtClean="0"/>
-              <a:t>private</a:t>
-            </a:r>
-            <a:r>
-              <a:rPr lang="fr-FR" dirty="0" smtClean="0"/>
-              <a:t> message to the </a:t>
-            </a:r>
-            <a:r>
-              <a:rPr lang="fr-FR" dirty="0" err="1" smtClean="0"/>
-              <a:t>student</a:t>
-            </a:r>
-            <a:endParaRPr lang="fr-FR" dirty="0"/>
-          </a:p>
-        </p:txBody>
-      </p:sp>
-      <p:sp>
-        <p:nvSpPr>
-          <p:cNvPr id="84" name="Rectangle 83"/>
-          <p:cNvSpPr/>
-          <p:nvPr/>
-        </p:nvSpPr>
-        <p:spPr>
-          <a:xfrm>
-            <a:off x="8192771" y="4438214"/>
-            <a:ext cx="1344423" cy="703684"/>
-          </a:xfrm>
-          <a:prstGeom prst="rect">
-            <a:avLst/>
-          </a:prstGeom>
-        </p:spPr>
-        <p:style>
-          <a:lnRef idx="2">
-            <a:schemeClr val="accent1">
-              <a:shade val="50000"/>
-            </a:schemeClr>
-          </a:lnRef>
-          <a:fillRef idx="1">
-            <a:schemeClr val="accent1"/>
-          </a:fillRef>
-          <a:effectRef idx="0">
-            <a:schemeClr val="accent1"/>
-          </a:effectRef>
-          <a:fontRef idx="minor">
-            <a:schemeClr val="lt1"/>
-          </a:fontRef>
-        </p:style>
-        <p:txBody>
-          <a:bodyPr rtlCol="0" anchor="ctr"/>
-          <a:lstStyle/>
-          <a:p>
-            <a:pPr algn="ctr"/>
-            <a:r>
-              <a:rPr lang="fr-FR" dirty="0" err="1" smtClean="0"/>
-              <a:t>Pending</a:t>
-            </a:r>
-            <a:r>
-              <a:rPr lang="fr-FR" dirty="0" smtClean="0"/>
-              <a:t> </a:t>
-            </a:r>
-            <a:r>
-              <a:rPr lang="fr-FR" dirty="0" err="1" smtClean="0"/>
-              <a:t>status</a:t>
-            </a:r>
-            <a:endParaRPr lang="fr-FR" dirty="0"/>
-          </a:p>
-        </p:txBody>
-      </p:sp>
-      <p:cxnSp>
-        <p:nvCxnSpPr>
-          <p:cNvPr id="86" name="Straight Arrow Connector 85"/>
-          <p:cNvCxnSpPr>
-            <a:stCxn id="21" idx="2"/>
-            <a:endCxn id="84" idx="0"/>
-          </p:cNvCxnSpPr>
-          <p:nvPr/>
-        </p:nvCxnSpPr>
-        <p:spPr>
-          <a:xfrm>
-            <a:off x="8864983" y="3778993"/>
-            <a:ext cx="0" cy="659221"/>
-          </a:xfrm>
-          <a:prstGeom prst="straightConnector1">
-            <a:avLst/>
-          </a:prstGeom>
-          <a:ln>
-            <a:tailEnd type="triangle"/>
-          </a:ln>
-        </p:spPr>
-        <p:style>
-          <a:lnRef idx="1">
-            <a:schemeClr val="accent1"/>
-          </a:lnRef>
-          <a:fillRef idx="0">
-            <a:schemeClr val="accent1"/>
-          </a:fillRef>
-          <a:effectRef idx="0">
-            <a:schemeClr val="accent1"/>
-          </a:effectRef>
-          <a:fontRef idx="minor">
-            <a:schemeClr val="tx1"/>
-          </a:fontRef>
-        </p:style>
-      </p:cxnSp>
-      <p:sp>
-        <p:nvSpPr>
-          <p:cNvPr id="77" name="Diamond 76"/>
-          <p:cNvSpPr/>
-          <p:nvPr/>
-        </p:nvSpPr>
-        <p:spPr>
-          <a:xfrm>
-            <a:off x="4631340" y="4125979"/>
-            <a:ext cx="2416046" cy="1328155"/>
-          </a:xfrm>
-          <a:prstGeom prst="diamond">
-            <a:avLst/>
-          </a:prstGeom>
-        </p:spPr>
-        <p:style>
-          <a:lnRef idx="2">
-            <a:schemeClr val="accent1">
-              <a:shade val="50000"/>
-            </a:schemeClr>
-          </a:lnRef>
-          <a:fillRef idx="1">
-            <a:schemeClr val="accent1"/>
-          </a:fillRef>
-          <a:effectRef idx="0">
-            <a:schemeClr val="accent1"/>
-          </a:effectRef>
-          <a:fontRef idx="minor">
-            <a:schemeClr val="lt1"/>
-          </a:fontRef>
-        </p:style>
-        <p:txBody>
-          <a:bodyPr rtlCol="0" anchor="ctr"/>
-          <a:lstStyle/>
-          <a:p>
-            <a:pPr algn="ctr"/>
-            <a:r>
-              <a:rPr lang="fr-FR" dirty="0" smtClean="0"/>
-              <a:t>Teacher </a:t>
-            </a:r>
-            <a:r>
-              <a:rPr lang="fr-FR" dirty="0" err="1" smtClean="0"/>
-              <a:t>approve</a:t>
-            </a:r>
-            <a:r>
-              <a:rPr lang="fr-FR" dirty="0" smtClean="0"/>
-              <a:t>?</a:t>
-            </a:r>
-            <a:endParaRPr lang="fr-FR" dirty="0"/>
-          </a:p>
-        </p:txBody>
-      </p:sp>
-      <p:sp>
-        <p:nvSpPr>
-          <p:cNvPr id="117" name="TextBox 116"/>
-          <p:cNvSpPr txBox="1"/>
-          <p:nvPr/>
-        </p:nvSpPr>
-        <p:spPr>
-          <a:xfrm>
-            <a:off x="4388578" y="4240241"/>
-            <a:ext cx="485518" cy="369332"/>
-          </a:xfrm>
-          <a:prstGeom prst="rect">
-            <a:avLst/>
-          </a:prstGeom>
-          <a:noFill/>
-        </p:spPr>
-        <p:txBody>
-          <a:bodyPr wrap="none" rtlCol="0">
-            <a:spAutoFit/>
-          </a:bodyPr>
-          <a:lstStyle/>
-          <a:p>
-            <a:r>
-              <a:rPr lang="fr-FR" dirty="0" err="1" smtClean="0"/>
-              <a:t>Yes</a:t>
-            </a:r>
-            <a:endParaRPr lang="fr-FR" dirty="0"/>
-          </a:p>
-        </p:txBody>
-      </p:sp>
-      <p:cxnSp>
-        <p:nvCxnSpPr>
-          <p:cNvPr id="123" name="Straight Arrow Connector 122"/>
-          <p:cNvCxnSpPr>
-            <a:stCxn id="84" idx="1"/>
-            <a:endCxn id="77" idx="3"/>
-          </p:cNvCxnSpPr>
-          <p:nvPr/>
-        </p:nvCxnSpPr>
-        <p:spPr>
-          <a:xfrm flipH="1">
-            <a:off x="7047386" y="4790056"/>
-            <a:ext cx="1145385" cy="1"/>
-          </a:xfrm>
-          <a:prstGeom prst="straightConnector1">
-            <a:avLst/>
-          </a:prstGeom>
-          <a:ln>
-            <a:tailEnd type="triangle"/>
-          </a:ln>
-        </p:spPr>
-        <p:style>
-          <a:lnRef idx="1">
-            <a:schemeClr val="accent1"/>
-          </a:lnRef>
-          <a:fillRef idx="0">
-            <a:schemeClr val="accent1"/>
-          </a:fillRef>
-          <a:effectRef idx="0">
-            <a:schemeClr val="accent1"/>
-          </a:effectRef>
-          <a:fontRef idx="minor">
-            <a:schemeClr val="tx1"/>
-          </a:fontRef>
-        </p:style>
-      </p:cxnSp>
-      <p:sp>
-        <p:nvSpPr>
-          <p:cNvPr id="127" name="TextBox 126"/>
-          <p:cNvSpPr txBox="1"/>
-          <p:nvPr/>
-        </p:nvSpPr>
-        <p:spPr>
-          <a:xfrm>
-            <a:off x="7105141" y="2734571"/>
-            <a:ext cx="485518" cy="369332"/>
-          </a:xfrm>
-          <a:prstGeom prst="rect">
-            <a:avLst/>
-          </a:prstGeom>
-          <a:noFill/>
-        </p:spPr>
-        <p:txBody>
-          <a:bodyPr wrap="none" rtlCol="0">
-            <a:spAutoFit/>
-          </a:bodyPr>
-          <a:lstStyle/>
-          <a:p>
-            <a:r>
-              <a:rPr lang="fr-FR" dirty="0" err="1" smtClean="0"/>
-              <a:t>Yes</a:t>
-            </a:r>
-            <a:endParaRPr lang="fr-FR" dirty="0"/>
-          </a:p>
-        </p:txBody>
-      </p:sp>
-      <p:sp>
-        <p:nvSpPr>
-          <p:cNvPr id="128" name="TextBox 127"/>
-          <p:cNvSpPr txBox="1"/>
-          <p:nvPr/>
-        </p:nvSpPr>
-        <p:spPr>
-          <a:xfrm>
-            <a:off x="8811257" y="3781625"/>
-            <a:ext cx="455574" cy="369332"/>
-          </a:xfrm>
-          <a:prstGeom prst="rect">
-            <a:avLst/>
-          </a:prstGeom>
-          <a:noFill/>
-        </p:spPr>
-        <p:txBody>
-          <a:bodyPr wrap="none" rtlCol="0">
-            <a:spAutoFit/>
-          </a:bodyPr>
-          <a:lstStyle/>
-          <a:p>
-            <a:r>
-              <a:rPr lang="fr-FR" dirty="0" smtClean="0"/>
-              <a:t>No</a:t>
-            </a:r>
-            <a:endParaRPr lang="fr-FR" dirty="0"/>
-          </a:p>
-        </p:txBody>
-      </p:sp>
-      <p:sp>
-        <p:nvSpPr>
-          <p:cNvPr id="133" name="Rectangle 132"/>
-          <p:cNvSpPr/>
-          <p:nvPr/>
-        </p:nvSpPr>
-        <p:spPr>
-          <a:xfrm>
-            <a:off x="5167151" y="5869521"/>
-            <a:ext cx="1344423" cy="703684"/>
-          </a:xfrm>
-          <a:prstGeom prst="rect">
-            <a:avLst/>
-          </a:prstGeom>
-        </p:spPr>
-        <p:style>
-          <a:lnRef idx="2">
-            <a:schemeClr val="accent1">
-              <a:shade val="50000"/>
-            </a:schemeClr>
-          </a:lnRef>
-          <a:fillRef idx="1">
-            <a:schemeClr val="accent1"/>
-          </a:fillRef>
-          <a:effectRef idx="0">
-            <a:schemeClr val="accent1"/>
-          </a:effectRef>
-          <a:fontRef idx="minor">
-            <a:schemeClr val="lt1"/>
-          </a:fontRef>
-        </p:style>
-        <p:txBody>
-          <a:bodyPr rtlCol="0" anchor="ctr"/>
-          <a:lstStyle/>
-          <a:p>
-            <a:pPr algn="ctr"/>
-            <a:r>
-              <a:rPr lang="fr-FR" dirty="0" err="1" smtClean="0"/>
-              <a:t>Pending</a:t>
-            </a:r>
-            <a:r>
-              <a:rPr lang="fr-FR" dirty="0" smtClean="0"/>
-              <a:t> </a:t>
-            </a:r>
-            <a:r>
-              <a:rPr lang="fr-FR" dirty="0" err="1" smtClean="0"/>
-              <a:t>status</a:t>
-            </a:r>
-            <a:endParaRPr lang="fr-FR" dirty="0"/>
-          </a:p>
-        </p:txBody>
-      </p:sp>
-      <p:cxnSp>
-        <p:nvCxnSpPr>
-          <p:cNvPr id="135" name="Straight Arrow Connector 134"/>
-          <p:cNvCxnSpPr>
-            <a:stCxn id="77" idx="2"/>
-            <a:endCxn id="133" idx="0"/>
-          </p:cNvCxnSpPr>
-          <p:nvPr/>
-        </p:nvCxnSpPr>
-        <p:spPr>
-          <a:xfrm>
-            <a:off x="5839363" y="5454134"/>
-            <a:ext cx="0" cy="415387"/>
-          </a:xfrm>
-          <a:prstGeom prst="straightConnector1">
-            <a:avLst/>
-          </a:prstGeom>
-          <a:ln>
-            <a:tailEnd type="triangle"/>
-          </a:ln>
-        </p:spPr>
-        <p:style>
-          <a:lnRef idx="1">
-            <a:schemeClr val="accent1"/>
-          </a:lnRef>
-          <a:fillRef idx="0">
-            <a:schemeClr val="accent1"/>
-          </a:fillRef>
-          <a:effectRef idx="0">
-            <a:schemeClr val="accent1"/>
-          </a:effectRef>
-          <a:fontRef idx="minor">
-            <a:schemeClr val="tx1"/>
-          </a:fontRef>
-        </p:style>
-      </p:cxnSp>
-      <p:sp>
-        <p:nvSpPr>
-          <p:cNvPr id="136" name="TextBox 135"/>
-          <p:cNvSpPr txBox="1"/>
-          <p:nvPr/>
-        </p:nvSpPr>
-        <p:spPr>
-          <a:xfrm>
-            <a:off x="5906152" y="5454134"/>
-            <a:ext cx="455574" cy="369332"/>
-          </a:xfrm>
-          <a:prstGeom prst="rect">
-            <a:avLst/>
-          </a:prstGeom>
-          <a:noFill/>
-        </p:spPr>
-        <p:txBody>
-          <a:bodyPr wrap="none" rtlCol="0">
-            <a:spAutoFit/>
-          </a:bodyPr>
-          <a:lstStyle/>
-          <a:p>
-            <a:r>
-              <a:rPr lang="fr-FR" dirty="0" smtClean="0"/>
-              <a:t>No</a:t>
-            </a:r>
-            <a:endParaRPr lang="fr-FR" dirty="0"/>
-          </a:p>
-        </p:txBody>
-      </p:sp>
-    </p:spTree>
-    <p:extLst>
-      <p:ext uri="{BB962C8B-B14F-4D97-AF65-F5344CB8AC3E}">
-        <p14:creationId xmlns:p14="http://schemas.microsoft.com/office/powerpoint/2010/main" val="1986660502"/>
-      </p:ext>
-    </p:extLst>
-  </p:cSld>
-  <p:clrMapOvr>
-    <a:masterClrMapping/>
-  </p:clrMapOvr>
-  <p:timing>
-    <p:tnLst>
-      <p:par>
-        <p:cTn id="1" dur="indefinite" restart="never" nodeType="tmRoot"/>
-      </p:par>
-    </p:tnLst>
-  </p:timing>
-</p:sld>
-</file>
-
-<file path=ppt/slides/slide9.xml><?xml version="1.0" encoding="utf-8"?>
-<p:sld xmlns:a="http://schemas.openxmlformats.org/drawingml/2006/main" xmlns:r="http://schemas.openxmlformats.org/officeDocument/2006/relationships" xmlns:p="http://schemas.openxmlformats.org/presentationml/2006/main">
-  <p:cSld>
-    <p:spTree>
-      <p:nvGrpSpPr>
-        <p:cNvPr id="1" name=""/>
-        <p:cNvGrpSpPr/>
-        <p:nvPr/>
-      </p:nvGrpSpPr>
-      <p:grpSpPr>
-        <a:xfrm>
-          <a:off x="0" y="0"/>
-          <a:ext cx="0" cy="0"/>
-          <a:chOff x="0" y="0"/>
-          <a:chExt cx="0" cy="0"/>
-        </a:xfrm>
-      </p:grpSpPr>
-      <p:sp>
-        <p:nvSpPr>
-          <p:cNvPr id="2" name="Title 1"/>
-          <p:cNvSpPr>
-            <a:spLocks noGrp="1"/>
-          </p:cNvSpPr>
-          <p:nvPr>
-            <p:ph type="title"/>
-          </p:nvPr>
-        </p:nvSpPr>
-        <p:spPr/>
-        <p:txBody>
-          <a:bodyPr/>
-          <a:lstStyle/>
-          <a:p>
-            <a:r>
-              <a:rPr lang="fr-FR" dirty="0" smtClean="0"/>
-              <a:t>Q&amp;A flow – Pri2</a:t>
-            </a:r>
-            <a:endParaRPr lang="fr-FR" dirty="0"/>
-          </a:p>
-        </p:txBody>
-      </p:sp>
-      <p:sp>
-        <p:nvSpPr>
-          <p:cNvPr id="3" name="Rectangle 2"/>
-          <p:cNvSpPr/>
-          <p:nvPr/>
-        </p:nvSpPr>
-        <p:spPr>
-          <a:xfrm>
-            <a:off x="509016" y="2005267"/>
-            <a:ext cx="1597152" cy="755904"/>
-          </a:xfrm>
-          <a:prstGeom prst="rect">
-            <a:avLst/>
-          </a:prstGeom>
-        </p:spPr>
-        <p:style>
-          <a:lnRef idx="2">
-            <a:schemeClr val="accent1">
-              <a:shade val="50000"/>
-            </a:schemeClr>
-          </a:lnRef>
-          <a:fillRef idx="1">
-            <a:schemeClr val="accent1"/>
-          </a:fillRef>
-          <a:effectRef idx="0">
-            <a:schemeClr val="accent1"/>
-          </a:effectRef>
-          <a:fontRef idx="minor">
-            <a:schemeClr val="lt1"/>
-          </a:fontRef>
-        </p:style>
-        <p:txBody>
-          <a:bodyPr rtlCol="0" anchor="ctr"/>
-          <a:lstStyle/>
-          <a:p>
-            <a:pPr algn="ctr"/>
-            <a:r>
-              <a:rPr lang="fr-FR" dirty="0" smtClean="0"/>
-              <a:t>Select Q &amp;A tab</a:t>
-            </a:r>
-            <a:endParaRPr lang="fr-FR" dirty="0"/>
-          </a:p>
-        </p:txBody>
-      </p:sp>
-      <p:sp>
-        <p:nvSpPr>
-          <p:cNvPr id="4" name="Rectangle 3"/>
-          <p:cNvSpPr/>
-          <p:nvPr/>
-        </p:nvSpPr>
-        <p:spPr>
-          <a:xfrm>
-            <a:off x="2712686" y="2011618"/>
-            <a:ext cx="1597152" cy="755904"/>
-          </a:xfrm>
-          <a:prstGeom prst="rect">
-            <a:avLst/>
-          </a:prstGeom>
-        </p:spPr>
-        <p:style>
-          <a:lnRef idx="2">
-            <a:schemeClr val="accent1">
-              <a:shade val="50000"/>
-            </a:schemeClr>
-          </a:lnRef>
-          <a:fillRef idx="1">
-            <a:schemeClr val="accent1"/>
-          </a:fillRef>
-          <a:effectRef idx="0">
-            <a:schemeClr val="accent1"/>
-          </a:effectRef>
-          <a:fontRef idx="minor">
-            <a:schemeClr val="lt1"/>
-          </a:fontRef>
-        </p:style>
-        <p:txBody>
-          <a:bodyPr rtlCol="0" anchor="ctr"/>
-          <a:lstStyle/>
-          <a:p>
-            <a:pPr algn="ctr"/>
-            <a:r>
-              <a:rPr lang="fr-FR" dirty="0" err="1" smtClean="0"/>
-              <a:t>Search</a:t>
-            </a:r>
-            <a:r>
-              <a:rPr lang="fr-FR" dirty="0" smtClean="0"/>
-              <a:t> keyword</a:t>
-            </a:r>
-            <a:endParaRPr lang="fr-FR" dirty="0"/>
-          </a:p>
-        </p:txBody>
-      </p:sp>
-      <p:sp>
-        <p:nvSpPr>
-          <p:cNvPr id="8" name="Rectangle 7"/>
-          <p:cNvSpPr/>
-          <p:nvPr/>
-        </p:nvSpPr>
-        <p:spPr>
-          <a:xfrm>
-            <a:off x="7528458" y="2023872"/>
-            <a:ext cx="1597152" cy="755904"/>
-          </a:xfrm>
-          <a:prstGeom prst="rect">
-            <a:avLst/>
-          </a:prstGeom>
-        </p:spPr>
-        <p:style>
-          <a:lnRef idx="2">
-            <a:schemeClr val="accent1">
-              <a:shade val="50000"/>
-            </a:schemeClr>
-          </a:lnRef>
-          <a:fillRef idx="1">
-            <a:schemeClr val="accent1"/>
-          </a:fillRef>
-          <a:effectRef idx="0">
-            <a:schemeClr val="accent1"/>
-          </a:effectRef>
-          <a:fontRef idx="minor">
-            <a:schemeClr val="lt1"/>
-          </a:fontRef>
-        </p:style>
-        <p:txBody>
-          <a:bodyPr rtlCol="0" anchor="ctr"/>
-          <a:lstStyle/>
-          <a:p>
-            <a:pPr algn="ctr"/>
-            <a:r>
-              <a:rPr lang="fr-FR" dirty="0" err="1" smtClean="0"/>
-              <a:t>Choose</a:t>
-            </a:r>
-            <a:r>
-              <a:rPr lang="fr-FR" dirty="0" smtClean="0"/>
-              <a:t> to </a:t>
-            </a:r>
-            <a:r>
-              <a:rPr lang="fr-FR" dirty="0" err="1" smtClean="0"/>
-              <a:t>submit</a:t>
-            </a:r>
-            <a:r>
-              <a:rPr lang="fr-FR" dirty="0" smtClean="0"/>
-              <a:t> a question</a:t>
-            </a:r>
-            <a:endParaRPr lang="fr-FR" dirty="0"/>
-          </a:p>
-        </p:txBody>
-      </p:sp>
-      <p:sp>
-        <p:nvSpPr>
-          <p:cNvPr id="9" name="Rectangle 8"/>
-          <p:cNvSpPr/>
-          <p:nvPr/>
-        </p:nvSpPr>
-        <p:spPr>
-          <a:xfrm>
-            <a:off x="9945590" y="2011618"/>
-            <a:ext cx="1597152" cy="755904"/>
-          </a:xfrm>
-          <a:prstGeom prst="rect">
-            <a:avLst/>
-          </a:prstGeom>
-        </p:spPr>
-        <p:style>
-          <a:lnRef idx="2">
-            <a:schemeClr val="accent1">
-              <a:shade val="50000"/>
-            </a:schemeClr>
-          </a:lnRef>
-          <a:fillRef idx="1">
-            <a:schemeClr val="accent1"/>
-          </a:fillRef>
-          <a:effectRef idx="0">
-            <a:schemeClr val="accent1"/>
-          </a:effectRef>
-          <a:fontRef idx="minor">
-            <a:schemeClr val="lt1"/>
-          </a:fontRef>
-        </p:style>
-        <p:txBody>
-          <a:bodyPr rtlCol="0" anchor="ctr"/>
-          <a:lstStyle/>
-          <a:p>
-            <a:pPr algn="ctr"/>
-            <a:r>
-              <a:rPr lang="fr-FR" dirty="0" err="1" smtClean="0"/>
+              <a:rPr lang="en-US" dirty="0" smtClean="0"/>
               <a:t>G</a:t>
             </a:r>
             <a:r>
-              <a:rPr lang="fr-FR" altLang="zh-CN" dirty="0" err="1" smtClean="0"/>
-              <a:t>enerate</a:t>
-            </a:r>
-            <a:r>
-              <a:rPr lang="fr-FR" altLang="zh-CN" dirty="0" smtClean="0"/>
-              <a:t> a message </a:t>
-            </a:r>
-            <a:r>
-              <a:rPr lang="fr-FR" dirty="0" smtClean="0"/>
-              <a:t>at </a:t>
-            </a:r>
-            <a:r>
-              <a:rPr lang="fr-FR" dirty="0" err="1" smtClean="0"/>
-              <a:t>Inbox</a:t>
-            </a:r>
-            <a:endParaRPr lang="fr-FR" dirty="0"/>
+              <a:rPr lang="en-US" altLang="zh-CN" dirty="0" smtClean="0"/>
+              <a:t>enerate a message </a:t>
+            </a:r>
+            <a:r>
+              <a:rPr lang="en-US" dirty="0" smtClean="0"/>
+              <a:t>at Inbox</a:t>
+            </a:r>
+            <a:endParaRPr lang="en-US" dirty="0"/>
           </a:p>
         </p:txBody>
       </p:sp>
@@ -10053,50 +8064,10 @@
           <a:p>
             <a:pPr algn="ctr"/>
             <a:r>
-              <a:rPr lang="fr-FR" dirty="0" err="1" smtClean="0"/>
-              <a:t>Receive</a:t>
-            </a:r>
-            <a:r>
-              <a:rPr lang="fr-FR" dirty="0" smtClean="0"/>
-              <a:t> </a:t>
-            </a:r>
-            <a:r>
-              <a:rPr lang="fr-FR" dirty="0" err="1" smtClean="0"/>
-              <a:t>answer</a:t>
-            </a:r>
-            <a:r>
-              <a:rPr lang="fr-FR" dirty="0" smtClean="0"/>
-              <a:t> </a:t>
-            </a:r>
-            <a:r>
-              <a:rPr lang="fr-FR" dirty="0" err="1" smtClean="0"/>
-              <a:t>from</a:t>
-            </a:r>
-            <a:r>
-              <a:rPr lang="fr-FR" dirty="0" smtClean="0"/>
-              <a:t> </a:t>
-            </a:r>
-            <a:r>
-              <a:rPr lang="fr-FR" dirty="0" err="1" smtClean="0"/>
-              <a:t>teacher</a:t>
-            </a:r>
-            <a:r>
-              <a:rPr lang="fr-FR" dirty="0" smtClean="0"/>
-              <a:t> at </a:t>
-            </a:r>
-            <a:r>
-              <a:rPr lang="fr-FR" dirty="0" err="1" smtClean="0"/>
-              <a:t>Inbox</a:t>
-            </a:r>
-            <a:r>
-              <a:rPr lang="fr-FR" dirty="0" smtClean="0"/>
-              <a:t> - </a:t>
-            </a:r>
-            <a:r>
-              <a:rPr lang="fr-FR" dirty="0" err="1" smtClean="0"/>
-              <a:t>Private</a:t>
-            </a:r>
-            <a:endParaRPr lang="fr-FR" dirty="0"/>
+              <a:rPr lang="en-US" dirty="0" smtClean="0"/>
+              <a:t>Receive answer from teacher at Inbox - Private</a:t>
+            </a:r>
+            <a:endParaRPr lang="en-US" dirty="0"/>
           </a:p>
         </p:txBody>
       </p:sp>
@@ -10176,46 +8147,10 @@
           <a:p>
             <a:pPr algn="ctr"/>
             <a:r>
-              <a:rPr lang="fr-FR" dirty="0" smtClean="0"/>
-              <a:t>Teacher notices a question </a:t>
-            </a:r>
-            <a:r>
-              <a:rPr lang="fr-FR" dirty="0" err="1" smtClean="0"/>
-              <a:t>from</a:t>
-            </a:r>
-            <a:r>
-              <a:rPr lang="fr-FR" dirty="0" smtClean="0"/>
-              <a:t> </a:t>
-            </a:r>
-            <a:r>
-              <a:rPr lang="fr-FR" dirty="0" err="1" smtClean="0"/>
-              <a:t>student</a:t>
-            </a:r>
-            <a:r>
-              <a:rPr lang="fr-FR" dirty="0" smtClean="0"/>
-              <a:t> at </a:t>
-            </a:r>
-            <a:r>
-              <a:rPr lang="fr-FR" dirty="0" err="1" smtClean="0"/>
-              <a:t>Inbox</a:t>
-            </a:r>
-            <a:r>
-              <a:rPr lang="fr-FR" dirty="0" smtClean="0"/>
-              <a:t> </a:t>
-            </a:r>
-            <a:r>
-              <a:rPr lang="fr-FR" dirty="0" err="1" smtClean="0"/>
-              <a:t>from</a:t>
-            </a:r>
-            <a:r>
-              <a:rPr lang="fr-FR" dirty="0" smtClean="0"/>
-              <a:t> admin </a:t>
-            </a:r>
-            <a:r>
-              <a:rPr lang="fr-FR" dirty="0" err="1" smtClean="0"/>
-              <a:t>tool</a:t>
-            </a:r>
-            <a:endParaRPr lang="fr-FR" dirty="0"/>
+              <a:rPr lang="en-US" dirty="0" smtClean="0"/>
+              <a:t>Teacher notices a question from student at Inbox from admin tool</a:t>
+            </a:r>
+            <a:endParaRPr lang="en-US" dirty="0"/>
           </a:p>
         </p:txBody>
       </p:sp>
@@ -10259,10 +8194,10 @@
           <a:p>
             <a:pPr algn="ctr"/>
             <a:r>
-              <a:rPr lang="fr-FR" dirty="0" smtClean="0"/>
+              <a:rPr lang="en-US" dirty="0" smtClean="0"/>
               <a:t>Teacher replies back the question</a:t>
             </a:r>
-            <a:endParaRPr lang="fr-FR" dirty="0"/>
+            <a:endParaRPr lang="en-US" dirty="0"/>
           </a:p>
         </p:txBody>
       </p:sp>
@@ -10378,50 +8313,10 @@
           <a:p>
             <a:pPr algn="ctr"/>
             <a:r>
-              <a:rPr lang="fr-FR" dirty="0" smtClean="0"/>
-              <a:t>If the Q&amp;A </a:t>
-            </a:r>
-            <a:r>
-              <a:rPr lang="fr-FR" dirty="0" err="1" smtClean="0"/>
-              <a:t>applies</a:t>
-            </a:r>
-            <a:r>
-              <a:rPr lang="fr-FR" dirty="0" smtClean="0"/>
-              <a:t> to all, </a:t>
-            </a:r>
-            <a:r>
-              <a:rPr lang="fr-FR" dirty="0" err="1" smtClean="0"/>
-              <a:t>teacher</a:t>
-            </a:r>
-            <a:r>
-              <a:rPr lang="fr-FR" dirty="0" smtClean="0"/>
-              <a:t> </a:t>
-            </a:r>
-            <a:r>
-              <a:rPr lang="fr-FR" dirty="0" err="1" smtClean="0"/>
-              <a:t>adds</a:t>
-            </a:r>
-            <a:r>
-              <a:rPr lang="fr-FR" dirty="0" smtClean="0"/>
-              <a:t> </a:t>
-            </a:r>
-            <a:r>
-              <a:rPr lang="fr-FR" dirty="0" err="1" smtClean="0"/>
-              <a:t>it</a:t>
-            </a:r>
-            <a:r>
-              <a:rPr lang="fr-FR" dirty="0" smtClean="0"/>
-              <a:t> </a:t>
-            </a:r>
-            <a:r>
-              <a:rPr lang="fr-FR" dirty="0" err="1" smtClean="0"/>
-              <a:t>knowledge</a:t>
-            </a:r>
-            <a:r>
-              <a:rPr lang="fr-FR" dirty="0" smtClean="0"/>
-              <a:t> base. </a:t>
-            </a:r>
-            <a:endParaRPr lang="fr-FR" dirty="0"/>
+              <a:rPr lang="en-US" dirty="0" smtClean="0"/>
+              <a:t>If the Q&amp;A applies to all, teacher adds it knowledge base. </a:t>
+            </a:r>
+            <a:endParaRPr lang="en-US" dirty="0"/>
           </a:p>
         </p:txBody>
       </p:sp>
@@ -10462,14 +8357,10 @@
           <a:p>
             <a:pPr algn="ctr"/>
             <a:r>
-              <a:rPr lang="fr-FR" dirty="0" smtClean="0"/>
-              <a:t>If not </a:t>
-            </a:r>
-            <a:r>
-              <a:rPr lang="fr-FR" dirty="0" err="1" smtClean="0"/>
-              <a:t>found</a:t>
-            </a:r>
-            <a:endParaRPr lang="fr-FR" dirty="0"/>
+              <a:rPr lang="en-US" dirty="0" smtClean="0"/>
+              <a:t>If not found</a:t>
+            </a:r>
+            <a:endParaRPr lang="en-US" dirty="0"/>
           </a:p>
         </p:txBody>
       </p:sp>
@@ -10532,46 +8423,10 @@
           <a:lstStyle/>
           <a:p>
             <a:r>
-              <a:rPr lang="fr-FR" dirty="0" smtClean="0"/>
-              <a:t>*</a:t>
-            </a:r>
-            <a:r>
-              <a:rPr lang="fr-FR" dirty="0" err="1" smtClean="0"/>
-              <a:t>students</a:t>
-            </a:r>
-            <a:r>
-              <a:rPr lang="fr-FR" dirty="0" smtClean="0"/>
-              <a:t> </a:t>
-            </a:r>
-            <a:r>
-              <a:rPr lang="fr-FR" dirty="0" err="1" smtClean="0"/>
-              <a:t>cannot</a:t>
-            </a:r>
-            <a:r>
-              <a:rPr lang="fr-FR" dirty="0" smtClean="0"/>
-              <a:t> </a:t>
-            </a:r>
-            <a:r>
-              <a:rPr lang="fr-FR" dirty="0" err="1" smtClean="0"/>
-              <a:t>reply</a:t>
-            </a:r>
-            <a:r>
-              <a:rPr lang="fr-FR" dirty="0" smtClean="0"/>
-              <a:t> back messages </a:t>
-            </a:r>
-            <a:r>
-              <a:rPr lang="fr-FR" dirty="0" err="1" smtClean="0"/>
-              <a:t>received</a:t>
-            </a:r>
-            <a:r>
-              <a:rPr lang="fr-FR" dirty="0" smtClean="0"/>
-              <a:t> in </a:t>
-            </a:r>
-            <a:r>
-              <a:rPr lang="fr-FR" dirty="0" err="1" smtClean="0"/>
-              <a:t>Inbox</a:t>
-            </a:r>
-            <a:endParaRPr lang="fr-FR" dirty="0"/>
+              <a:rPr lang="en-US" dirty="0" smtClean="0"/>
+              <a:t>*students cannot reply back messages received in Inbox</a:t>
+            </a:r>
+            <a:endParaRPr lang="en-US" dirty="0"/>
           </a:p>
         </p:txBody>
       </p:sp>
